--- a/Diapo Soutenance.pptx
+++ b/Diapo Soutenance.pptx
@@ -2,7 +2,7 @@
 <file path=ppt/presentation.xml><?xml version="1.0" encoding="utf-8"?>
 <p:presentation xmlns:a="http://schemas.openxmlformats.org/drawingml/2006/main" xmlns:r="http://schemas.openxmlformats.org/officeDocument/2006/relationships" xmlns:p="http://schemas.openxmlformats.org/presentationml/2006/main" saveSubsetFonts="1">
   <p:sldMasterIdLst>
-    <p:sldMasterId id="2147483672" r:id="rId1"/>
+    <p:sldMasterId id="2147483696" r:id="rId1"/>
   </p:sldMasterIdLst>
   <p:notesMasterIdLst>
     <p:notesMasterId r:id="rId14"/>
@@ -1700,8 +1700,13 @@
 </file>
 
 <file path=ppt/slideLayouts/slideLayout1.xml><?xml version="1.0" encoding="utf-8"?>
-<p:sldLayout xmlns:a="http://schemas.openxmlformats.org/drawingml/2006/main" xmlns:r="http://schemas.openxmlformats.org/officeDocument/2006/relationships" xmlns:p="http://schemas.openxmlformats.org/presentationml/2006/main" type="title" preserve="1">
+<p:sldLayout xmlns:a="http://schemas.openxmlformats.org/drawingml/2006/main" xmlns:r="http://schemas.openxmlformats.org/officeDocument/2006/relationships" xmlns:p="http://schemas.openxmlformats.org/presentationml/2006/main" showMasterSp="0" type="title" preserve="1">
   <p:cSld name="Diapositive de titre">
+    <p:bg>
+      <p:bgRef idx="1002">
+        <a:schemeClr val="bg2"/>
+      </p:bgRef>
+    </p:bg>
     <p:spTree>
       <p:nvGrpSpPr>
         <p:cNvPr id="1" name=""/>
@@ -1718,7 +1723,203 @@
       </p:grpSpPr>
       <p:sp>
         <p:nvSpPr>
-          <p:cNvPr id="8" name="Titre 7"/>
+          <p:cNvPr id="7" name="Forme libre 6"/>
+          <p:cNvSpPr>
+            <a:spLocks/>
+          </p:cNvSpPr>
+          <p:nvPr/>
+        </p:nvSpPr>
+        <p:spPr bwMode="auto">
+          <a:xfrm>
+            <a:off x="0" y="5238339"/>
+            <a:ext cx="10080625" cy="2329149"/>
+          </a:xfrm>
+          <a:custGeom>
+            <a:avLst>
+              <a:gd name="A1" fmla="val 0"/>
+              <a:gd name="A2" fmla="val 0"/>
+              <a:gd name="A3" fmla="val 0"/>
+              <a:gd name="A4" fmla="val 0"/>
+              <a:gd name="A5" fmla="val 0"/>
+              <a:gd name="A6" fmla="val 0"/>
+              <a:gd name="A7" fmla="val 0"/>
+              <a:gd name="A8" fmla="val 0"/>
+            </a:avLst>
+            <a:gdLst/>
+            <a:ahLst/>
+            <a:cxnLst>
+              <a:cxn ang="0">
+                <a:pos x="0" y="1066"/>
+              </a:cxn>
+              <a:cxn ang="0">
+                <a:pos x="0" y="1331"/>
+              </a:cxn>
+              <a:cxn ang="0">
+                <a:pos x="5760" y="1331"/>
+              </a:cxn>
+              <a:cxn ang="0">
+                <a:pos x="5760" y="0"/>
+              </a:cxn>
+              <a:cxn ang="0">
+                <a:pos x="0" y="1066"/>
+              </a:cxn>
+            </a:cxnLst>
+            <a:rect l="0" t="0" r="0" b="0"/>
+            <a:pathLst>
+              <a:path w="5760" h="1331">
+                <a:moveTo>
+                  <a:pt x="0" y="1066"/>
+                </a:moveTo>
+                <a:lnTo>
+                  <a:pt x="0" y="1331"/>
+                </a:lnTo>
+                <a:lnTo>
+                  <a:pt x="5760" y="1331"/>
+                </a:lnTo>
+                <a:lnTo>
+                  <a:pt x="5760" y="0"/>
+                </a:lnTo>
+                <a:cubicBezTo>
+                  <a:pt x="3220" y="1206"/>
+                  <a:pt x="2250" y="1146"/>
+                  <a:pt x="0" y="1066"/>
+                </a:cubicBezTo>
+                <a:close/>
+              </a:path>
+            </a:pathLst>
+          </a:custGeom>
+          <a:solidFill>
+            <a:schemeClr val="bg1">
+              <a:tint val="80000"/>
+              <a:satMod val="200000"/>
+              <a:alpha val="45000"/>
+            </a:schemeClr>
+          </a:solidFill>
+          <a:ln w="9525" cap="flat" cmpd="sng" algn="ctr">
+            <a:noFill/>
+            <a:prstDash val="solid"/>
+            <a:round/>
+            <a:headEnd type="none" w="med" len="med"/>
+            <a:tailEnd type="none" w="med" len="med"/>
+          </a:ln>
+          <a:effectLst>
+            <a:outerShdw blurRad="50800" dist="44450" dir="16200000" algn="ctr" rotWithShape="0">
+              <a:prstClr val="black">
+                <a:alpha val="35000"/>
+              </a:prstClr>
+            </a:outerShdw>
+          </a:effectLst>
+        </p:spPr>
+        <p:txBody>
+          <a:bodyPr vert="horz" wrap="square" lIns="100794" tIns="50397" rIns="100794" bIns="50397" anchor="t" compatLnSpc="1"/>
+          <a:lstStyle/>
+          <a:p>
+            <a:endParaRPr kumimoji="0" lang="en-US"/>
+          </a:p>
+        </p:txBody>
+      </p:sp>
+      <p:sp>
+        <p:nvSpPr>
+          <p:cNvPr id="8" name="Forme libre 7"/>
+          <p:cNvSpPr>
+            <a:spLocks/>
+          </p:cNvSpPr>
+          <p:nvPr/>
+        </p:nvSpPr>
+        <p:spPr bwMode="auto">
+          <a:xfrm>
+            <a:off x="6730918" y="0"/>
+            <a:ext cx="3349708" cy="7559675"/>
+          </a:xfrm>
+          <a:custGeom>
+            <a:avLst/>
+            <a:gdLst>
+              <a:gd name="connsiteX0" fmla="*/ 1914 w 1914"/>
+              <a:gd name="connsiteY0" fmla="*/ 9 h 4329"/>
+              <a:gd name="connsiteX1" fmla="*/ 1914 w 1914"/>
+              <a:gd name="connsiteY1" fmla="*/ 4329 h 4329"/>
+              <a:gd name="connsiteX2" fmla="*/ 204 w 1914"/>
+              <a:gd name="connsiteY2" fmla="*/ 4327 h 4329"/>
+              <a:gd name="connsiteX3" fmla="*/ 0 w 1914"/>
+              <a:gd name="connsiteY3" fmla="*/ 0 h 4329"/>
+              <a:gd name="connsiteX4" fmla="*/ 1914 w 1914"/>
+              <a:gd name="connsiteY4" fmla="*/ 9 h 4329"/>
+            </a:gdLst>
+            <a:ahLst/>
+            <a:cxnLst>
+              <a:cxn ang="0">
+                <a:pos x="connsiteX0" y="connsiteY0"/>
+              </a:cxn>
+              <a:cxn ang="0">
+                <a:pos x="connsiteX1" y="connsiteY1"/>
+              </a:cxn>
+              <a:cxn ang="0">
+                <a:pos x="connsiteX2" y="connsiteY2"/>
+              </a:cxn>
+              <a:cxn ang="0">
+                <a:pos x="connsiteX3" y="connsiteY3"/>
+              </a:cxn>
+              <a:cxn ang="0">
+                <a:pos x="connsiteX4" y="connsiteY4"/>
+              </a:cxn>
+            </a:cxnLst>
+            <a:rect l="l" t="t" r="r" b="b"/>
+            <a:pathLst>
+              <a:path w="1914" h="4329">
+                <a:moveTo>
+                  <a:pt x="1914" y="9"/>
+                </a:moveTo>
+                <a:lnTo>
+                  <a:pt x="1914" y="4329"/>
+                </a:lnTo>
+                <a:lnTo>
+                  <a:pt x="204" y="4327"/>
+                </a:lnTo>
+                <a:cubicBezTo>
+                  <a:pt x="1288" y="3574"/>
+                  <a:pt x="1608" y="1590"/>
+                  <a:pt x="0" y="0"/>
+                </a:cubicBezTo>
+                <a:lnTo>
+                  <a:pt x="1914" y="9"/>
+                </a:lnTo>
+                <a:close/>
+              </a:path>
+            </a:pathLst>
+          </a:custGeom>
+          <a:solidFill>
+            <a:schemeClr val="bg1">
+              <a:tint val="90000"/>
+              <a:satMod val="350000"/>
+              <a:alpha val="40000"/>
+            </a:schemeClr>
+          </a:solidFill>
+          <a:ln w="9525" cap="flat" cmpd="sng" algn="ctr">
+            <a:noFill/>
+            <a:prstDash val="solid"/>
+            <a:round/>
+            <a:headEnd type="none" w="med" len="med"/>
+            <a:tailEnd type="none" w="med" len="med"/>
+          </a:ln>
+          <a:effectLst>
+            <a:outerShdw blurRad="50800" dist="50800" dir="10800000" algn="ctr" rotWithShape="0">
+              <a:prstClr val="black">
+                <a:alpha val="45000"/>
+              </a:prstClr>
+            </a:outerShdw>
+          </a:effectLst>
+        </p:spPr>
+        <p:txBody>
+          <a:bodyPr vert="horz" wrap="square" lIns="100794" tIns="50397" rIns="100794" bIns="50397" anchor="t" compatLnSpc="1"/>
+          <a:lstStyle/>
+          <a:p>
+            <a:endParaRPr kumimoji="0" lang="en-US"/>
+          </a:p>
+        </p:txBody>
+      </p:sp>
+      <p:sp>
+        <p:nvSpPr>
+          <p:cNvPr id="9" name="Titre 8"/>
           <p:cNvSpPr>
             <a:spLocks noGrp="1"/>
           </p:cNvSpPr>
@@ -1728,57 +1929,65 @@
         </p:nvSpPr>
         <p:spPr>
           <a:xfrm>
-            <a:off x="465259" y="1511935"/>
-            <a:ext cx="9072563" cy="2015913"/>
+            <a:off x="473013" y="3679042"/>
+            <a:ext cx="7143803" cy="2536691"/>
           </a:xfrm>
         </p:spPr>
         <p:txBody>
-          <a:bodyPr vert="horz" lIns="50397" tIns="0" rIns="50397" bIns="0" anchor="b">
-            <a:normAutofit/>
-            <a:scene3d>
-              <a:camera prst="orthographicFront"/>
-              <a:lightRig rig="soft" dir="t">
-                <a:rot lat="0" lon="0" rev="17220000"/>
-              </a:lightRig>
-            </a:scene3d>
-            <a:sp3d prstMaterial="softEdge">
-              <a:bevelT w="38100" h="38100"/>
-            </a:sp3d>
-          </a:bodyPr>
+          <a:bodyPr rIns="50397" anchor="t"/>
           <a:lstStyle>
-            <a:lvl1pPr>
-              <a:defRPr sz="5300" b="1" cap="all" baseline="0">
-                <a:ln w="6350">
-                  <a:noFill/>
+            <a:lvl1pPr algn="r">
+              <a:defRPr lang="en-US" b="1" cap="all" baseline="0" dirty="0">
+                <a:ln w="5000" cmpd="sng">
+                  <a:solidFill>
+                    <a:schemeClr val="accent1">
+                      <a:tint val="80000"/>
+                      <a:shade val="99000"/>
+                      <a:satMod val="500000"/>
+                    </a:schemeClr>
+                  </a:solidFill>
+                  <a:prstDash val="solid"/>
                 </a:ln>
                 <a:gradFill>
                   <a:gsLst>
                     <a:gs pos="0">
                       <a:schemeClr val="accent1">
-                        <a:tint val="73000"/>
-                        <a:satMod val="145000"/>
+                        <a:tint val="63000"/>
+                        <a:satMod val="255000"/>
                       </a:schemeClr>
                     </a:gs>
-                    <a:gs pos="73000">
+                    <a:gs pos="9000">
                       <a:schemeClr val="accent1">
-                        <a:tint val="73000"/>
-                        <a:satMod val="145000"/>
+                        <a:tint val="63000"/>
+                        <a:satMod val="255000"/>
+                      </a:schemeClr>
+                    </a:gs>
+                    <a:gs pos="53000">
+                      <a:schemeClr val="accent1">
+                        <a:shade val="60000"/>
+                        <a:satMod val="100000"/>
+                      </a:schemeClr>
+                    </a:gs>
+                    <a:gs pos="90000">
+                      <a:schemeClr val="accent1">
+                        <a:tint val="63000"/>
+                        <a:satMod val="255000"/>
                       </a:schemeClr>
                     </a:gs>
                     <a:gs pos="100000">
                       <a:schemeClr val="accent1">
-                        <a:tint val="83000"/>
-                        <a:satMod val="143000"/>
+                        <a:tint val="63000"/>
+                        <a:satMod val="255000"/>
                       </a:schemeClr>
                     </a:gs>
                   </a:gsLst>
-                  <a:lin ang="4800000" scaled="1"/>
+                  <a:lin ang="5400000"/>
                 </a:gradFill>
                 <a:effectLst>
-                  <a:outerShdw blurRad="127000" dist="200000" dir="2700000" algn="tl" rotWithShape="0">
-                    <a:srgbClr val="000000">
-                      <a:alpha val="30000"/>
-                    </a:srgbClr>
+                  <a:outerShdw blurRad="50800" dist="38100" dir="5400000" algn="t" rotWithShape="0">
+                    <a:prstClr val="black">
+                      <a:alpha val="50000"/>
+                    </a:prstClr>
                   </a:outerShdw>
                 </a:effectLst>
               </a:defRPr>
@@ -1795,93 +2004,32 @@
       </p:sp>
       <p:sp>
         <p:nvSpPr>
-          <p:cNvPr id="28" name="Espace réservé de la date 27"/>
+          <p:cNvPr id="17" name="Sous-titre 16"/>
           <p:cNvSpPr>
             <a:spLocks noGrp="1"/>
           </p:cNvSpPr>
           <p:nvPr>
-            <p:ph type="dt" sz="half" idx="10"/>
-          </p:nvPr>
-        </p:nvSpPr>
-        <p:spPr/>
-        <p:txBody>
-          <a:bodyPr/>
-          <a:lstStyle/>
-          <a:p>
-            <a:pPr lvl="0"/>
-            <a:endParaRPr lang="fr-FR"/>
-          </a:p>
-        </p:txBody>
-      </p:sp>
-      <p:sp>
-        <p:nvSpPr>
-          <p:cNvPr id="17" name="Espace réservé du pied de page 16"/>
-          <p:cNvSpPr>
-            <a:spLocks noGrp="1"/>
-          </p:cNvSpPr>
-          <p:nvPr>
-            <p:ph type="ftr" sz="quarter" idx="11"/>
-          </p:nvPr>
-        </p:nvSpPr>
-        <p:spPr/>
-        <p:txBody>
-          <a:bodyPr/>
-          <a:lstStyle/>
-          <a:p>
-            <a:pPr lvl="0"/>
-            <a:endParaRPr lang="fr-FR"/>
-          </a:p>
-        </p:txBody>
-      </p:sp>
-      <p:sp>
-        <p:nvSpPr>
-          <p:cNvPr id="29" name="Espace réservé du numéro de diapositive 28"/>
-          <p:cNvSpPr>
-            <a:spLocks noGrp="1"/>
-          </p:cNvSpPr>
-          <p:nvPr>
-            <p:ph type="sldNum" sz="quarter" idx="12"/>
-          </p:nvPr>
-        </p:nvSpPr>
-        <p:spPr/>
-        <p:txBody>
-          <a:bodyPr/>
-          <a:lstStyle/>
-          <a:p>
-            <a:pPr lvl="0"/>
-            <a:fld id="{335DB9D1-232B-47BA-9D28-1731598BC29D}" type="slidenum">
-              <a:rPr lang="fr-FR" smtClean="0"/>
-              <a:t>‹N°›</a:t>
-            </a:fld>
-            <a:endParaRPr lang="fr-FR"/>
-          </a:p>
-        </p:txBody>
-      </p:sp>
-      <p:sp>
-        <p:nvSpPr>
-          <p:cNvPr id="9" name="Sous-titre 8"/>
-          <p:cNvSpPr>
-            <a:spLocks noGrp="1"/>
-          </p:cNvSpPr>
-          <p:nvPr>
             <p:ph type="subTitle" idx="1"/>
           </p:nvPr>
         </p:nvSpPr>
         <p:spPr>
           <a:xfrm>
-            <a:off x="1512094" y="3672580"/>
-            <a:ext cx="7056438" cy="1931917"/>
+            <a:off x="477408" y="1702869"/>
+            <a:ext cx="7143803" cy="1931917"/>
           </a:xfrm>
         </p:spPr>
         <p:txBody>
-          <a:bodyPr/>
+          <a:bodyPr tIns="0" rIns="50397" bIns="0" anchor="b">
+            <a:normAutofit/>
+          </a:bodyPr>
           <a:lstStyle>
-            <a:lvl1pPr marL="0" indent="0" algn="ctr">
+            <a:lvl1pPr marL="0" indent="0" algn="r">
               <a:buNone/>
-              <a:defRPr>
+              <a:defRPr sz="2200">
                 <a:solidFill>
                   <a:schemeClr val="tx1"/>
                 </a:solidFill>
+                <a:effectLst/>
               </a:defRPr>
             </a:lvl1pPr>
             <a:lvl2pPr marL="503972" indent="0" algn="ctr">
@@ -1918,10 +2066,74 @@
           </a:p>
         </p:txBody>
       </p:sp>
+      <p:sp>
+        <p:nvSpPr>
+          <p:cNvPr id="30" name="Espace réservé de la date 29"/>
+          <p:cNvSpPr>
+            <a:spLocks noGrp="1"/>
+          </p:cNvSpPr>
+          <p:nvPr>
+            <p:ph type="dt" sz="half" idx="10"/>
+          </p:nvPr>
+        </p:nvSpPr>
+        <p:spPr/>
+        <p:txBody>
+          <a:bodyPr/>
+          <a:lstStyle/>
+          <a:p>
+            <a:pPr lvl="0"/>
+            <a:endParaRPr lang="fr-FR"/>
+          </a:p>
+        </p:txBody>
+      </p:sp>
+      <p:sp>
+        <p:nvSpPr>
+          <p:cNvPr id="19" name="Espace réservé du pied de page 18"/>
+          <p:cNvSpPr>
+            <a:spLocks noGrp="1"/>
+          </p:cNvSpPr>
+          <p:nvPr>
+            <p:ph type="ftr" sz="quarter" idx="11"/>
+          </p:nvPr>
+        </p:nvSpPr>
+        <p:spPr/>
+        <p:txBody>
+          <a:bodyPr/>
+          <a:lstStyle/>
+          <a:p>
+            <a:pPr lvl="0"/>
+            <a:endParaRPr lang="fr-FR"/>
+          </a:p>
+        </p:txBody>
+      </p:sp>
+      <p:sp>
+        <p:nvSpPr>
+          <p:cNvPr id="27" name="Espace réservé du numéro de diapositive 26"/>
+          <p:cNvSpPr>
+            <a:spLocks noGrp="1"/>
+          </p:cNvSpPr>
+          <p:nvPr>
+            <p:ph type="sldNum" sz="quarter" idx="12"/>
+          </p:nvPr>
+        </p:nvSpPr>
+        <p:spPr/>
+        <p:txBody>
+          <a:bodyPr/>
+          <a:lstStyle/>
+          <a:p>
+            <a:pPr lvl="0"/>
+            <a:fld id="{335DB9D1-232B-47BA-9D28-1731598BC29D}" type="slidenum">
+              <a:rPr lang="fr-FR" smtClean="0"/>
+              <a:t>‹N°›</a:t>
+            </a:fld>
+            <a:endParaRPr lang="fr-FR"/>
+          </a:p>
+        </p:txBody>
+      </p:sp>
     </p:spTree>
   </p:cSld>
   <p:clrMapOvr>
-    <a:masterClrMapping/>
+    <a:overrideClrMapping bg1="dk1" tx1="lt1" bg2="dk2" tx2="lt2" accent1="accent1" accent2="accent2" accent3="accent3" accent4="accent4" accent5="accent5" accent6="accent6" hlink="hlink" folHlink="folHlink"/>
   </p:clrMapOvr>
 </p:sldLayout>
 </file>
@@ -2294,7 +2506,11 @@
         <p:spPr/>
         <p:txBody>
           <a:bodyPr/>
-          <a:lstStyle/>
+          <a:lstStyle>
+            <a:lvl1pPr algn="l">
+              <a:defRPr/>
+            </a:lvl1pPr>
+          </a:lstStyle>
           <a:p>
             <a:r>
               <a:rPr kumimoji="0" lang="fr-FR" smtClean="0"/>
@@ -2429,10 +2645,10 @@
 </file>
 
 <file path=ppt/slideLayouts/slideLayout3.xml><?xml version="1.0" encoding="utf-8"?>
-<p:sldLayout xmlns:a="http://schemas.openxmlformats.org/drawingml/2006/main" xmlns:r="http://schemas.openxmlformats.org/officeDocument/2006/relationships" xmlns:p="http://schemas.openxmlformats.org/presentationml/2006/main" type="secHead" preserve="1">
+<p:sldLayout xmlns:a="http://schemas.openxmlformats.org/drawingml/2006/main" xmlns:r="http://schemas.openxmlformats.org/officeDocument/2006/relationships" xmlns:p="http://schemas.openxmlformats.org/presentationml/2006/main" showMasterSp="0" type="secHead" preserve="1">
   <p:cSld name="Titre de section">
     <p:bg>
-      <p:bgRef idx="1003">
+      <p:bgRef idx="1002">
         <a:schemeClr val="bg2"/>
       </p:bgRef>
     </p:bg>
@@ -2452,6 +2668,202 @@
       </p:grpSpPr>
       <p:sp>
         <p:nvSpPr>
+          <p:cNvPr id="7" name="Forme libre 6"/>
+          <p:cNvSpPr>
+            <a:spLocks/>
+          </p:cNvSpPr>
+          <p:nvPr/>
+        </p:nvSpPr>
+        <p:spPr bwMode="auto">
+          <a:xfrm>
+            <a:off x="0" y="5238339"/>
+            <a:ext cx="10080625" cy="2329149"/>
+          </a:xfrm>
+          <a:custGeom>
+            <a:avLst>
+              <a:gd name="A1" fmla="val 0"/>
+              <a:gd name="A2" fmla="val 0"/>
+              <a:gd name="A3" fmla="val 0"/>
+              <a:gd name="A4" fmla="val 0"/>
+              <a:gd name="A5" fmla="val 0"/>
+              <a:gd name="A6" fmla="val 0"/>
+              <a:gd name="A7" fmla="val 0"/>
+              <a:gd name="A8" fmla="val 0"/>
+            </a:avLst>
+            <a:gdLst/>
+            <a:ahLst/>
+            <a:cxnLst>
+              <a:cxn ang="0">
+                <a:pos x="0" y="1066"/>
+              </a:cxn>
+              <a:cxn ang="0">
+                <a:pos x="0" y="1331"/>
+              </a:cxn>
+              <a:cxn ang="0">
+                <a:pos x="5760" y="1331"/>
+              </a:cxn>
+              <a:cxn ang="0">
+                <a:pos x="5760" y="0"/>
+              </a:cxn>
+              <a:cxn ang="0">
+                <a:pos x="0" y="1066"/>
+              </a:cxn>
+            </a:cxnLst>
+            <a:rect l="0" t="0" r="0" b="0"/>
+            <a:pathLst>
+              <a:path w="5760" h="1331">
+                <a:moveTo>
+                  <a:pt x="0" y="1066"/>
+                </a:moveTo>
+                <a:lnTo>
+                  <a:pt x="0" y="1331"/>
+                </a:lnTo>
+                <a:lnTo>
+                  <a:pt x="5760" y="1331"/>
+                </a:lnTo>
+                <a:lnTo>
+                  <a:pt x="5760" y="0"/>
+                </a:lnTo>
+                <a:cubicBezTo>
+                  <a:pt x="3220" y="1206"/>
+                  <a:pt x="2250" y="1146"/>
+                  <a:pt x="0" y="1066"/>
+                </a:cubicBezTo>
+                <a:close/>
+              </a:path>
+            </a:pathLst>
+          </a:custGeom>
+          <a:solidFill>
+            <a:schemeClr val="bg1">
+              <a:tint val="80000"/>
+              <a:satMod val="200000"/>
+              <a:alpha val="45000"/>
+            </a:schemeClr>
+          </a:solidFill>
+          <a:ln w="9525" cap="flat" cmpd="sng" algn="ctr">
+            <a:noFill/>
+            <a:prstDash val="solid"/>
+            <a:round/>
+            <a:headEnd type="none" w="med" len="med"/>
+            <a:tailEnd type="none" w="med" len="med"/>
+          </a:ln>
+          <a:effectLst>
+            <a:outerShdw blurRad="50800" dist="44450" dir="16200000" algn="ctr" rotWithShape="0">
+              <a:prstClr val="black">
+                <a:alpha val="35000"/>
+              </a:prstClr>
+            </a:outerShdw>
+          </a:effectLst>
+        </p:spPr>
+        <p:txBody>
+          <a:bodyPr vert="horz" wrap="square" lIns="100794" tIns="50397" rIns="100794" bIns="50397" anchor="t" compatLnSpc="1"/>
+          <a:lstStyle/>
+          <a:p>
+            <a:endParaRPr kumimoji="0" lang="en-US"/>
+          </a:p>
+        </p:txBody>
+      </p:sp>
+      <p:sp>
+        <p:nvSpPr>
+          <p:cNvPr id="9" name="Forme libre 8"/>
+          <p:cNvSpPr>
+            <a:spLocks/>
+          </p:cNvSpPr>
+          <p:nvPr/>
+        </p:nvSpPr>
+        <p:spPr bwMode="auto">
+          <a:xfrm>
+            <a:off x="6730918" y="0"/>
+            <a:ext cx="3349708" cy="7559675"/>
+          </a:xfrm>
+          <a:custGeom>
+            <a:avLst/>
+            <a:gdLst>
+              <a:gd name="connsiteX0" fmla="*/ 1914 w 1914"/>
+              <a:gd name="connsiteY0" fmla="*/ 9 h 4329"/>
+              <a:gd name="connsiteX1" fmla="*/ 1914 w 1914"/>
+              <a:gd name="connsiteY1" fmla="*/ 4329 h 4329"/>
+              <a:gd name="connsiteX2" fmla="*/ 204 w 1914"/>
+              <a:gd name="connsiteY2" fmla="*/ 4327 h 4329"/>
+              <a:gd name="connsiteX3" fmla="*/ 0 w 1914"/>
+              <a:gd name="connsiteY3" fmla="*/ 0 h 4329"/>
+              <a:gd name="connsiteX4" fmla="*/ 1914 w 1914"/>
+              <a:gd name="connsiteY4" fmla="*/ 9 h 4329"/>
+            </a:gdLst>
+            <a:ahLst/>
+            <a:cxnLst>
+              <a:cxn ang="0">
+                <a:pos x="connsiteX0" y="connsiteY0"/>
+              </a:cxn>
+              <a:cxn ang="0">
+                <a:pos x="connsiteX1" y="connsiteY1"/>
+              </a:cxn>
+              <a:cxn ang="0">
+                <a:pos x="connsiteX2" y="connsiteY2"/>
+              </a:cxn>
+              <a:cxn ang="0">
+                <a:pos x="connsiteX3" y="connsiteY3"/>
+              </a:cxn>
+              <a:cxn ang="0">
+                <a:pos x="connsiteX4" y="connsiteY4"/>
+              </a:cxn>
+            </a:cxnLst>
+            <a:rect l="l" t="t" r="r" b="b"/>
+            <a:pathLst>
+              <a:path w="1914" h="4329">
+                <a:moveTo>
+                  <a:pt x="1914" y="9"/>
+                </a:moveTo>
+                <a:lnTo>
+                  <a:pt x="1914" y="4329"/>
+                </a:lnTo>
+                <a:lnTo>
+                  <a:pt x="204" y="4327"/>
+                </a:lnTo>
+                <a:cubicBezTo>
+                  <a:pt x="1288" y="3574"/>
+                  <a:pt x="1608" y="1590"/>
+                  <a:pt x="0" y="0"/>
+                </a:cubicBezTo>
+                <a:lnTo>
+                  <a:pt x="1914" y="9"/>
+                </a:lnTo>
+                <a:close/>
+              </a:path>
+            </a:pathLst>
+          </a:custGeom>
+          <a:solidFill>
+            <a:schemeClr val="bg1">
+              <a:tint val="90000"/>
+              <a:satMod val="350000"/>
+              <a:alpha val="40000"/>
+            </a:schemeClr>
+          </a:solidFill>
+          <a:ln w="9525" cap="flat" cmpd="sng" algn="ctr">
+            <a:noFill/>
+            <a:prstDash val="solid"/>
+            <a:round/>
+            <a:headEnd type="none" w="med" len="med"/>
+            <a:tailEnd type="none" w="med" len="med"/>
+          </a:ln>
+          <a:effectLst>
+            <a:outerShdw blurRad="50800" dist="50800" dir="10800000" algn="ctr" rotWithShape="0">
+              <a:prstClr val="black">
+                <a:alpha val="45000"/>
+              </a:prstClr>
+            </a:outerShdw>
+          </a:effectLst>
+        </p:spPr>
+        <p:txBody>
+          <a:bodyPr vert="horz" wrap="square" lIns="100794" tIns="50397" rIns="100794" bIns="50397" anchor="t" compatLnSpc="1"/>
+          <a:lstStyle/>
+          <a:p>
+            <a:endParaRPr kumimoji="0" lang="en-US"/>
+          </a:p>
+        </p:txBody>
+      </p:sp>
+      <p:sp>
+        <p:nvSpPr>
           <p:cNvPr id="2" name="Titre 1"/>
           <p:cNvSpPr>
             <a:spLocks noGrp="1"/>
@@ -2462,54 +2874,68 @@
         </p:nvSpPr>
         <p:spPr>
           <a:xfrm>
-            <a:off x="1764110" y="671971"/>
-            <a:ext cx="7812484" cy="2015913"/>
+            <a:off x="756047" y="3950517"/>
+            <a:ext cx="7308453" cy="2013227"/>
           </a:xfrm>
         </p:spPr>
         <p:txBody>
-          <a:bodyPr vert="horz" bIns="0" anchor="b">
-            <a:noAutofit/>
-            <a:scene3d>
-              <a:camera prst="orthographicFront"/>
-              <a:lightRig rig="soft" dir="t">
-                <a:rot lat="0" lon="0" rev="17220000"/>
-              </a:lightRig>
-            </a:scene3d>
-            <a:sp3d prstMaterial="softEdge">
-              <a:bevelT w="38100" h="38100"/>
-              <a:contourClr>
-                <a:schemeClr val="tx2">
-                  <a:shade val="50000"/>
-                </a:schemeClr>
-              </a:contourClr>
-            </a:sp3d>
-          </a:bodyPr>
+          <a:bodyPr tIns="0" bIns="0" anchor="t"/>
           <a:lstStyle>
-            <a:lvl1pPr algn="l" rtl="0">
-              <a:spcBef>
-                <a:spcPct val="0"/>
-              </a:spcBef>
+            <a:lvl1pPr algn="l">
               <a:buNone/>
-              <a:defRPr sz="5300" b="1" cap="none" baseline="0">
-                <a:ln w="6350">
-                  <a:noFill/>
+              <a:defRPr sz="4600" b="1" cap="none" baseline="0">
+                <a:ln w="5000" cmpd="sng">
+                  <a:solidFill>
+                    <a:schemeClr val="accent1">
+                      <a:tint val="80000"/>
+                      <a:shade val="99000"/>
+                      <a:satMod val="500000"/>
+                    </a:schemeClr>
+                  </a:solidFill>
+                  <a:prstDash val="solid"/>
                 </a:ln>
-                <a:solidFill>
-                  <a:schemeClr val="accent1">
-                    <a:tint val="90000"/>
-                    <a:satMod val="120000"/>
-                  </a:schemeClr>
-                </a:solidFill>
+                <a:gradFill>
+                  <a:gsLst>
+                    <a:gs pos="0">
+                      <a:schemeClr val="accent1">
+                        <a:tint val="63000"/>
+                        <a:satMod val="255000"/>
+                      </a:schemeClr>
+                    </a:gs>
+                    <a:gs pos="9000">
+                      <a:schemeClr val="accent1">
+                        <a:tint val="63000"/>
+                        <a:satMod val="255000"/>
+                      </a:schemeClr>
+                    </a:gs>
+                    <a:gs pos="53000">
+                      <a:schemeClr val="accent1">
+                        <a:shade val="60000"/>
+                        <a:satMod val="100000"/>
+                      </a:schemeClr>
+                    </a:gs>
+                    <a:gs pos="90000">
+                      <a:schemeClr val="accent1">
+                        <a:tint val="63000"/>
+                        <a:satMod val="255000"/>
+                      </a:schemeClr>
+                    </a:gs>
+                    <a:gs pos="100000">
+                      <a:schemeClr val="accent1">
+                        <a:tint val="63000"/>
+                        <a:satMod val="255000"/>
+                      </a:schemeClr>
+                    </a:gs>
+                  </a:gsLst>
+                  <a:lin ang="5400000"/>
+                </a:gradFill>
                 <a:effectLst>
-                  <a:outerShdw blurRad="114300" dist="101600" dir="2700000" algn="tl" rotWithShape="0">
-                    <a:srgbClr val="000000">
-                      <a:alpha val="40000"/>
-                    </a:srgbClr>
+                  <a:outerShdw blurRad="50800" dist="38100" dir="5400000" algn="t" rotWithShape="0">
+                    <a:prstClr val="black">
+                      <a:alpha val="50000"/>
+                    </a:prstClr>
                   </a:outerShdw>
                 </a:effectLst>
-                <a:latin typeface="+mj-lt"/>
-                <a:ea typeface="+mj-ea"/>
-                <a:cs typeface="+mj-cs"/>
               </a:defRPr>
             </a:lvl1pPr>
           </a:lstStyle>
@@ -2534,19 +2960,20 @@
         </p:nvSpPr>
         <p:spPr>
           <a:xfrm>
-            <a:off x="1764110" y="2764370"/>
-            <a:ext cx="7812484" cy="1664178"/>
+            <a:off x="756047" y="2740134"/>
+            <a:ext cx="7308453" cy="1175826"/>
           </a:xfrm>
         </p:spPr>
         <p:txBody>
-          <a:bodyPr anchor="t"/>
+          <a:bodyPr lIns="50397" tIns="0" rIns="50397" bIns="0" anchor="b"/>
           <a:lstStyle>
-            <a:lvl1pPr marL="80635" indent="0" algn="l">
+            <a:lvl1pPr marL="0" indent="0" algn="l">
               <a:buNone/>
               <a:defRPr sz="2200">
                 <a:solidFill>
                   <a:schemeClr val="tx1"/>
                 </a:solidFill>
+                <a:effectLst/>
               </a:defRPr>
             </a:lvl1pPr>
             <a:lvl2pPr>
@@ -2649,12 +3076,7 @@
             <p:ph type="sldNum" sz="quarter" idx="12"/>
           </p:nvPr>
         </p:nvSpPr>
-        <p:spPr>
-          <a:xfrm>
-            <a:off x="8736542" y="7073196"/>
-            <a:ext cx="840052" cy="402483"/>
-          </a:xfrm>
-        </p:spPr>
+        <p:spPr/>
         <p:txBody>
           <a:bodyPr/>
           <a:lstStyle/>
@@ -2703,7 +3125,12 @@
             <p:ph type="title"/>
           </p:nvPr>
         </p:nvSpPr>
-        <p:spPr/>
+        <p:spPr>
+          <a:xfrm>
+            <a:off x="504031" y="302737"/>
+            <a:ext cx="8232510" cy="1259946"/>
+          </a:xfrm>
+        </p:spPr>
         <p:txBody>
           <a:bodyPr/>
           <a:lstStyle/>
@@ -2729,7 +3156,7 @@
         <p:spPr>
           <a:xfrm>
             <a:off x="504031" y="1763925"/>
-            <a:ext cx="4452276" cy="4989036"/>
+            <a:ext cx="4032250" cy="4989036"/>
           </a:xfrm>
         </p:spPr>
         <p:txBody>
@@ -2739,7 +3166,7 @@
               <a:defRPr sz="2900"/>
             </a:lvl1pPr>
             <a:lvl2pPr>
-              <a:defRPr sz="2600"/>
+              <a:defRPr sz="2400"/>
             </a:lvl2pPr>
             <a:lvl3pPr>
               <a:defRPr sz="2200"/>
@@ -2801,8 +3228,8 @@
         </p:nvSpPr>
         <p:spPr>
           <a:xfrm>
-            <a:off x="5124318" y="1763925"/>
-            <a:ext cx="4452276" cy="4989036"/>
+            <a:off x="4704292" y="1763925"/>
+            <a:ext cx="4032250" cy="4989036"/>
           </a:xfrm>
         </p:spPr>
         <p:txBody>
@@ -2812,7 +3239,7 @@
               <a:defRPr sz="2900"/>
             </a:lvl1pPr>
             <a:lvl2pPr>
-              <a:defRPr sz="2600"/>
+              <a:defRPr sz="2400"/>
             </a:lvl2pPr>
             <a:lvl3pPr>
               <a:defRPr sz="2200"/>
@@ -2935,7 +3362,7 @@
 </file>
 
 <file path=ppt/slideLayouts/slideLayout5.xml><?xml version="1.0" encoding="utf-8"?>
-<p:sldLayout xmlns:a="http://schemas.openxmlformats.org/drawingml/2006/main" xmlns:r="http://schemas.openxmlformats.org/officeDocument/2006/relationships" xmlns:p="http://schemas.openxmlformats.org/presentationml/2006/main" type="twoTxTwoObj" preserve="1">
+<p:sldLayout xmlns:a="http://schemas.openxmlformats.org/drawingml/2006/main" xmlns:r="http://schemas.openxmlformats.org/officeDocument/2006/relationships" xmlns:p="http://schemas.openxmlformats.org/presentationml/2006/main" showMasterSp="0" type="twoTxTwoObj" preserve="1">
   <p:cSld name="Comparaison">
     <p:spTree>
       <p:nvGrpSpPr>
@@ -2995,18 +3422,18 @@
         </p:nvSpPr>
         <p:spPr>
           <a:xfrm>
-            <a:off x="504031" y="1692177"/>
-            <a:ext cx="4454027" cy="827714"/>
+            <a:off x="504031" y="6047740"/>
+            <a:ext cx="4454027" cy="923960"/>
           </a:xfrm>
         </p:spPr>
         <p:txBody>
-          <a:bodyPr anchor="ctr"/>
+          <a:bodyPr anchor="t"/>
           <a:lstStyle>
             <a:lvl1pPr marL="0" indent="0">
               <a:buNone/>
-              <a:defRPr sz="2600" b="0" cap="all" baseline="0">
+              <a:defRPr sz="2600" b="1">
                 <a:solidFill>
-                  <a:schemeClr val="tx1"/>
+                  <a:schemeClr val="accent1"/>
                 </a:solidFill>
               </a:defRPr>
             </a:lvl1pPr>
@@ -3048,18 +3475,18 @@
         </p:nvSpPr>
         <p:spPr>
           <a:xfrm>
-            <a:off x="5120818" y="1692177"/>
-            <a:ext cx="4455776" cy="827714"/>
+            <a:off x="5120818" y="6047740"/>
+            <a:ext cx="4455776" cy="923960"/>
           </a:xfrm>
         </p:spPr>
         <p:txBody>
-          <a:bodyPr anchor="ctr"/>
+          <a:bodyPr anchor="t"/>
           <a:lstStyle>
             <a:lvl1pPr marL="0" indent="0">
               <a:buNone/>
-              <a:defRPr sz="2600" b="0" cap="all" baseline="0">
+              <a:defRPr sz="2600" b="1">
                 <a:solidFill>
-                  <a:schemeClr val="tx1"/>
+                  <a:schemeClr val="accent1"/>
                 </a:solidFill>
               </a:defRPr>
             </a:lvl1pPr>
@@ -3101,8 +3528,8 @@
         </p:nvSpPr>
         <p:spPr>
           <a:xfrm>
-            <a:off x="504031" y="2603889"/>
-            <a:ext cx="4454027" cy="4149072"/>
+            <a:off x="504031" y="1672115"/>
+            <a:ext cx="4454027" cy="4345064"/>
           </a:xfrm>
         </p:spPr>
         <p:txBody>
@@ -3174,8 +3601,8 @@
         </p:nvSpPr>
         <p:spPr>
           <a:xfrm>
-            <a:off x="5120818" y="2603889"/>
-            <a:ext cx="4455776" cy="4149072"/>
+            <a:off x="5120818" y="1672115"/>
+            <a:ext cx="4455776" cy="4345064"/>
           </a:xfrm>
         </p:spPr>
         <p:txBody>
@@ -3334,67 +3761,56 @@
             <p:ph type="title"/>
           </p:nvPr>
         </p:nvSpPr>
+        <p:spPr>
+          <a:xfrm>
+            <a:off x="504031" y="302387"/>
+            <a:ext cx="8235871" cy="1259946"/>
+          </a:xfrm>
+        </p:spPr>
+        <p:txBody>
+          <a:bodyPr anchor="ctr"/>
+          <a:lstStyle>
+            <a:lvl1pPr algn="l">
+              <a:defRPr sz="5100"/>
+            </a:lvl1pPr>
+          </a:lstStyle>
+          <a:p>
+            <a:r>
+              <a:rPr kumimoji="0" lang="fr-FR" smtClean="0"/>
+              <a:t>Modifiez le style du titre</a:t>
+            </a:r>
+            <a:endParaRPr kumimoji="0" lang="en-US"/>
+          </a:p>
+        </p:txBody>
+      </p:sp>
+      <p:sp>
+        <p:nvSpPr>
+          <p:cNvPr id="7" name="Espace réservé de la date 6"/>
+          <p:cNvSpPr>
+            <a:spLocks noGrp="1"/>
+          </p:cNvSpPr>
+          <p:nvPr>
+            <p:ph type="dt" sz="half" idx="10"/>
+          </p:nvPr>
+        </p:nvSpPr>
         <p:spPr/>
         <p:txBody>
           <a:bodyPr/>
           <a:lstStyle/>
           <a:p>
-            <a:r>
-              <a:rPr kumimoji="0" lang="fr-FR" smtClean="0"/>
-              <a:t>Modifiez le style du titre</a:t>
-            </a:r>
-            <a:endParaRPr kumimoji="0" lang="en-US"/>
-          </a:p>
-        </p:txBody>
-      </p:sp>
-      <p:sp>
-        <p:nvSpPr>
-          <p:cNvPr id="3" name="Espace réservé de la date 2"/>
+            <a:pPr lvl="0"/>
+            <a:endParaRPr lang="fr-FR"/>
+          </a:p>
+        </p:txBody>
+      </p:sp>
+      <p:sp>
+        <p:nvSpPr>
+          <p:cNvPr id="8" name="Espace réservé du numéro de diapositive 7"/>
           <p:cNvSpPr>
             <a:spLocks noGrp="1"/>
           </p:cNvSpPr>
           <p:nvPr>
-            <p:ph type="dt" sz="half" idx="10"/>
-          </p:nvPr>
-        </p:nvSpPr>
-        <p:spPr/>
-        <p:txBody>
-          <a:bodyPr/>
-          <a:lstStyle/>
-          <a:p>
-            <a:pPr lvl="0"/>
-            <a:endParaRPr lang="fr-FR"/>
-          </a:p>
-        </p:txBody>
-      </p:sp>
-      <p:sp>
-        <p:nvSpPr>
-          <p:cNvPr id="4" name="Espace réservé du pied de page 3"/>
-          <p:cNvSpPr>
-            <a:spLocks noGrp="1"/>
-          </p:cNvSpPr>
-          <p:nvPr>
-            <p:ph type="ftr" sz="quarter" idx="11"/>
-          </p:nvPr>
-        </p:nvSpPr>
-        <p:spPr/>
-        <p:txBody>
-          <a:bodyPr/>
-          <a:lstStyle/>
-          <a:p>
-            <a:pPr lvl="0"/>
-            <a:endParaRPr lang="fr-FR"/>
-          </a:p>
-        </p:txBody>
-      </p:sp>
-      <p:sp>
-        <p:nvSpPr>
-          <p:cNvPr id="5" name="Espace réservé du numéro de diapositive 4"/>
-          <p:cNvSpPr>
-            <a:spLocks noGrp="1"/>
-          </p:cNvSpPr>
-          <p:nvPr>
-            <p:ph type="sldNum" sz="quarter" idx="12"/>
+            <p:ph type="sldNum" sz="quarter" idx="11"/>
           </p:nvPr>
         </p:nvSpPr>
         <p:spPr/>
@@ -3407,6 +3823,26 @@
               <a:rPr lang="fr-FR" smtClean="0"/>
               <a:t>‹N°›</a:t>
             </a:fld>
+            <a:endParaRPr lang="fr-FR"/>
+          </a:p>
+        </p:txBody>
+      </p:sp>
+      <p:sp>
+        <p:nvSpPr>
+          <p:cNvPr id="9" name="Espace réservé du pied de page 8"/>
+          <p:cNvSpPr>
+            <a:spLocks noGrp="1"/>
+          </p:cNvSpPr>
+          <p:nvPr>
+            <p:ph type="ftr" sz="quarter" idx="12"/>
+          </p:nvPr>
+        </p:nvSpPr>
+        <p:spPr/>
+        <p:txBody>
+          <a:bodyPr/>
+          <a:lstStyle/>
+          <a:p>
+            <a:pPr lvl="0"/>
             <a:endParaRPr lang="fr-FR"/>
           </a:p>
         </p:txBody>
@@ -3537,27 +3973,18 @@
         </p:nvSpPr>
         <p:spPr>
           <a:xfrm>
-            <a:off x="504032" y="300987"/>
-            <a:ext cx="3316456" cy="1280945"/>
+            <a:off x="504031" y="1306825"/>
+            <a:ext cx="3528219" cy="804965"/>
           </a:xfrm>
         </p:spPr>
         <p:txBody>
-          <a:bodyPr vert="horz" anchor="b">
-            <a:normAutofit/>
-            <a:sp3d prstMaterial="softEdge"/>
-          </a:bodyPr>
+          <a:bodyPr tIns="0" bIns="0" anchor="t"/>
           <a:lstStyle>
             <a:lvl1pPr algn="l">
               <a:buNone/>
-              <a:defRPr sz="2400" b="0">
-                <a:ln w="6350">
-                  <a:noFill/>
-                </a:ln>
+              <a:defRPr sz="2000" b="1">
                 <a:solidFill>
-                  <a:schemeClr val="accent1">
-                    <a:tint val="73000"/>
-                    <a:satMod val="180000"/>
-                  </a:schemeClr>
+                  <a:schemeClr val="accent1"/>
                 </a:solidFill>
               </a:defRPr>
             </a:lvl1pPr>
@@ -3583,14 +4010,14 @@
         </p:nvSpPr>
         <p:spPr>
           <a:xfrm>
-            <a:off x="504032" y="1679929"/>
-            <a:ext cx="3316456" cy="5073032"/>
+            <a:off x="504031" y="236363"/>
+            <a:ext cx="3024188" cy="1007957"/>
           </a:xfrm>
         </p:spPr>
         <p:txBody>
-          <a:bodyPr/>
+          <a:bodyPr lIns="50397" tIns="0" rIns="50397" bIns="0" anchor="b"/>
           <a:lstStyle>
-            <a:lvl1pPr marL="0" indent="0">
+            <a:lvl1pPr marL="0" indent="0" algn="l">
               <a:buNone/>
               <a:defRPr sz="1500"/>
             </a:lvl1pPr>
@@ -3632,15 +4059,15 @@
         </p:nvSpPr>
         <p:spPr>
           <a:xfrm>
-            <a:off x="3941245" y="300988"/>
-            <a:ext cx="5635349" cy="6451973"/>
+            <a:off x="504031" y="2183906"/>
+            <a:ext cx="7812484" cy="4199819"/>
           </a:xfrm>
         </p:spPr>
         <p:txBody>
           <a:bodyPr/>
           <a:lstStyle>
             <a:lvl1pPr>
-              <a:defRPr sz="2900"/>
+              <a:defRPr sz="3100"/>
             </a:lvl1pPr>
             <a:lvl2pPr>
               <a:defRPr sz="2600"/>
@@ -3652,7 +4079,7 @@
               <a:defRPr sz="2200"/>
             </a:lvl4pPr>
             <a:lvl5pPr>
-              <a:defRPr sz="2000"/>
+              <a:defRPr sz="2200"/>
             </a:lvl5pPr>
           </a:lstStyle>
           <a:p>
@@ -3743,7 +4170,12 @@
             <p:ph type="sldNum" sz="quarter" idx="12"/>
           </p:nvPr>
         </p:nvSpPr>
-        <p:spPr/>
+        <p:spPr>
+          <a:xfrm>
+            <a:off x="8991918" y="7079137"/>
+            <a:ext cx="840052" cy="402483"/>
+          </a:xfrm>
+        </p:spPr>
         <p:txBody>
           <a:bodyPr/>
           <a:lstStyle/>
@@ -3766,7 +4198,7 @@
 </file>
 
 <file path=ppt/slideLayouts/slideLayout9.xml><?xml version="1.0" encoding="utf-8"?>
-<p:sldLayout xmlns:a="http://schemas.openxmlformats.org/drawingml/2006/main" xmlns:r="http://schemas.openxmlformats.org/officeDocument/2006/relationships" xmlns:p="http://schemas.openxmlformats.org/presentationml/2006/main" type="picTx" preserve="1">
+<p:sldLayout xmlns:a="http://schemas.openxmlformats.org/drawingml/2006/main" xmlns:r="http://schemas.openxmlformats.org/officeDocument/2006/relationships" xmlns:p="http://schemas.openxmlformats.org/presentationml/2006/main" showMasterSp="0" type="picTx" preserve="1">
   <p:cSld name="Image avec légende">
     <p:spTree>
       <p:nvGrpSpPr>
@@ -3794,18 +4226,20 @@
         </p:nvSpPr>
         <p:spPr>
           <a:xfrm>
-            <a:off x="2016125" y="671971"/>
-            <a:ext cx="6048375" cy="575726"/>
+            <a:off x="6125911" y="1880228"/>
+            <a:ext cx="3366677" cy="1382091"/>
           </a:xfrm>
         </p:spPr>
         <p:txBody>
-          <a:bodyPr lIns="50397" rIns="50397" bIns="0" anchor="b">
-            <a:sp3d prstMaterial="softEdge"/>
-          </a:bodyPr>
+          <a:bodyPr anchor="b"/>
           <a:lstStyle>
-            <a:lvl1pPr algn="ctr">
+            <a:lvl1pPr algn="l">
               <a:buNone/>
-              <a:defRPr sz="2200" b="1"/>
+              <a:defRPr sz="2400" b="1">
+                <a:solidFill>
+                  <a:schemeClr val="accent1"/>
+                </a:solidFill>
+              </a:defRPr>
             </a:lvl1pPr>
           </a:lstStyle>
           <a:p>
@@ -3829,85 +4263,59 @@
         </p:nvSpPr>
         <p:spPr>
           <a:xfrm>
-            <a:off x="2016125" y="2019413"/>
-            <a:ext cx="6048375" cy="4367812"/>
+            <a:off x="1174781" y="1124259"/>
+            <a:ext cx="4536281" cy="4535805"/>
           </a:xfrm>
+          <a:prstGeom prst="ellipse">
+            <a:avLst/>
+          </a:prstGeom>
           <a:solidFill>
-            <a:schemeClr val="bg2"/>
+            <a:schemeClr val="bg2">
+              <a:shade val="50000"/>
+            </a:schemeClr>
           </a:solidFill>
-          <a:ln w="44450" cap="sq" cmpd="sng" algn="ctr">
+          <a:ln w="50800" cap="flat">
             <a:solidFill>
-              <a:srgbClr val="FFFFFF"/>
+              <a:schemeClr val="bg2"/>
             </a:solidFill>
-            <a:prstDash val="solid"/>
             <a:miter lim="800000"/>
           </a:ln>
           <a:effectLst>
-            <a:outerShdw blurRad="190500" dist="228600" dir="2700000" sy="90000">
+            <a:outerShdw blurRad="152000" dist="345000" dir="5400000" sx="-80000" sy="-18000" rotWithShape="0">
               <a:srgbClr val="000000">
                 <a:alpha val="25000"/>
               </a:srgbClr>
             </a:outerShdw>
           </a:effectLst>
           <a:scene3d>
-            <a:camera prst="orthographicFront">
-              <a:rot lat="0" lon="0" rev="0"/>
-            </a:camera>
-            <a:lightRig rig="balanced" dir="tr">
-              <a:rot lat="0" lon="0" rev="2700000"/>
+            <a:camera prst="orthographicFront"/>
+            <a:lightRig rig="contrasting" dir="t">
+              <a:rot lat="0" lon="0" rev="2400000"/>
             </a:lightRig>
           </a:scene3d>
-          <a:sp3d prstMaterial="matte">
+          <a:sp3d contourW="7620">
+            <a:bevelT w="63500" h="63500"/>
             <a:contourClr>
-              <a:schemeClr val="tx2">
+              <a:schemeClr val="bg2">
                 <a:shade val="50000"/>
               </a:schemeClr>
             </a:contourClr>
           </a:sp3d>
         </p:spPr>
-        <p:style>
-          <a:lnRef idx="3">
-            <a:schemeClr val="lt1"/>
-          </a:lnRef>
-          <a:fillRef idx="1">
-            <a:schemeClr val="accent1"/>
-          </a:fillRef>
-          <a:effectRef idx="1">
-            <a:schemeClr val="accent1"/>
-          </a:effectRef>
-          <a:fontRef idx="minor">
-            <a:schemeClr val="lt1"/>
-          </a:fontRef>
-        </p:style>
-        <p:txBody>
-          <a:bodyPr anchor="t"/>
+        <p:txBody>
+          <a:bodyPr/>
           <a:lstStyle>
-            <a:lvl1pPr marL="0" indent="0" algn="l" rtl="0" eaLnBrk="1" latinLnBrk="0" hangingPunct="1">
+            <a:lvl1pPr marL="0" indent="0">
               <a:buNone/>
               <a:defRPr sz="3500"/>
             </a:lvl1pPr>
           </a:lstStyle>
           <a:p>
-            <a:pPr marL="0" algn="l" rtl="0" eaLnBrk="1" latinLnBrk="0" hangingPunct="1"/>
-            <a:r>
-              <a:rPr kumimoji="0" lang="fr-FR" smtClean="0">
-                <a:solidFill>
-                  <a:schemeClr val="lt1"/>
-                </a:solidFill>
-                <a:latin typeface="+mn-lt"/>
-                <a:ea typeface="+mn-ea"/>
-                <a:cs typeface="+mn-cs"/>
-              </a:rPr>
+            <a:r>
+              <a:rPr kumimoji="0" lang="fr-FR" smtClean="0"/>
               <a:t>Cliquez sur l'icône pour ajouter une image</a:t>
             </a:r>
-            <a:endParaRPr kumimoji="0" lang="en-US" dirty="0">
-              <a:solidFill>
-                <a:schemeClr val="lt1"/>
-              </a:solidFill>
-              <a:latin typeface="+mn-lt"/>
-              <a:ea typeface="+mn-ea"/>
-              <a:cs typeface="+mn-cs"/>
-            </a:endParaRPr>
+            <a:endParaRPr kumimoji="0" lang="en-US" dirty="0"/>
           </a:p>
         </p:txBody>
       </p:sp>
@@ -3923,27 +4331,36 @@
         </p:nvSpPr>
         <p:spPr>
           <a:xfrm>
-            <a:off x="2016125" y="1286167"/>
-            <a:ext cx="6048375" cy="584615"/>
+            <a:off x="6125913" y="3305583"/>
+            <a:ext cx="3366675" cy="2935996"/>
           </a:xfrm>
         </p:spPr>
         <p:txBody>
-          <a:bodyPr lIns="50397" tIns="50397" rIns="50397" anchor="t"/>
+          <a:bodyPr lIns="50397" rIns="50397"/>
           <a:lstStyle>
-            <a:lvl1pPr marL="0" indent="0" algn="ctr">
+            <a:lvl1pPr marL="0" indent="0">
+              <a:buFontTx/>
               <a:buNone/>
-              <a:defRPr sz="1500"/>
+              <a:defRPr sz="1300"/>
             </a:lvl1pPr>
             <a:lvl2pPr>
+              <a:buFontTx/>
+              <a:buNone/>
               <a:defRPr sz="1300"/>
             </a:lvl2pPr>
             <a:lvl3pPr>
+              <a:buFontTx/>
+              <a:buNone/>
               <a:defRPr sz="1100"/>
             </a:lvl3pPr>
             <a:lvl4pPr>
+              <a:buFontTx/>
+              <a:buNone/>
               <a:defRPr sz="1000"/>
             </a:lvl4pPr>
             <a:lvl5pPr>
+              <a:buFontTx/>
+              <a:buNone/>
               <a:defRPr sz="1000"/>
             </a:lvl5pPr>
           </a:lstStyle>
@@ -3966,7 +4383,12 @@
             <p:ph type="dt" sz="half" idx="10"/>
           </p:nvPr>
         </p:nvSpPr>
-        <p:spPr/>
+        <p:spPr>
+          <a:xfrm>
+            <a:off x="504031" y="7079137"/>
+            <a:ext cx="2352146" cy="402483"/>
+          </a:xfrm>
+        </p:spPr>
         <p:txBody>
           <a:bodyPr/>
           <a:lstStyle/>
@@ -4032,7 +4454,7 @@
 <p:sldMaster xmlns:a="http://schemas.openxmlformats.org/drawingml/2006/main" xmlns:r="http://schemas.openxmlformats.org/officeDocument/2006/relationships" xmlns:p="http://schemas.openxmlformats.org/presentationml/2006/main">
   <p:cSld>
     <p:bg>
-      <p:bgRef idx="1003">
+      <p:bgRef idx="1001">
         <a:schemeClr val="bg2"/>
       </p:bgRef>
     </p:bg>
@@ -4052,7 +4474,203 @@
       </p:grpSpPr>
       <p:sp>
         <p:nvSpPr>
-          <p:cNvPr id="22" name="Espace réservé du titre 21"/>
+          <p:cNvPr id="12" name="Forme libre 11"/>
+          <p:cNvSpPr>
+            <a:spLocks/>
+          </p:cNvSpPr>
+          <p:nvPr/>
+        </p:nvSpPr>
+        <p:spPr bwMode="auto">
+          <a:xfrm>
+            <a:off x="0" y="5238339"/>
+            <a:ext cx="10080625" cy="2329149"/>
+          </a:xfrm>
+          <a:custGeom>
+            <a:avLst>
+              <a:gd name="A1" fmla="val 0"/>
+              <a:gd name="A2" fmla="val 0"/>
+              <a:gd name="A3" fmla="val 0"/>
+              <a:gd name="A4" fmla="val 0"/>
+              <a:gd name="A5" fmla="val 0"/>
+              <a:gd name="A6" fmla="val 0"/>
+              <a:gd name="A7" fmla="val 0"/>
+              <a:gd name="A8" fmla="val 0"/>
+            </a:avLst>
+            <a:gdLst/>
+            <a:ahLst/>
+            <a:cxnLst>
+              <a:cxn ang="0">
+                <a:pos x="0" y="1066"/>
+              </a:cxn>
+              <a:cxn ang="0">
+                <a:pos x="0" y="1331"/>
+              </a:cxn>
+              <a:cxn ang="0">
+                <a:pos x="5760" y="1331"/>
+              </a:cxn>
+              <a:cxn ang="0">
+                <a:pos x="5760" y="0"/>
+              </a:cxn>
+              <a:cxn ang="0">
+                <a:pos x="0" y="1066"/>
+              </a:cxn>
+            </a:cxnLst>
+            <a:rect l="0" t="0" r="0" b="0"/>
+            <a:pathLst>
+              <a:path w="5760" h="1331">
+                <a:moveTo>
+                  <a:pt x="0" y="1066"/>
+                </a:moveTo>
+                <a:lnTo>
+                  <a:pt x="0" y="1331"/>
+                </a:lnTo>
+                <a:lnTo>
+                  <a:pt x="5760" y="1331"/>
+                </a:lnTo>
+                <a:lnTo>
+                  <a:pt x="5760" y="0"/>
+                </a:lnTo>
+                <a:cubicBezTo>
+                  <a:pt x="3220" y="1206"/>
+                  <a:pt x="2250" y="1146"/>
+                  <a:pt x="0" y="1066"/>
+                </a:cubicBezTo>
+                <a:close/>
+              </a:path>
+            </a:pathLst>
+          </a:custGeom>
+          <a:solidFill>
+            <a:schemeClr val="bg1">
+              <a:tint val="80000"/>
+              <a:satMod val="200000"/>
+              <a:alpha val="45000"/>
+            </a:schemeClr>
+          </a:solidFill>
+          <a:ln w="9525" cap="flat" cmpd="sng" algn="ctr">
+            <a:noFill/>
+            <a:prstDash val="solid"/>
+            <a:round/>
+            <a:headEnd type="none" w="med" len="med"/>
+            <a:tailEnd type="none" w="med" len="med"/>
+          </a:ln>
+          <a:effectLst>
+            <a:outerShdw blurRad="50800" dist="44450" dir="16200000" algn="ctr" rotWithShape="0">
+              <a:prstClr val="black">
+                <a:alpha val="35000"/>
+              </a:prstClr>
+            </a:outerShdw>
+          </a:effectLst>
+        </p:spPr>
+        <p:txBody>
+          <a:bodyPr vert="horz" wrap="square" lIns="100794" tIns="50397" rIns="100794" bIns="50397" anchor="t" compatLnSpc="1"/>
+          <a:lstStyle/>
+          <a:p>
+            <a:endParaRPr kumimoji="0" lang="en-US"/>
+          </a:p>
+        </p:txBody>
+      </p:sp>
+      <p:sp>
+        <p:nvSpPr>
+          <p:cNvPr id="16" name="Forme libre 15"/>
+          <p:cNvSpPr>
+            <a:spLocks/>
+          </p:cNvSpPr>
+          <p:nvPr/>
+        </p:nvSpPr>
+        <p:spPr bwMode="auto">
+          <a:xfrm>
+            <a:off x="8064500" y="0"/>
+            <a:ext cx="2016125" cy="7559675"/>
+          </a:xfrm>
+          <a:custGeom>
+            <a:avLst/>
+            <a:gdLst>
+              <a:gd name="connsiteX0" fmla="*/ 1914 w 1914"/>
+              <a:gd name="connsiteY0" fmla="*/ 9 h 4329"/>
+              <a:gd name="connsiteX1" fmla="*/ 1914 w 1914"/>
+              <a:gd name="connsiteY1" fmla="*/ 4329 h 4329"/>
+              <a:gd name="connsiteX2" fmla="*/ 204 w 1914"/>
+              <a:gd name="connsiteY2" fmla="*/ 4327 h 4329"/>
+              <a:gd name="connsiteX3" fmla="*/ 0 w 1914"/>
+              <a:gd name="connsiteY3" fmla="*/ 0 h 4329"/>
+              <a:gd name="connsiteX4" fmla="*/ 1914 w 1914"/>
+              <a:gd name="connsiteY4" fmla="*/ 9 h 4329"/>
+            </a:gdLst>
+            <a:ahLst/>
+            <a:cxnLst>
+              <a:cxn ang="0">
+                <a:pos x="connsiteX0" y="connsiteY0"/>
+              </a:cxn>
+              <a:cxn ang="0">
+                <a:pos x="connsiteX1" y="connsiteY1"/>
+              </a:cxn>
+              <a:cxn ang="0">
+                <a:pos x="connsiteX2" y="connsiteY2"/>
+              </a:cxn>
+              <a:cxn ang="0">
+                <a:pos x="connsiteX3" y="connsiteY3"/>
+              </a:cxn>
+              <a:cxn ang="0">
+                <a:pos x="connsiteX4" y="connsiteY4"/>
+              </a:cxn>
+            </a:cxnLst>
+            <a:rect l="l" t="t" r="r" b="b"/>
+            <a:pathLst>
+              <a:path w="1914" h="4329">
+                <a:moveTo>
+                  <a:pt x="1914" y="9"/>
+                </a:moveTo>
+                <a:lnTo>
+                  <a:pt x="1914" y="4329"/>
+                </a:lnTo>
+                <a:lnTo>
+                  <a:pt x="204" y="4327"/>
+                </a:lnTo>
+                <a:cubicBezTo>
+                  <a:pt x="1288" y="3574"/>
+                  <a:pt x="2082" y="1734"/>
+                  <a:pt x="0" y="0"/>
+                </a:cubicBezTo>
+                <a:lnTo>
+                  <a:pt x="1914" y="9"/>
+                </a:lnTo>
+                <a:close/>
+              </a:path>
+            </a:pathLst>
+          </a:custGeom>
+          <a:solidFill>
+            <a:schemeClr val="bg1">
+              <a:tint val="90000"/>
+              <a:satMod val="350000"/>
+              <a:alpha val="40000"/>
+            </a:schemeClr>
+          </a:solidFill>
+          <a:ln w="9525" cap="flat" cmpd="sng" algn="ctr">
+            <a:noFill/>
+            <a:prstDash val="solid"/>
+            <a:round/>
+            <a:headEnd type="none" w="med" len="med"/>
+            <a:tailEnd type="none" w="med" len="med"/>
+          </a:ln>
+          <a:effectLst>
+            <a:outerShdw blurRad="50800" dist="50800" dir="10800000" algn="ctr" rotWithShape="0">
+              <a:prstClr val="black">
+                <a:alpha val="45000"/>
+              </a:prstClr>
+            </a:outerShdw>
+          </a:effectLst>
+        </p:spPr>
+        <p:txBody>
+          <a:bodyPr vert="horz" wrap="square" lIns="100794" tIns="50397" rIns="100794" bIns="50397" anchor="t" compatLnSpc="1"/>
+          <a:lstStyle/>
+          <a:p>
+            <a:endParaRPr kumimoji="0" lang="en-US"/>
+          </a:p>
+        </p:txBody>
+      </p:sp>
+      <p:sp>
+        <p:nvSpPr>
+          <p:cNvPr id="9" name="Espace réservé du titre 8"/>
           <p:cNvSpPr>
             <a:spLocks noGrp="1"/>
           </p:cNvSpPr>
@@ -4063,24 +4681,15 @@
         <p:spPr>
           <a:xfrm>
             <a:off x="504031" y="302737"/>
-            <a:ext cx="9072563" cy="1259946"/>
+            <a:ext cx="8232510" cy="1259946"/>
           </a:xfrm>
           <a:prstGeom prst="rect">
             <a:avLst/>
           </a:prstGeom>
         </p:spPr>
         <p:txBody>
-          <a:bodyPr vert="horz" lIns="100794" tIns="50397" rIns="100794" bIns="50397" anchor="ctr">
+          <a:bodyPr vert="horz" lIns="50397" tIns="50397" rIns="50397" bIns="50397" anchor="ctr">
             <a:normAutofit/>
-            <a:scene3d>
-              <a:camera prst="orthographicFront"/>
-              <a:lightRig rig="soft" dir="t">
-                <a:rot lat="0" lon="0" rev="16800000"/>
-              </a:lightRig>
-            </a:scene3d>
-            <a:sp3d prstMaterial="softEdge">
-              <a:bevelT w="38100" h="38100"/>
-            </a:sp3d>
           </a:bodyPr>
           <a:lstStyle/>
           <a:p>
@@ -4094,7 +4703,7 @@
       </p:sp>
       <p:sp>
         <p:nvSpPr>
-          <p:cNvPr id="13" name="Espace réservé du texte 12"/>
+          <p:cNvPr id="30" name="Espace réservé du texte 29"/>
           <p:cNvSpPr>
             <a:spLocks noGrp="1"/>
           </p:cNvSpPr>
@@ -4104,8 +4713,8 @@
         </p:nvSpPr>
         <p:spPr>
           <a:xfrm>
-            <a:off x="504031" y="1763924"/>
-            <a:ext cx="9072563" cy="5190977"/>
+            <a:off x="504031" y="1763925"/>
+            <a:ext cx="8232510" cy="4989036"/>
           </a:xfrm>
           <a:prstGeom prst="rect">
             <a:avLst/>
@@ -4156,7 +4765,7 @@
       </p:sp>
       <p:sp>
         <p:nvSpPr>
-          <p:cNvPr id="14" name="Espace réservé de la date 13"/>
+          <p:cNvPr id="10" name="Espace réservé de la date 9"/>
           <p:cNvSpPr>
             <a:spLocks noGrp="1"/>
           </p:cNvSpPr>
@@ -4166,7 +4775,7 @@
         </p:nvSpPr>
         <p:spPr>
           <a:xfrm>
-            <a:off x="504031" y="7073196"/>
+            <a:off x="504031" y="7079137"/>
             <a:ext cx="2352146" cy="402483"/>
           </a:xfrm>
           <a:prstGeom prst="rect">
@@ -4174,12 +4783,12 @@
           </a:prstGeom>
         </p:spPr>
         <p:txBody>
-          <a:bodyPr vert="horz" lIns="100794" tIns="50397" rIns="100794" bIns="50397" anchor="b"/>
+          <a:bodyPr vert="horz" lIns="100794" tIns="50397" rIns="100794" bIns="0" anchor="b"/>
           <a:lstStyle>
             <a:lvl1pPr algn="l" eaLnBrk="1" latinLnBrk="0" hangingPunct="1">
-              <a:defRPr kumimoji="0" sz="1300">
+              <a:defRPr kumimoji="0" sz="1100">
                 <a:solidFill>
-                  <a:schemeClr val="tx1">
+                  <a:schemeClr val="tx2">
                     <a:shade val="50000"/>
                   </a:schemeClr>
                 </a:solidFill>
@@ -4194,7 +4803,7 @@
       </p:sp>
       <p:sp>
         <p:nvSpPr>
-          <p:cNvPr id="3" name="Espace réservé du pied de page 2"/>
+          <p:cNvPr id="22" name="Espace réservé du pied de page 21"/>
           <p:cNvSpPr>
             <a:spLocks noGrp="1"/>
           </p:cNvSpPr>
@@ -4204,7 +4813,7 @@
         </p:nvSpPr>
         <p:spPr>
           <a:xfrm>
-            <a:off x="3444214" y="7073196"/>
+            <a:off x="3444214" y="7079137"/>
             <a:ext cx="3192198" cy="402483"/>
           </a:xfrm>
           <a:prstGeom prst="rect">
@@ -4212,12 +4821,12 @@
           </a:prstGeom>
         </p:spPr>
         <p:txBody>
-          <a:bodyPr vert="horz" lIns="100794" tIns="50397" rIns="100794" bIns="50397" anchor="b"/>
+          <a:bodyPr vert="horz" lIns="0" tIns="50397" rIns="0" bIns="0" anchor="b"/>
           <a:lstStyle>
             <a:lvl1pPr algn="ctr" eaLnBrk="1" latinLnBrk="0" hangingPunct="1">
-              <a:defRPr kumimoji="0" sz="1300">
+              <a:defRPr kumimoji="0" sz="1100">
                 <a:solidFill>
-                  <a:schemeClr val="tx1">
+                  <a:schemeClr val="tx2">
                     <a:shade val="50000"/>
                   </a:schemeClr>
                 </a:solidFill>
@@ -4232,7 +4841,7 @@
       </p:sp>
       <p:sp>
         <p:nvSpPr>
-          <p:cNvPr id="23" name="Espace réservé du numéro de diapositive 22"/>
+          <p:cNvPr id="18" name="Espace réservé du numéro de diapositive 17"/>
           <p:cNvSpPr>
             <a:spLocks noGrp="1"/>
           </p:cNvSpPr>
@@ -4242,7 +4851,7 @@
         </p:nvSpPr>
         <p:spPr>
           <a:xfrm>
-            <a:off x="8736542" y="7073196"/>
+            <a:off x="8988557" y="7079137"/>
             <a:ext cx="840052" cy="402483"/>
           </a:xfrm>
           <a:prstGeom prst="rect">
@@ -4250,12 +4859,12 @@
           </a:prstGeom>
         </p:spPr>
         <p:txBody>
-          <a:bodyPr vert="horz" lIns="0" tIns="50397" rIns="0" bIns="50397" anchor="b"/>
+          <a:bodyPr vert="horz" lIns="0" tIns="0" rIns="0" bIns="0" anchor="b"/>
           <a:lstStyle>
             <a:lvl1pPr algn="r" eaLnBrk="1" latinLnBrk="0" hangingPunct="1">
-              <a:defRPr kumimoji="0" sz="1300">
+              <a:defRPr kumimoji="0" sz="1100">
                 <a:solidFill>
-                  <a:schemeClr val="tx1">
+                  <a:schemeClr val="tx2">
                     <a:shade val="50000"/>
                   </a:schemeClr>
                 </a:solidFill>
@@ -4276,60 +4885,30 @@
   </p:cSld>
   <p:clrMap bg1="dk1" tx1="lt1" bg2="dk2" tx2="lt2" accent1="accent1" accent2="accent2" accent3="accent3" accent4="accent4" accent5="accent5" accent6="accent6" hlink="hlink" folHlink="folHlink"/>
   <p:sldLayoutIdLst>
-    <p:sldLayoutId id="2147483673" r:id="rId1"/>
-    <p:sldLayoutId id="2147483674" r:id="rId2"/>
-    <p:sldLayoutId id="2147483675" r:id="rId3"/>
-    <p:sldLayoutId id="2147483676" r:id="rId4"/>
-    <p:sldLayoutId id="2147483677" r:id="rId5"/>
-    <p:sldLayoutId id="2147483678" r:id="rId6"/>
-    <p:sldLayoutId id="2147483679" r:id="rId7"/>
-    <p:sldLayoutId id="2147483680" r:id="rId8"/>
-    <p:sldLayoutId id="2147483681" r:id="rId9"/>
-    <p:sldLayoutId id="2147483682" r:id="rId10"/>
-    <p:sldLayoutId id="2147483683" r:id="rId11"/>
+    <p:sldLayoutId id="2147483697" r:id="rId1"/>
+    <p:sldLayoutId id="2147483698" r:id="rId2"/>
+    <p:sldLayoutId id="2147483699" r:id="rId3"/>
+    <p:sldLayoutId id="2147483700" r:id="rId4"/>
+    <p:sldLayoutId id="2147483701" r:id="rId5"/>
+    <p:sldLayoutId id="2147483702" r:id="rId6"/>
+    <p:sldLayoutId id="2147483703" r:id="rId7"/>
+    <p:sldLayoutId id="2147483704" r:id="rId8"/>
+    <p:sldLayoutId id="2147483705" r:id="rId9"/>
+    <p:sldLayoutId id="2147483706" r:id="rId10"/>
+    <p:sldLayoutId id="2147483707" r:id="rId11"/>
   </p:sldLayoutIdLst>
   <p:hf hdr="0" ftr="0" dt="0"/>
   <p:txStyles>
     <p:titleStyle>
-      <a:lvl1pPr algn="ctr" rtl="0" eaLnBrk="1" latinLnBrk="0" hangingPunct="1">
+      <a:lvl1pPr algn="l" rtl="0" eaLnBrk="1" latinLnBrk="0" hangingPunct="1">
         <a:spcBef>
           <a:spcPct val="0"/>
         </a:spcBef>
         <a:buNone/>
-        <a:defRPr kumimoji="0" sz="4500" b="1" kern="1200" cap="none" baseline="0">
-          <a:ln w="6350">
-            <a:noFill/>
-          </a:ln>
-          <a:gradFill>
-            <a:gsLst>
-              <a:gs pos="0">
-                <a:schemeClr val="accent1">
-                  <a:tint val="73000"/>
-                  <a:satMod val="145000"/>
-                </a:schemeClr>
-              </a:gs>
-              <a:gs pos="73000">
-                <a:schemeClr val="accent1">
-                  <a:tint val="73000"/>
-                  <a:satMod val="145000"/>
-                </a:schemeClr>
-              </a:gs>
-              <a:gs pos="100000">
-                <a:schemeClr val="accent1">
-                  <a:tint val="83000"/>
-                  <a:satMod val="143000"/>
-                </a:schemeClr>
-              </a:gs>
-            </a:gsLst>
-            <a:lin ang="4800000" scaled="1"/>
-          </a:gradFill>
-          <a:effectLst>
-            <a:outerShdw blurRad="114300" dist="101600" dir="2700000" algn="tl" rotWithShape="0">
-              <a:srgbClr val="000000">
-                <a:alpha val="40000"/>
-              </a:srgbClr>
-            </a:outerShdw>
-          </a:effectLst>
+        <a:defRPr kumimoji="0" sz="5100" kern="1200">
+          <a:solidFill>
+            <a:schemeClr val="tx1"/>
+          </a:solidFill>
           <a:latin typeface="+mj-lt"/>
           <a:ea typeface="+mj-ea"/>
           <a:cs typeface="+mj-cs"/>
@@ -4337,19 +4916,17 @@
       </a:lvl1pPr>
     </p:titleStyle>
     <p:bodyStyle>
-      <a:lvl1pPr marL="604766" indent="-453574" algn="l" rtl="0" eaLnBrk="1" latinLnBrk="0" hangingPunct="1">
+      <a:lvl1pPr marL="463654" indent="-423336" algn="l" rtl="0" eaLnBrk="1" latinLnBrk="0" hangingPunct="1">
         <a:spcBef>
           <a:spcPct val="20000"/>
         </a:spcBef>
         <a:buClr>
-          <a:schemeClr val="tx1">
-            <a:shade val="95000"/>
-          </a:schemeClr>
+          <a:schemeClr val="accent1"/>
         </a:buClr>
-        <a:buSzPct val="65000"/>
+        <a:buSzPct val="80000"/>
         <a:buFont typeface="Wingdings 2"/>
-        <a:buChar char=""/>
-        <a:defRPr kumimoji="0" sz="3100" kern="1200">
+        <a:buChar char=""/>
+        <a:defRPr kumimoji="0" sz="3300" kern="1200">
           <a:solidFill>
             <a:schemeClr val="tx1"/>
           </a:solidFill>
@@ -4358,16 +4935,35 @@
           <a:cs typeface="+mn-cs"/>
         </a:defRPr>
       </a:lvl1pPr>
-      <a:lvl2pPr marL="957546" indent="-312462" algn="l" rtl="0" eaLnBrk="1" latinLnBrk="0" hangingPunct="1">
+      <a:lvl2pPr marL="796275" indent="-302383" algn="l" rtl="0" eaLnBrk="1" latinLnBrk="0" hangingPunct="1">
         <a:spcBef>
           <a:spcPct val="20000"/>
         </a:spcBef>
         <a:buClr>
-          <a:schemeClr val="tx1"/>
+          <a:schemeClr val="accent1"/>
         </a:buClr>
-        <a:buSzPct val="80000"/>
+        <a:buSzPct val="90000"/>
         <a:buFont typeface="Wingdings 2"/>
-        <a:buChar char=""/>
+        <a:buChar char=""/>
+        <a:defRPr kumimoji="0" sz="2900" kern="1200">
+          <a:solidFill>
+            <a:schemeClr val="tx1"/>
+          </a:solidFill>
+          <a:latin typeface="+mn-lt"/>
+          <a:ea typeface="+mn-ea"/>
+          <a:cs typeface="+mn-cs"/>
+        </a:defRPr>
+      </a:lvl2pPr>
+      <a:lvl3pPr marL="1108737" indent="-282224" algn="l" rtl="0" eaLnBrk="1" latinLnBrk="0" hangingPunct="1">
+        <a:spcBef>
+          <a:spcPct val="20000"/>
+        </a:spcBef>
+        <a:buClr>
+          <a:schemeClr val="accent2"/>
+        </a:buClr>
+        <a:buSzPct val="85000"/>
+        <a:buFont typeface="Arial"/>
+        <a:buChar char="○"/>
         <a:defRPr kumimoji="0" sz="2600" kern="1200">
           <a:solidFill>
             <a:schemeClr val="tx1"/>
@@ -4376,36 +4972,17 @@
           <a:ea typeface="+mn-ea"/>
           <a:cs typeface="+mn-cs"/>
         </a:defRPr>
-      </a:lvl2pPr>
-      <a:lvl3pPr marL="1249849" indent="-251986" algn="l" rtl="0" eaLnBrk="1" latinLnBrk="0" hangingPunct="1">
+      </a:lvl3pPr>
+      <a:lvl4pPr marL="1411120" indent="-262065" algn="l" rtl="0" eaLnBrk="1" latinLnBrk="0" hangingPunct="1">
         <a:spcBef>
           <a:spcPct val="20000"/>
         </a:spcBef>
         <a:buClr>
-          <a:schemeClr val="tx1"/>
+          <a:schemeClr val="accent3"/>
         </a:buClr>
-        <a:buSzPct val="95000"/>
-        <a:buFont typeface="Wingdings"/>
-        <a:buChar char=""/>
-        <a:defRPr kumimoji="0" sz="2400" kern="1200">
-          <a:solidFill>
-            <a:schemeClr val="tx1"/>
-          </a:solidFill>
-          <a:latin typeface="+mn-lt"/>
-          <a:ea typeface="+mn-ea"/>
-          <a:cs typeface="+mn-cs"/>
-        </a:defRPr>
-      </a:lvl3pPr>
-      <a:lvl4pPr marL="1491756" indent="-201589" algn="l" rtl="0" eaLnBrk="1" latinLnBrk="0" hangingPunct="1">
-        <a:spcBef>
-          <a:spcPct val="20000"/>
-        </a:spcBef>
-        <a:buClr>
-          <a:schemeClr val="tx1"/>
-        </a:buClr>
-        <a:buSzPct val="100000"/>
-        <a:buFont typeface="Wingdings 3"/>
-        <a:buChar char=""/>
+        <a:buSzPct val="90000"/>
+        <a:buFont typeface="Wingdings 2"/>
+        <a:buChar char=""/>
         <a:defRPr kumimoji="0" sz="2200" kern="1200">
           <a:solidFill>
             <a:schemeClr val="tx1"/>
@@ -4415,15 +4992,16 @@
           <a:cs typeface="+mn-cs"/>
         </a:defRPr>
       </a:lvl4pPr>
-      <a:lvl5pPr marL="1703424" indent="-201589" algn="l" rtl="0" eaLnBrk="1" latinLnBrk="0" hangingPunct="1">
+      <a:lvl5pPr marL="1642947" indent="-201589" algn="l" rtl="0" eaLnBrk="1" latinLnBrk="0" hangingPunct="1">
         <a:spcBef>
           <a:spcPct val="20000"/>
         </a:spcBef>
         <a:buClr>
-          <a:schemeClr val="tx1"/>
+          <a:schemeClr val="accent4"/>
         </a:buClr>
-        <a:buFont typeface="Wingdings 2"/>
-        <a:buChar char=""/>
+        <a:buSzPct val="100000"/>
+        <a:buFont typeface="Arial"/>
+        <a:buChar char="-"/>
         <a:defRPr kumimoji="0" sz="2200" kern="1200">
           <a:solidFill>
             <a:schemeClr val="tx1"/>
@@ -4433,16 +5011,16 @@
           <a:cs typeface="+mn-cs"/>
         </a:defRPr>
       </a:lvl5pPr>
-      <a:lvl6pPr marL="1945330" indent="-201589" algn="l" rtl="0" eaLnBrk="1" latinLnBrk="0" hangingPunct="1">
+      <a:lvl6pPr marL="1874774" indent="-201589" algn="l" rtl="0" eaLnBrk="1" latinLnBrk="0" hangingPunct="1">
         <a:spcBef>
           <a:spcPct val="20000"/>
         </a:spcBef>
         <a:buClr>
-          <a:schemeClr val="tx1"/>
+          <a:schemeClr val="accent5"/>
         </a:buClr>
-        <a:buFont typeface="Wingdings 3"/>
-        <a:buChar char=""/>
-        <a:defRPr kumimoji="0" sz="2000" kern="1200">
+        <a:buFont typeface="Arial"/>
+        <a:buChar char="-"/>
+        <a:defRPr kumimoji="0" sz="2200" kern="1200" baseline="0">
           <a:solidFill>
             <a:schemeClr val="tx1"/>
           </a:solidFill>
@@ -4451,15 +5029,34 @@
           <a:cs typeface="+mn-cs"/>
         </a:defRPr>
       </a:lvl6pPr>
-      <a:lvl7pPr marL="2167078" indent="-201589" algn="l" rtl="0" eaLnBrk="1" latinLnBrk="0" hangingPunct="1">
+      <a:lvl7pPr marL="2116681" indent="-201589" algn="l" rtl="0" eaLnBrk="1" latinLnBrk="0" hangingPunct="1">
         <a:spcBef>
           <a:spcPct val="20000"/>
         </a:spcBef>
         <a:buClr>
-          <a:schemeClr val="tx1"/>
+          <a:schemeClr val="accent6"/>
         </a:buClr>
-        <a:buFont typeface="Wingdings 2"/>
-        <a:buChar char=""/>
+        <a:buSzPct val="100000"/>
+        <a:buFont typeface="Arial"/>
+        <a:buChar char="•"/>
+        <a:defRPr kumimoji="0" sz="2000" kern="1200" baseline="0">
+          <a:solidFill>
+            <a:schemeClr val="tx1"/>
+          </a:solidFill>
+          <a:latin typeface="+mn-lt"/>
+          <a:ea typeface="+mn-ea"/>
+          <a:cs typeface="+mn-cs"/>
+        </a:defRPr>
+      </a:lvl7pPr>
+      <a:lvl8pPr marL="2358587" indent="-201589" algn="l" rtl="0" eaLnBrk="1" latinLnBrk="0" hangingPunct="1">
+        <a:spcBef>
+          <a:spcPct val="20000"/>
+        </a:spcBef>
+        <a:buClr>
+          <a:schemeClr val="accent6"/>
+        </a:buClr>
+        <a:buFont typeface="Arial"/>
+        <a:buChar char="▪"/>
         <a:defRPr kumimoji="0" sz="1800" kern="1200">
           <a:solidFill>
             <a:schemeClr val="tx1"/>
@@ -4468,35 +5065,17 @@
           <a:ea typeface="+mn-ea"/>
           <a:cs typeface="+mn-cs"/>
         </a:defRPr>
-      </a:lvl7pPr>
-      <a:lvl8pPr marL="2388825" indent="-201589" algn="l" rtl="0" eaLnBrk="1" latinLnBrk="0" hangingPunct="1">
+      </a:lvl8pPr>
+      <a:lvl9pPr marL="2570255" indent="-201589" algn="l" rtl="0" eaLnBrk="1" latinLnBrk="0" hangingPunct="1">
         <a:spcBef>
           <a:spcPct val="20000"/>
         </a:spcBef>
         <a:buClr>
-          <a:schemeClr val="tx1"/>
+          <a:schemeClr val="accent6"/>
         </a:buClr>
-        <a:buFont typeface="Wingdings 2"/>
-        <a:buChar char=""/>
-        <a:defRPr kumimoji="0" sz="1500" kern="1200">
-          <a:solidFill>
-            <a:schemeClr val="tx1"/>
-          </a:solidFill>
-          <a:latin typeface="+mn-lt"/>
-          <a:ea typeface="+mn-ea"/>
-          <a:cs typeface="+mn-cs"/>
-        </a:defRPr>
-      </a:lvl8pPr>
-      <a:lvl9pPr marL="2610573" indent="-201589" algn="l" rtl="0" eaLnBrk="1" latinLnBrk="0" hangingPunct="1">
-        <a:spcBef>
-          <a:spcPct val="20000"/>
-        </a:spcBef>
-        <a:buClr>
-          <a:schemeClr val="tx1"/>
-        </a:buClr>
-        <a:buFont typeface="Wingdings 2"/>
-        <a:buChar char=""/>
-        <a:defRPr kumimoji="0" sz="1500" kern="1200" baseline="0">
+        <a:buFont typeface="Arial"/>
+        <a:buChar char="•"/>
+        <a:defRPr kumimoji="0" sz="1800" kern="1200">
           <a:solidFill>
             <a:schemeClr val="tx1"/>
           </a:solidFill>
@@ -4621,6 +5200,30 @@
       </p:grpSpPr>
       <p:sp>
         <p:nvSpPr>
+          <p:cNvPr id="7" name="Espace réservé du numéro de diapositive 6"/>
+          <p:cNvSpPr>
+            <a:spLocks noGrp="1"/>
+          </p:cNvSpPr>
+          <p:nvPr>
+            <p:ph type="sldNum" sz="quarter" idx="12"/>
+          </p:nvPr>
+        </p:nvSpPr>
+        <p:spPr/>
+        <p:txBody>
+          <a:bodyPr/>
+          <a:lstStyle/>
+          <a:p>
+            <a:pPr lvl="0"/>
+            <a:fld id="{AF452576-B972-42D4-A6CA-09E185D40179}" type="slidenum">
+              <a:rPr lang="fr-FR" smtClean="0"/>
+              <a:t>1</a:t>
+            </a:fld>
+            <a:endParaRPr lang="fr-FR"/>
+          </a:p>
+        </p:txBody>
+      </p:sp>
+      <p:sp>
+        <p:nvSpPr>
           <p:cNvPr id="2" name="Titre 1"/>
           <p:cNvSpPr txBox="1">
             <a:spLocks noGrp="1"/>
@@ -4631,8 +5234,8 @@
         </p:nvSpPr>
         <p:spPr>
           <a:xfrm>
-            <a:off x="0" y="533400"/>
-            <a:ext cx="10080625" cy="798513"/>
+            <a:off x="0" y="489352"/>
+            <a:ext cx="10080625" cy="886609"/>
           </a:xfrm>
         </p:spPr>
         <p:txBody>
@@ -4692,7 +5295,7 @@
             </a:lvl9pPr>
           </a:lstStyle>
           <a:p>
-            <a:pPr lvl="0">
+            <a:pPr lvl="0" algn="ctr">
               <a:buNone/>
             </a:pPr>
             <a:r>
@@ -4734,30 +5337,6 @@
           </a:ln>
         </p:spPr>
       </p:pic>
-      <p:sp>
-        <p:nvSpPr>
-          <p:cNvPr id="7" name="Espace réservé du numéro de diapositive 6"/>
-          <p:cNvSpPr>
-            <a:spLocks noGrp="1"/>
-          </p:cNvSpPr>
-          <p:nvPr>
-            <p:ph type="sldNum" sz="quarter" idx="12"/>
-          </p:nvPr>
-        </p:nvSpPr>
-        <p:spPr/>
-        <p:txBody>
-          <a:bodyPr/>
-          <a:lstStyle/>
-          <a:p>
-            <a:pPr lvl="0"/>
-            <a:fld id="{AF452576-B972-42D4-A6CA-09E185D40179}" type="slidenum">
-              <a:rPr lang="fr-FR" smtClean="0"/>
-              <a:t>1</a:t>
-            </a:fld>
-            <a:endParaRPr lang="fr-FR"/>
-          </a:p>
-        </p:txBody>
-      </p:sp>
     </p:spTree>
   </p:cSld>
   <p:clrMapOvr>
@@ -4800,6 +5379,30 @@
       </p:grpSpPr>
       <p:sp>
         <p:nvSpPr>
+          <p:cNvPr id="8" name="Espace réservé du numéro de diapositive 7"/>
+          <p:cNvSpPr>
+            <a:spLocks noGrp="1"/>
+          </p:cNvSpPr>
+          <p:nvPr>
+            <p:ph type="sldNum" sz="quarter" idx="12"/>
+          </p:nvPr>
+        </p:nvSpPr>
+        <p:spPr/>
+        <p:txBody>
+          <a:bodyPr/>
+          <a:lstStyle/>
+          <a:p>
+            <a:pPr lvl="0"/>
+            <a:fld id="{AF452576-B972-42D4-A6CA-09E185D40179}" type="slidenum">
+              <a:rPr lang="fr-FR" smtClean="0"/>
+              <a:t>10</a:t>
+            </a:fld>
+            <a:endParaRPr lang="fr-FR"/>
+          </a:p>
+        </p:txBody>
+      </p:sp>
+      <p:sp>
+        <p:nvSpPr>
           <p:cNvPr id="3" name="Espace réservé du texte 2"/>
           <p:cNvSpPr txBox="1">
             <a:spLocks noGrp="1"/>
@@ -5025,36 +5628,6 @@
           </a:p>
         </p:txBody>
       </p:sp>
-      <p:pic>
-        <p:nvPicPr>
-          <p:cNvPr id="6" name="Image 5"/>
-          <p:cNvPicPr>
-            <a:picLocks noChangeAspect="1"/>
-          </p:cNvPicPr>
-          <p:nvPr/>
-        </p:nvPicPr>
-        <p:blipFill>
-          <a:blip r:embed="rId3">
-            <a:extLst>
-              <a:ext uri="{28A0092B-C50C-407E-A947-70E740481C1C}">
-                <a14:useLocalDpi xmlns:a14="http://schemas.microsoft.com/office/drawing/2010/main" val="0"/>
-              </a:ext>
-            </a:extLst>
-          </a:blip>
-          <a:stretch>
-            <a:fillRect/>
-          </a:stretch>
-        </p:blipFill>
-        <p:spPr>
-          <a:xfrm>
-            <a:off x="2592039" y="3108231"/>
-            <a:ext cx="5354623" cy="2903854"/>
-          </a:xfrm>
-          <a:prstGeom prst="rect">
-            <a:avLst/>
-          </a:prstGeom>
-        </p:spPr>
-      </p:pic>
       <p:sp>
         <p:nvSpPr>
           <p:cNvPr id="7" name="Titre 1"/>
@@ -5193,37 +5766,333 @@
               <a:buNone/>
             </a:pPr>
             <a:r>
-              <a:rPr lang="fr-FR" smtClean="0"/>
+              <a:rPr lang="fr-FR" dirty="0" smtClean="0"/>
               <a:t>Optimisations</a:t>
             </a:r>
             <a:endParaRPr lang="fr-FR" dirty="0"/>
           </a:p>
         </p:txBody>
       </p:sp>
-      <p:sp>
-        <p:nvSpPr>
-          <p:cNvPr id="8" name="Espace réservé du numéro de diapositive 7"/>
-          <p:cNvSpPr>
-            <a:spLocks noGrp="1"/>
-          </p:cNvSpPr>
-          <p:nvPr>
-            <p:ph type="sldNum" sz="quarter" idx="12"/>
-          </p:nvPr>
-        </p:nvSpPr>
-        <p:spPr/>
-        <p:txBody>
-          <a:bodyPr/>
-          <a:lstStyle/>
-          <a:p>
-            <a:pPr lvl="0"/>
-            <a:fld id="{AF452576-B972-42D4-A6CA-09E185D40179}" type="slidenum">
-              <a:rPr lang="fr-FR" smtClean="0"/>
-              <a:t>10</a:t>
-            </a:fld>
-            <a:endParaRPr lang="fr-FR"/>
-          </a:p>
-        </p:txBody>
-      </p:sp>
+      <p:graphicFrame>
+        <p:nvGraphicFramePr>
+          <p:cNvPr id="9" name="Tableau 8"/>
+          <p:cNvGraphicFramePr>
+            <a:graphicFrameLocks noGrp="1"/>
+          </p:cNvGraphicFramePr>
+          <p:nvPr>
+            <p:extLst>
+              <p:ext uri="{D42A27DB-BD31-4B8C-83A1-F6EECF244321}">
+                <p14:modId xmlns:p14="http://schemas.microsoft.com/office/powerpoint/2010/main" val="704421115"/>
+              </p:ext>
+            </p:extLst>
+          </p:nvPr>
+        </p:nvGraphicFramePr>
+        <p:xfrm>
+          <a:off x="1343983" y="2843733"/>
+          <a:ext cx="7560000" cy="2520000"/>
+        </p:xfrm>
+        <a:graphic>
+          <a:graphicData uri="http://schemas.openxmlformats.org/drawingml/2006/table">
+            <a:tbl>
+              <a:tblPr firstRow="1" bandRow="1">
+                <a:tableStyleId>{5C22544A-7EE6-4342-B048-85BDC9FD1C3A}</a:tableStyleId>
+              </a:tblPr>
+              <a:tblGrid>
+                <a:gridCol w="2520000"/>
+                <a:gridCol w="2520000"/>
+                <a:gridCol w="2520000"/>
+              </a:tblGrid>
+              <a:tr h="759825">
+                <a:tc>
+                  <a:txBody>
+                    <a:bodyPr/>
+                    <a:lstStyle/>
+                    <a:p>
+                      <a:pPr algn="ctr"/>
+                      <a:r>
+                        <a:rPr lang="fr-FR" dirty="0" smtClean="0"/>
+                        <a:t>Nombre de coups à calculer</a:t>
+                      </a:r>
+                      <a:endParaRPr lang="fr-FR" dirty="0"/>
+                    </a:p>
+                  </a:txBody>
+                  <a:tcPr/>
+                </a:tc>
+                <a:tc>
+                  <a:txBody>
+                    <a:bodyPr/>
+                    <a:lstStyle/>
+                    <a:p>
+                      <a:pPr algn="ctr"/>
+                      <a:r>
+                        <a:rPr lang="fr-FR" dirty="0" smtClean="0"/>
+                        <a:t>Sans</a:t>
+                      </a:r>
+                      <a:r>
+                        <a:rPr lang="fr-FR" baseline="0" dirty="0" smtClean="0"/>
+                        <a:t> Threads</a:t>
+                      </a:r>
+                      <a:endParaRPr lang="fr-FR" dirty="0"/>
+                    </a:p>
+                  </a:txBody>
+                  <a:tcPr/>
+                </a:tc>
+                <a:tc>
+                  <a:txBody>
+                    <a:bodyPr/>
+                    <a:lstStyle/>
+                    <a:p>
+                      <a:pPr algn="ctr"/>
+                      <a:r>
+                        <a:rPr lang="fr-FR" dirty="0" smtClean="0"/>
+                        <a:t>Avec Threads</a:t>
+                      </a:r>
+                      <a:endParaRPr lang="fr-FR" dirty="0"/>
+                    </a:p>
+                  </a:txBody>
+                  <a:tcPr/>
+                </a:tc>
+              </a:tr>
+              <a:tr h="439530">
+                <a:tc>
+                  <a:txBody>
+                    <a:bodyPr/>
+                    <a:lstStyle/>
+                    <a:p>
+                      <a:pPr algn="ctr"/>
+                      <a:r>
+                        <a:rPr lang="fr-FR" dirty="0" smtClean="0"/>
+                        <a:t>3</a:t>
+                      </a:r>
+                      <a:endParaRPr lang="fr-FR" dirty="0"/>
+                    </a:p>
+                  </a:txBody>
+                  <a:tcPr/>
+                </a:tc>
+                <a:tc>
+                  <a:txBody>
+                    <a:bodyPr/>
+                    <a:lstStyle/>
+                    <a:p>
+                      <a:pPr algn="ctr"/>
+                      <a:r>
+                        <a:rPr lang="fr-FR" dirty="0" smtClean="0"/>
+                        <a:t>3 853 mS</a:t>
+                      </a:r>
+                      <a:endParaRPr lang="fr-FR" dirty="0"/>
+                    </a:p>
+                  </a:txBody>
+                  <a:tcPr/>
+                </a:tc>
+                <a:tc>
+                  <a:txBody>
+                    <a:bodyPr/>
+                    <a:lstStyle/>
+                    <a:p>
+                      <a:pPr algn="ctr"/>
+                      <a:r>
+                        <a:rPr lang="fr-FR" dirty="0" smtClean="0"/>
+                        <a:t>3 286 mS</a:t>
+                      </a:r>
+                      <a:endParaRPr lang="fr-FR" dirty="0"/>
+                    </a:p>
+                  </a:txBody>
+                  <a:tcPr/>
+                </a:tc>
+              </a:tr>
+              <a:tr h="440215">
+                <a:tc>
+                  <a:txBody>
+                    <a:bodyPr/>
+                    <a:lstStyle/>
+                    <a:p>
+                      <a:pPr algn="ctr"/>
+                      <a:r>
+                        <a:rPr lang="fr-FR" dirty="0" smtClean="0"/>
+                        <a:t>4</a:t>
+                      </a:r>
+                      <a:endParaRPr lang="fr-FR" dirty="0"/>
+                    </a:p>
+                  </a:txBody>
+                  <a:tcPr/>
+                </a:tc>
+                <a:tc>
+                  <a:txBody>
+                    <a:bodyPr/>
+                    <a:lstStyle/>
+                    <a:p>
+                      <a:pPr algn="ctr"/>
+                      <a:r>
+                        <a:rPr lang="fr-FR" dirty="0" smtClean="0"/>
+                        <a:t>18</a:t>
+                      </a:r>
+                      <a:r>
+                        <a:rPr lang="fr-FR" baseline="0" dirty="0" smtClean="0"/>
+                        <a:t> 641</a:t>
+                      </a:r>
+                      <a:r>
+                        <a:rPr lang="fr-FR" dirty="0" smtClean="0"/>
+                        <a:t> mS</a:t>
+                      </a:r>
+                      <a:endParaRPr lang="fr-FR" dirty="0"/>
+                    </a:p>
+                  </a:txBody>
+                  <a:tcPr/>
+                </a:tc>
+                <a:tc>
+                  <a:txBody>
+                    <a:bodyPr/>
+                    <a:lstStyle/>
+                    <a:p>
+                      <a:pPr algn="ctr"/>
+                      <a:r>
+                        <a:rPr lang="fr-FR" dirty="0" smtClean="0"/>
+                        <a:t>9</a:t>
+                      </a:r>
+                      <a:r>
+                        <a:rPr lang="fr-FR" baseline="0" dirty="0" smtClean="0"/>
+                        <a:t> 164</a:t>
+                      </a:r>
+                      <a:r>
+                        <a:rPr lang="fr-FR" dirty="0" smtClean="0"/>
+                        <a:t> mS</a:t>
+                      </a:r>
+                      <a:endParaRPr lang="fr-FR" dirty="0"/>
+                    </a:p>
+                  </a:txBody>
+                  <a:tcPr/>
+                </a:tc>
+              </a:tr>
+              <a:tr h="440215">
+                <a:tc>
+                  <a:txBody>
+                    <a:bodyPr/>
+                    <a:lstStyle/>
+                    <a:p>
+                      <a:pPr algn="ctr"/>
+                      <a:r>
+                        <a:rPr lang="fr-FR" dirty="0" smtClean="0"/>
+                        <a:t>5</a:t>
+                      </a:r>
+                      <a:endParaRPr lang="fr-FR" dirty="0"/>
+                    </a:p>
+                  </a:txBody>
+                  <a:tcPr/>
+                </a:tc>
+                <a:tc>
+                  <a:txBody>
+                    <a:bodyPr/>
+                    <a:lstStyle/>
+                    <a:p>
+                      <a:pPr algn="ctr"/>
+                      <a:r>
+                        <a:rPr lang="fr-FR" dirty="0" smtClean="0"/>
+                        <a:t>107</a:t>
+                      </a:r>
+                      <a:r>
+                        <a:rPr lang="fr-FR" baseline="0" dirty="0" smtClean="0"/>
+                        <a:t> 144</a:t>
+                      </a:r>
+                      <a:r>
+                        <a:rPr lang="fr-FR" dirty="0" smtClean="0"/>
+                        <a:t> mS</a:t>
+                      </a:r>
+                      <a:endParaRPr lang="fr-FR" dirty="0"/>
+                    </a:p>
+                  </a:txBody>
+                  <a:tcPr/>
+                </a:tc>
+                <a:tc>
+                  <a:txBody>
+                    <a:bodyPr/>
+                    <a:lstStyle/>
+                    <a:p>
+                      <a:pPr algn="ctr"/>
+                      <a:r>
+                        <a:rPr lang="fr-FR" dirty="0" smtClean="0"/>
+                        <a:t>33</a:t>
+                      </a:r>
+                      <a:r>
+                        <a:rPr lang="fr-FR" baseline="0" dirty="0" smtClean="0"/>
+                        <a:t> 942</a:t>
+                      </a:r>
+                      <a:r>
+                        <a:rPr lang="fr-FR" dirty="0" smtClean="0"/>
+                        <a:t> mS</a:t>
+                      </a:r>
+                      <a:endParaRPr lang="fr-FR" dirty="0"/>
+                    </a:p>
+                  </a:txBody>
+                  <a:tcPr/>
+                </a:tc>
+              </a:tr>
+              <a:tr h="440215">
+                <a:tc>
+                  <a:txBody>
+                    <a:bodyPr/>
+                    <a:lstStyle/>
+                    <a:p>
+                      <a:pPr algn="ctr"/>
+                      <a:r>
+                        <a:rPr lang="fr-FR" dirty="0" smtClean="0"/>
+                        <a:t>6</a:t>
+                      </a:r>
+                      <a:endParaRPr lang="fr-FR" dirty="0"/>
+                    </a:p>
+                  </a:txBody>
+                  <a:tcPr/>
+                </a:tc>
+                <a:tc>
+                  <a:txBody>
+                    <a:bodyPr/>
+                    <a:lstStyle/>
+                    <a:p>
+                      <a:pPr algn="ctr"/>
+                      <a:r>
+                        <a:rPr lang="fr-FR" dirty="0" smtClean="0"/>
+                        <a:t>879</a:t>
+                      </a:r>
+                      <a:r>
+                        <a:rPr lang="fr-FR" baseline="0" dirty="0" smtClean="0"/>
+                        <a:t> 187</a:t>
+                      </a:r>
+                      <a:r>
+                        <a:rPr lang="fr-FR" dirty="0" smtClean="0"/>
+                        <a:t> mS</a:t>
+                      </a:r>
+                      <a:endParaRPr lang="fr-FR" dirty="0"/>
+                    </a:p>
+                  </a:txBody>
+                  <a:tcPr/>
+                </a:tc>
+                <a:tc>
+                  <a:txBody>
+                    <a:bodyPr/>
+                    <a:lstStyle/>
+                    <a:p>
+                      <a:pPr algn="ctr"/>
+                      <a:r>
+                        <a:rPr lang="fr-FR" dirty="0" smtClean="0"/>
+                        <a:t>179</a:t>
+                      </a:r>
+                      <a:r>
+                        <a:rPr lang="fr-FR" baseline="0" dirty="0" smtClean="0"/>
+                        <a:t> 286</a:t>
+                      </a:r>
+                      <a:r>
+                        <a:rPr lang="fr-FR" dirty="0" smtClean="0"/>
+                        <a:t> mS</a:t>
+                      </a:r>
+                      <a:endParaRPr lang="fr-FR" dirty="0"/>
+                    </a:p>
+                  </a:txBody>
+                  <a:tcPr/>
+                </a:tc>
+              </a:tr>
+            </a:tbl>
+          </a:graphicData>
+        </a:graphic>
+      </p:graphicFrame>
     </p:spTree>
   </p:cSld>
   <p:clrMapOvr>
@@ -5266,83 +6135,25 @@
       </p:grpSpPr>
       <p:sp>
         <p:nvSpPr>
-          <p:cNvPr id="2" name="Titre 1"/>
-          <p:cNvSpPr txBox="1">
+          <p:cNvPr id="7" name="Espace réservé du numéro de diapositive 6"/>
+          <p:cNvSpPr>
             <a:spLocks noGrp="1"/>
           </p:cNvSpPr>
           <p:nvPr>
-            <p:ph type="title" idx="4294967295"/>
-          </p:nvPr>
-        </p:nvSpPr>
-        <p:spPr>
-          <a:xfrm>
-            <a:off x="0" y="301625"/>
-            <a:ext cx="10080625" cy="1262063"/>
-          </a:xfrm>
-        </p:spPr>
+            <p:ph type="sldNum" sz="quarter" idx="12"/>
+          </p:nvPr>
+        </p:nvSpPr>
+        <p:spPr/>
         <p:txBody>
           <a:bodyPr/>
-          <a:lstStyle>
-            <a:defPPr lvl="0">
-              <a:buSzPct val="45000"/>
-              <a:buFont typeface="StarSymbol"/>
-              <a:buNone/>
-            </a:defPPr>
-            <a:lvl1pPr lvl="0">
-              <a:buSzPct val="45000"/>
-              <a:buFont typeface="StarSymbol"/>
-              <a:buChar char="●"/>
-            </a:lvl1pPr>
-            <a:lvl2pPr lvl="1">
-              <a:buSzPct val="45000"/>
-              <a:buFont typeface="StarSymbol"/>
-              <a:buChar char="●"/>
-            </a:lvl2pPr>
-            <a:lvl3pPr lvl="2">
-              <a:buSzPct val="45000"/>
-              <a:buFont typeface="StarSymbol"/>
-              <a:buChar char="●"/>
-            </a:lvl3pPr>
-            <a:lvl4pPr lvl="3">
-              <a:buSzPct val="45000"/>
-              <a:buFont typeface="StarSymbol"/>
-              <a:buChar char="●"/>
-            </a:lvl4pPr>
-            <a:lvl5pPr lvl="4">
-              <a:buSzPct val="45000"/>
-              <a:buFont typeface="StarSymbol"/>
-              <a:buChar char="●"/>
-            </a:lvl5pPr>
-            <a:lvl6pPr lvl="5">
-              <a:buSzPct val="45000"/>
-              <a:buFont typeface="StarSymbol"/>
-              <a:buChar char="●"/>
-            </a:lvl6pPr>
-            <a:lvl7pPr lvl="6">
-              <a:buSzPct val="45000"/>
-              <a:buFont typeface="StarSymbol"/>
-              <a:buChar char="●"/>
-            </a:lvl7pPr>
-            <a:lvl8pPr lvl="7">
-              <a:buSzPct val="45000"/>
-              <a:buFont typeface="StarSymbol"/>
-              <a:buChar char="●"/>
-            </a:lvl8pPr>
-            <a:lvl9pPr lvl="8">
-              <a:buSzPct val="45000"/>
-              <a:buFont typeface="StarSymbol"/>
-              <a:buChar char="●"/>
-            </a:lvl9pPr>
-          </a:lstStyle>
-          <a:p>
-            <a:pPr lvl="0">
-              <a:buNone/>
-            </a:pPr>
-            <a:r>
-              <a:rPr lang="fr-FR" dirty="0" smtClean="0"/>
-              <a:t>Optimisations</a:t>
-            </a:r>
-            <a:endParaRPr lang="fr-FR" dirty="0"/>
+          <a:lstStyle/>
+          <a:p>
+            <a:pPr lvl="0"/>
+            <a:fld id="{AF452576-B972-42D4-A6CA-09E185D40179}" type="slidenum">
+              <a:rPr lang="fr-FR" smtClean="0"/>
+              <a:t>11</a:t>
+            </a:fld>
+            <a:endParaRPr lang="fr-FR"/>
           </a:p>
         </p:txBody>
       </p:sp>
@@ -5596,60 +6407,571 @@
           </a:p>
         </p:txBody>
       </p:sp>
-      <p:pic>
-        <p:nvPicPr>
-          <p:cNvPr id="6" name="Image 5"/>
-          <p:cNvPicPr>
-            <a:picLocks noChangeAspect="1"/>
-          </p:cNvPicPr>
+      <p:sp>
+        <p:nvSpPr>
+          <p:cNvPr id="8" name="Titre 1"/>
+          <p:cNvSpPr txBox="1">
+            <a:spLocks/>
+          </p:cNvSpPr>
           <p:nvPr/>
-        </p:nvPicPr>
-        <p:blipFill>
-          <a:blip r:embed="rId3">
-            <a:extLst>
-              <a:ext uri="{28A0092B-C50C-407E-A947-70E740481C1C}">
-                <a14:useLocalDpi xmlns:a14="http://schemas.microsoft.com/office/drawing/2010/main" val="0"/>
-              </a:ext>
-            </a:extLst>
-          </a:blip>
-          <a:stretch>
-            <a:fillRect/>
-          </a:stretch>
-        </p:blipFill>
+        </p:nvSpPr>
         <p:spPr>
           <a:xfrm>
-            <a:off x="1439912" y="3103467"/>
-            <a:ext cx="6611848" cy="2188537"/>
+            <a:off x="0" y="301625"/>
+            <a:ext cx="10080625" cy="1262063"/>
           </a:xfrm>
           <a:prstGeom prst="rect">
             <a:avLst/>
           </a:prstGeom>
         </p:spPr>
-      </p:pic>
-      <p:sp>
-        <p:nvSpPr>
-          <p:cNvPr id="7" name="Espace réservé du numéro de diapositive 6"/>
-          <p:cNvSpPr>
-            <a:spLocks noGrp="1"/>
-          </p:cNvSpPr>
-          <p:nvPr>
-            <p:ph type="sldNum" sz="quarter" idx="12"/>
-          </p:nvPr>
-        </p:nvSpPr>
-        <p:spPr/>
-        <p:txBody>
-          <a:bodyPr/>
-          <a:lstStyle/>
-          <a:p>
-            <a:pPr lvl="0"/>
-            <a:fld id="{AF452576-B972-42D4-A6CA-09E185D40179}" type="slidenum">
-              <a:rPr lang="fr-FR" smtClean="0"/>
-              <a:t>11</a:t>
-            </a:fld>
-            <a:endParaRPr lang="fr-FR"/>
-          </a:p>
-        </p:txBody>
-      </p:sp>
+        <p:txBody>
+          <a:bodyPr vert="horz" lIns="100794" tIns="50397" rIns="100794" bIns="50397" anchor="ctr">
+            <a:normAutofit/>
+            <a:scene3d>
+              <a:camera prst="orthographicFront"/>
+              <a:lightRig rig="soft" dir="t">
+                <a:rot lat="0" lon="0" rev="16800000"/>
+              </a:lightRig>
+            </a:scene3d>
+            <a:sp3d prstMaterial="softEdge">
+              <a:bevelT w="38100" h="38100"/>
+            </a:sp3d>
+          </a:bodyPr>
+          <a:lstStyle>
+            <a:defPPr lvl="0">
+              <a:buSzPct val="45000"/>
+              <a:buFont typeface="StarSymbol"/>
+              <a:buNone/>
+              <a:defRPr/>
+            </a:defPPr>
+            <a:lvl1pPr lvl="0" algn="ctr" rtl="0" eaLnBrk="1" latinLnBrk="0" hangingPunct="1">
+              <a:spcBef>
+                <a:spcPct val="0"/>
+              </a:spcBef>
+              <a:buSzPct val="45000"/>
+              <a:buFont typeface="StarSymbol"/>
+              <a:buChar char="●"/>
+              <a:defRPr kumimoji="0" sz="4500" b="1" kern="1200" cap="none" baseline="0">
+                <a:ln w="6350">
+                  <a:noFill/>
+                </a:ln>
+                <a:gradFill>
+                  <a:gsLst>
+                    <a:gs pos="0">
+                      <a:schemeClr val="accent1">
+                        <a:tint val="73000"/>
+                        <a:satMod val="145000"/>
+                      </a:schemeClr>
+                    </a:gs>
+                    <a:gs pos="73000">
+                      <a:schemeClr val="accent1">
+                        <a:tint val="73000"/>
+                        <a:satMod val="145000"/>
+                      </a:schemeClr>
+                    </a:gs>
+                    <a:gs pos="100000">
+                      <a:schemeClr val="accent1">
+                        <a:tint val="83000"/>
+                        <a:satMod val="143000"/>
+                      </a:schemeClr>
+                    </a:gs>
+                  </a:gsLst>
+                  <a:lin ang="4800000" scaled="1"/>
+                </a:gradFill>
+                <a:effectLst>
+                  <a:outerShdw blurRad="114300" dist="101600" dir="2700000" algn="tl" rotWithShape="0">
+                    <a:srgbClr val="000000">
+                      <a:alpha val="40000"/>
+                    </a:srgbClr>
+                  </a:outerShdw>
+                </a:effectLst>
+                <a:latin typeface="+mj-lt"/>
+                <a:ea typeface="+mj-ea"/>
+                <a:cs typeface="+mj-cs"/>
+              </a:defRPr>
+            </a:lvl1pPr>
+            <a:lvl2pPr lvl="1">
+              <a:buSzPct val="45000"/>
+              <a:buFont typeface="StarSymbol"/>
+              <a:buChar char="●"/>
+              <a:defRPr/>
+            </a:lvl2pPr>
+            <a:lvl3pPr lvl="2">
+              <a:buSzPct val="45000"/>
+              <a:buFont typeface="StarSymbol"/>
+              <a:buChar char="●"/>
+              <a:defRPr/>
+            </a:lvl3pPr>
+            <a:lvl4pPr lvl="3">
+              <a:buSzPct val="45000"/>
+              <a:buFont typeface="StarSymbol"/>
+              <a:buChar char="●"/>
+              <a:defRPr/>
+            </a:lvl4pPr>
+            <a:lvl5pPr lvl="4">
+              <a:buSzPct val="45000"/>
+              <a:buFont typeface="StarSymbol"/>
+              <a:buChar char="●"/>
+              <a:defRPr/>
+            </a:lvl5pPr>
+            <a:lvl6pPr lvl="5">
+              <a:buSzPct val="45000"/>
+              <a:buFont typeface="StarSymbol"/>
+              <a:buChar char="●"/>
+              <a:defRPr/>
+            </a:lvl6pPr>
+            <a:lvl7pPr lvl="6">
+              <a:buSzPct val="45000"/>
+              <a:buFont typeface="StarSymbol"/>
+              <a:buChar char="●"/>
+              <a:defRPr/>
+            </a:lvl7pPr>
+            <a:lvl8pPr lvl="7">
+              <a:buSzPct val="45000"/>
+              <a:buFont typeface="StarSymbol"/>
+              <a:buChar char="●"/>
+              <a:defRPr/>
+            </a:lvl8pPr>
+            <a:lvl9pPr lvl="8">
+              <a:buSzPct val="45000"/>
+              <a:buFont typeface="StarSymbol"/>
+              <a:buChar char="●"/>
+              <a:defRPr/>
+            </a:lvl9pPr>
+          </a:lstStyle>
+          <a:p>
+            <a:pPr defTabSz="914400">
+              <a:buFont typeface="StarSymbol"/>
+              <a:buNone/>
+            </a:pPr>
+            <a:r>
+              <a:rPr lang="fr-FR" dirty="0" smtClean="0"/>
+              <a:t>Optimisations</a:t>
+            </a:r>
+            <a:endParaRPr lang="fr-FR" dirty="0"/>
+          </a:p>
+        </p:txBody>
+      </p:sp>
+      <p:graphicFrame>
+        <p:nvGraphicFramePr>
+          <p:cNvPr id="4" name="Tableau 3"/>
+          <p:cNvGraphicFramePr>
+            <a:graphicFrameLocks noGrp="1"/>
+          </p:cNvGraphicFramePr>
+          <p:nvPr>
+            <p:extLst>
+              <p:ext uri="{D42A27DB-BD31-4B8C-83A1-F6EECF244321}">
+                <p14:modId xmlns:p14="http://schemas.microsoft.com/office/powerpoint/2010/main" val="4202453019"/>
+              </p:ext>
+            </p:extLst>
+          </p:nvPr>
+        </p:nvGraphicFramePr>
+        <p:xfrm>
+          <a:off x="1151880" y="2987749"/>
+          <a:ext cx="7248332" cy="1854200"/>
+        </p:xfrm>
+        <a:graphic>
+          <a:graphicData uri="http://schemas.openxmlformats.org/drawingml/2006/table">
+            <a:tbl>
+              <a:tblPr firstRow="1" bandRow="1">
+                <a:tableStyleId>{5C22544A-7EE6-4342-B048-85BDC9FD1C3A}</a:tableStyleId>
+              </a:tblPr>
+              <a:tblGrid>
+                <a:gridCol w="1872000"/>
+                <a:gridCol w="1344083"/>
+                <a:gridCol w="1344083"/>
+                <a:gridCol w="1344083"/>
+                <a:gridCol w="1344083"/>
+              </a:tblGrid>
+              <a:tr h="370840">
+                <a:tc>
+                  <a:txBody>
+                    <a:bodyPr/>
+                    <a:lstStyle/>
+                    <a:p>
+                      <a:pPr algn="ctr"/>
+                      <a:r>
+                        <a:rPr lang="fr-FR" dirty="0" smtClean="0"/>
+                        <a:t>Confrontations</a:t>
+                      </a:r>
+                      <a:endParaRPr lang="fr-FR" dirty="0"/>
+                    </a:p>
+                  </a:txBody>
+                  <a:tcPr/>
+                </a:tc>
+                <a:tc>
+                  <a:txBody>
+                    <a:bodyPr/>
+                    <a:lstStyle/>
+                    <a:p>
+                      <a:pPr algn="ctr"/>
+                      <a:r>
+                        <a:rPr lang="fr-FR" dirty="0" smtClean="0"/>
+                        <a:t>1</a:t>
+                      </a:r>
+                      <a:endParaRPr lang="fr-FR" dirty="0"/>
+                    </a:p>
+                  </a:txBody>
+                  <a:tcPr/>
+                </a:tc>
+                <a:tc>
+                  <a:txBody>
+                    <a:bodyPr/>
+                    <a:lstStyle/>
+                    <a:p>
+                      <a:pPr algn="ctr"/>
+                      <a:r>
+                        <a:rPr lang="fr-FR" dirty="0" smtClean="0"/>
+                        <a:t>2</a:t>
+                      </a:r>
+                      <a:endParaRPr lang="fr-FR" dirty="0"/>
+                    </a:p>
+                  </a:txBody>
+                  <a:tcPr/>
+                </a:tc>
+                <a:tc>
+                  <a:txBody>
+                    <a:bodyPr/>
+                    <a:lstStyle/>
+                    <a:p>
+                      <a:pPr algn="ctr"/>
+                      <a:r>
+                        <a:rPr lang="fr-FR" dirty="0" smtClean="0"/>
+                        <a:t>3</a:t>
+                      </a:r>
+                      <a:endParaRPr lang="fr-FR" dirty="0"/>
+                    </a:p>
+                  </a:txBody>
+                  <a:tcPr/>
+                </a:tc>
+                <a:tc>
+                  <a:txBody>
+                    <a:bodyPr/>
+                    <a:lstStyle/>
+                    <a:p>
+                      <a:pPr algn="ctr"/>
+                      <a:r>
+                        <a:rPr lang="fr-FR" dirty="0" smtClean="0"/>
+                        <a:t>4</a:t>
+                      </a:r>
+                      <a:endParaRPr lang="fr-FR" dirty="0"/>
+                    </a:p>
+                  </a:txBody>
+                  <a:tcPr/>
+                </a:tc>
+              </a:tr>
+              <a:tr h="370840">
+                <a:tc>
+                  <a:txBody>
+                    <a:bodyPr/>
+                    <a:lstStyle/>
+                    <a:p>
+                      <a:pPr algn="ctr"/>
+                      <a:r>
+                        <a:rPr lang="fr-FR" dirty="0" smtClean="0"/>
+                        <a:t>1</a:t>
+                      </a:r>
+                      <a:endParaRPr lang="fr-FR" dirty="0"/>
+                    </a:p>
+                  </a:txBody>
+                  <a:tcPr/>
+                </a:tc>
+                <a:tc>
+                  <a:txBody>
+                    <a:bodyPr/>
+                    <a:lstStyle/>
+                    <a:p>
+                      <a:pPr algn="ctr"/>
+                      <a:r>
+                        <a:rPr lang="fr-FR" dirty="0" smtClean="0"/>
+                        <a:t>½</a:t>
+                      </a:r>
+                      <a:endParaRPr lang="fr-FR" dirty="0"/>
+                    </a:p>
+                  </a:txBody>
+                  <a:tcPr/>
+                </a:tc>
+                <a:tc>
+                  <a:txBody>
+                    <a:bodyPr/>
+                    <a:lstStyle/>
+                    <a:p>
+                      <a:pPr algn="ctr"/>
+                      <a:r>
+                        <a:rPr lang="fr-FR" dirty="0" smtClean="0"/>
+                        <a:t>0</a:t>
+                      </a:r>
+                      <a:endParaRPr lang="fr-FR" dirty="0"/>
+                    </a:p>
+                  </a:txBody>
+                  <a:tcPr/>
+                </a:tc>
+                <a:tc>
+                  <a:txBody>
+                    <a:bodyPr/>
+                    <a:lstStyle/>
+                    <a:p>
+                      <a:pPr algn="ctr"/>
+                      <a:r>
+                        <a:rPr lang="fr-FR" dirty="0" smtClean="0"/>
+                        <a:t>1</a:t>
+                      </a:r>
+                      <a:endParaRPr lang="fr-FR" dirty="0"/>
+                    </a:p>
+                  </a:txBody>
+                  <a:tcPr/>
+                </a:tc>
+                <a:tc>
+                  <a:txBody>
+                    <a:bodyPr/>
+                    <a:lstStyle/>
+                    <a:p>
+                      <a:pPr algn="ctr"/>
+                      <a:r>
+                        <a:rPr lang="fr-FR" dirty="0" smtClean="0"/>
+                        <a:t>1</a:t>
+                      </a:r>
+                      <a:endParaRPr lang="fr-FR" dirty="0"/>
+                    </a:p>
+                  </a:txBody>
+                  <a:tcPr/>
+                </a:tc>
+              </a:tr>
+              <a:tr h="370840">
+                <a:tc>
+                  <a:txBody>
+                    <a:bodyPr/>
+                    <a:lstStyle/>
+                    <a:p>
+                      <a:pPr algn="ctr"/>
+                      <a:r>
+                        <a:rPr lang="fr-FR" dirty="0" smtClean="0"/>
+                        <a:t>2</a:t>
+                      </a:r>
+                      <a:endParaRPr lang="fr-FR" dirty="0"/>
+                    </a:p>
+                  </a:txBody>
+                  <a:tcPr/>
+                </a:tc>
+                <a:tc>
+                  <a:txBody>
+                    <a:bodyPr/>
+                    <a:lstStyle/>
+                    <a:p>
+                      <a:pPr algn="ctr"/>
+                      <a:r>
+                        <a:rPr lang="fr-FR" dirty="0" smtClean="0"/>
+                        <a:t>1</a:t>
+                      </a:r>
+                      <a:endParaRPr lang="fr-FR" dirty="0"/>
+                    </a:p>
+                  </a:txBody>
+                  <a:tcPr/>
+                </a:tc>
+                <a:tc>
+                  <a:txBody>
+                    <a:bodyPr/>
+                    <a:lstStyle/>
+                    <a:p>
+                      <a:pPr algn="ctr"/>
+                      <a:r>
+                        <a:rPr lang="fr-FR" dirty="0" smtClean="0"/>
+                        <a:t>½</a:t>
+                      </a:r>
+                      <a:endParaRPr lang="fr-FR" dirty="0"/>
+                    </a:p>
+                  </a:txBody>
+                  <a:tcPr/>
+                </a:tc>
+                <a:tc>
+                  <a:txBody>
+                    <a:bodyPr/>
+                    <a:lstStyle/>
+                    <a:p>
+                      <a:pPr algn="ctr"/>
+                      <a:r>
+                        <a:rPr lang="fr-FR" dirty="0" smtClean="0"/>
+                        <a:t>1</a:t>
+                      </a:r>
+                      <a:endParaRPr lang="fr-FR" dirty="0"/>
+                    </a:p>
+                  </a:txBody>
+                  <a:tcPr/>
+                </a:tc>
+                <a:tc>
+                  <a:txBody>
+                    <a:bodyPr/>
+                    <a:lstStyle/>
+                    <a:p>
+                      <a:pPr algn="ctr"/>
+                      <a:r>
+                        <a:rPr lang="fr-FR" dirty="0" smtClean="0"/>
+                        <a:t>1</a:t>
+                      </a:r>
+                      <a:endParaRPr lang="fr-FR" dirty="0"/>
+                    </a:p>
+                  </a:txBody>
+                  <a:tcPr/>
+                </a:tc>
+              </a:tr>
+              <a:tr h="370840">
+                <a:tc>
+                  <a:txBody>
+                    <a:bodyPr/>
+                    <a:lstStyle/>
+                    <a:p>
+                      <a:pPr algn="ctr"/>
+                      <a:r>
+                        <a:rPr lang="fr-FR" dirty="0" smtClean="0"/>
+                        <a:t>3</a:t>
+                      </a:r>
+                      <a:endParaRPr lang="fr-FR" dirty="0"/>
+                    </a:p>
+                  </a:txBody>
+                  <a:tcPr/>
+                </a:tc>
+                <a:tc>
+                  <a:txBody>
+                    <a:bodyPr/>
+                    <a:lstStyle/>
+                    <a:p>
+                      <a:pPr algn="ctr"/>
+                      <a:r>
+                        <a:rPr lang="fr-FR" dirty="0" smtClean="0"/>
+                        <a:t>0</a:t>
+                      </a:r>
+                      <a:endParaRPr lang="fr-FR" dirty="0"/>
+                    </a:p>
+                  </a:txBody>
+                  <a:tcPr/>
+                </a:tc>
+                <a:tc>
+                  <a:txBody>
+                    <a:bodyPr/>
+                    <a:lstStyle/>
+                    <a:p>
+                      <a:pPr algn="ctr"/>
+                      <a:r>
+                        <a:rPr lang="fr-FR" dirty="0" smtClean="0"/>
+                        <a:t>0</a:t>
+                      </a:r>
+                      <a:endParaRPr lang="fr-FR" dirty="0"/>
+                    </a:p>
+                  </a:txBody>
+                  <a:tcPr/>
+                </a:tc>
+                <a:tc>
+                  <a:txBody>
+                    <a:bodyPr/>
+                    <a:lstStyle/>
+                    <a:p>
+                      <a:pPr algn="ctr"/>
+                      <a:r>
+                        <a:rPr lang="fr-FR" dirty="0" smtClean="0"/>
+                        <a:t>0</a:t>
+                      </a:r>
+                      <a:endParaRPr lang="fr-FR" dirty="0"/>
+                    </a:p>
+                  </a:txBody>
+                  <a:tcPr/>
+                </a:tc>
+                <a:tc>
+                  <a:txBody>
+                    <a:bodyPr/>
+                    <a:lstStyle/>
+                    <a:p>
+                      <a:pPr algn="ctr"/>
+                      <a:r>
+                        <a:rPr lang="fr-FR" dirty="0" smtClean="0"/>
+                        <a:t>½</a:t>
+                      </a:r>
+                      <a:endParaRPr lang="fr-FR" dirty="0"/>
+                    </a:p>
+                  </a:txBody>
+                  <a:tcPr/>
+                </a:tc>
+              </a:tr>
+              <a:tr h="370840">
+                <a:tc>
+                  <a:txBody>
+                    <a:bodyPr/>
+                    <a:lstStyle/>
+                    <a:p>
+                      <a:pPr algn="ctr"/>
+                      <a:r>
+                        <a:rPr lang="fr-FR" dirty="0" smtClean="0"/>
+                        <a:t>4</a:t>
+                      </a:r>
+                      <a:endParaRPr lang="fr-FR" dirty="0"/>
+                    </a:p>
+                  </a:txBody>
+                  <a:tcPr/>
+                </a:tc>
+                <a:tc>
+                  <a:txBody>
+                    <a:bodyPr/>
+                    <a:lstStyle/>
+                    <a:p>
+                      <a:pPr algn="ctr"/>
+                      <a:r>
+                        <a:rPr lang="fr-FR" dirty="0" smtClean="0"/>
+                        <a:t>0</a:t>
+                      </a:r>
+                      <a:endParaRPr lang="fr-FR" dirty="0"/>
+                    </a:p>
+                  </a:txBody>
+                  <a:tcPr/>
+                </a:tc>
+                <a:tc>
+                  <a:txBody>
+                    <a:bodyPr/>
+                    <a:lstStyle/>
+                    <a:p>
+                      <a:pPr algn="ctr"/>
+                      <a:r>
+                        <a:rPr lang="fr-FR" dirty="0" smtClean="0"/>
+                        <a:t>0</a:t>
+                      </a:r>
+                      <a:endParaRPr lang="fr-FR" dirty="0"/>
+                    </a:p>
+                  </a:txBody>
+                  <a:tcPr/>
+                </a:tc>
+                <a:tc>
+                  <a:txBody>
+                    <a:bodyPr/>
+                    <a:lstStyle/>
+                    <a:p>
+                      <a:pPr algn="ctr"/>
+                      <a:r>
+                        <a:rPr lang="fr-FR" dirty="0" smtClean="0"/>
+                        <a:t>1</a:t>
+                      </a:r>
+                      <a:endParaRPr lang="fr-FR" dirty="0"/>
+                    </a:p>
+                  </a:txBody>
+                  <a:tcPr/>
+                </a:tc>
+                <a:tc>
+                  <a:txBody>
+                    <a:bodyPr/>
+                    <a:lstStyle/>
+                    <a:p>
+                      <a:pPr algn="ctr"/>
+                      <a:r>
+                        <a:rPr lang="fr-FR" dirty="0" smtClean="0"/>
+                        <a:t>0</a:t>
+                      </a:r>
+                      <a:endParaRPr lang="fr-FR" dirty="0"/>
+                    </a:p>
+                  </a:txBody>
+                  <a:tcPr/>
+                </a:tc>
+              </a:tr>
+            </a:tbl>
+          </a:graphicData>
+        </a:graphic>
+      </p:graphicFrame>
     </p:spTree>
   </p:cSld>
   <p:clrMapOvr>
@@ -6243,6 +7565,30 @@
       </p:grpSpPr>
       <p:sp>
         <p:nvSpPr>
+          <p:cNvPr id="6" name="Espace réservé du numéro de diapositive 5"/>
+          <p:cNvSpPr>
+            <a:spLocks noGrp="1"/>
+          </p:cNvSpPr>
+          <p:nvPr>
+            <p:ph type="sldNum" sz="quarter" idx="12"/>
+          </p:nvPr>
+        </p:nvSpPr>
+        <p:spPr/>
+        <p:txBody>
+          <a:bodyPr/>
+          <a:lstStyle/>
+          <a:p>
+            <a:pPr lvl="0"/>
+            <a:fld id="{AF452576-B972-42D4-A6CA-09E185D40179}" type="slidenum">
+              <a:rPr lang="fr-FR" smtClean="0"/>
+              <a:t>2</a:t>
+            </a:fld>
+            <a:endParaRPr lang="fr-FR"/>
+          </a:p>
+        </p:txBody>
+      </p:sp>
+      <p:sp>
+        <p:nvSpPr>
           <p:cNvPr id="2" name="Titre 1"/>
           <p:cNvSpPr txBox="1">
             <a:spLocks noGrp="1"/>
@@ -6312,7 +7658,7 @@
             </a:lvl9pPr>
           </a:lstStyle>
           <a:p>
-            <a:pPr lvl="0">
+            <a:pPr lvl="0" algn="ctr">
               <a:buNone/>
             </a:pPr>
             <a:r>
@@ -6334,8 +7680,8 @@
         </p:nvSpPr>
         <p:spPr>
           <a:xfrm>
-            <a:off x="287784" y="1763613"/>
-            <a:ext cx="9072563" cy="4989513"/>
+            <a:off x="0" y="1763713"/>
+            <a:ext cx="9072563" cy="4989512"/>
           </a:xfrm>
         </p:spPr>
         <p:txBody>
@@ -6571,30 +7917,6 @@
               <a:t>Optimisations</a:t>
             </a:r>
             <a:endParaRPr lang="fr-FR" dirty="0"/>
-          </a:p>
-        </p:txBody>
-      </p:sp>
-      <p:sp>
-        <p:nvSpPr>
-          <p:cNvPr id="6" name="Espace réservé du numéro de diapositive 5"/>
-          <p:cNvSpPr>
-            <a:spLocks noGrp="1"/>
-          </p:cNvSpPr>
-          <p:nvPr>
-            <p:ph type="sldNum" sz="quarter" idx="12"/>
-          </p:nvPr>
-        </p:nvSpPr>
-        <p:spPr/>
-        <p:txBody>
-          <a:bodyPr/>
-          <a:lstStyle/>
-          <a:p>
-            <a:pPr lvl="0"/>
-            <a:fld id="{AF452576-B972-42D4-A6CA-09E185D40179}" type="slidenum">
-              <a:rPr lang="fr-FR" smtClean="0"/>
-              <a:t>2</a:t>
-            </a:fld>
-            <a:endParaRPr lang="fr-FR"/>
           </a:p>
         </p:txBody>
       </p:sp>
@@ -6640,89 +7962,25 @@
       </p:grpSpPr>
       <p:sp>
         <p:nvSpPr>
-          <p:cNvPr id="2" name="Titre 1"/>
-          <p:cNvSpPr txBox="1">
+          <p:cNvPr id="8" name="Espace réservé du numéro de diapositive 7"/>
+          <p:cNvSpPr>
             <a:spLocks noGrp="1"/>
           </p:cNvSpPr>
           <p:nvPr>
-            <p:ph type="title" idx="4294967295"/>
-          </p:nvPr>
-        </p:nvSpPr>
-        <p:spPr>
-          <a:xfrm>
-            <a:off x="0" y="301625"/>
-            <a:ext cx="10058400" cy="1262063"/>
-          </a:xfrm>
-        </p:spPr>
-        <p:txBody>
-          <a:bodyPr>
-            <a:normAutofit/>
-          </a:bodyPr>
-          <a:lstStyle>
-            <a:defPPr lvl="0">
-              <a:buSzPct val="45000"/>
-              <a:buFont typeface="StarSymbol"/>
-              <a:buNone/>
-            </a:defPPr>
-            <a:lvl1pPr lvl="0">
-              <a:buSzPct val="45000"/>
-              <a:buFont typeface="StarSymbol"/>
-              <a:buChar char="●"/>
-            </a:lvl1pPr>
-            <a:lvl2pPr lvl="1">
-              <a:buSzPct val="45000"/>
-              <a:buFont typeface="StarSymbol"/>
-              <a:buChar char="●"/>
-            </a:lvl2pPr>
-            <a:lvl3pPr lvl="2">
-              <a:buSzPct val="45000"/>
-              <a:buFont typeface="StarSymbol"/>
-              <a:buChar char="●"/>
-            </a:lvl3pPr>
-            <a:lvl4pPr lvl="3">
-              <a:buSzPct val="45000"/>
-              <a:buFont typeface="StarSymbol"/>
-              <a:buChar char="●"/>
-            </a:lvl4pPr>
-            <a:lvl5pPr lvl="4">
-              <a:buSzPct val="45000"/>
-              <a:buFont typeface="StarSymbol"/>
-              <a:buChar char="●"/>
-            </a:lvl5pPr>
-            <a:lvl6pPr lvl="5">
-              <a:buSzPct val="45000"/>
-              <a:buFont typeface="StarSymbol"/>
-              <a:buChar char="●"/>
-            </a:lvl6pPr>
-            <a:lvl7pPr lvl="6">
-              <a:buSzPct val="45000"/>
-              <a:buFont typeface="StarSymbol"/>
-              <a:buChar char="●"/>
-            </a:lvl7pPr>
-            <a:lvl8pPr lvl="7">
-              <a:buSzPct val="45000"/>
-              <a:buFont typeface="StarSymbol"/>
-              <a:buChar char="●"/>
-            </a:lvl8pPr>
-            <a:lvl9pPr lvl="8">
-              <a:buSzPct val="45000"/>
-              <a:buFont typeface="StarSymbol"/>
-              <a:buChar char="●"/>
-            </a:lvl9pPr>
-          </a:lstStyle>
-          <a:p>
-            <a:pPr lvl="0">
-              <a:buNone/>
-            </a:pPr>
-            <a:r>
-              <a:rPr lang="fr-FR" sz="4000" dirty="0"/>
-              <a:t>Quelques rappels </a:t>
-            </a:r>
-            <a:r>
-              <a:rPr lang="fr-FR" sz="4000" dirty="0" smtClean="0"/>
-              <a:t>des algorithmes</a:t>
-            </a:r>
-            <a:endParaRPr lang="fr-FR" sz="4000" dirty="0"/>
+            <p:ph type="sldNum" sz="quarter" idx="12"/>
+          </p:nvPr>
+        </p:nvSpPr>
+        <p:spPr/>
+        <p:txBody>
+          <a:bodyPr/>
+          <a:lstStyle/>
+          <a:p>
+            <a:pPr lvl="0"/>
+            <a:fld id="{AF452576-B972-42D4-A6CA-09E185D40179}" type="slidenum">
+              <a:rPr lang="fr-FR" smtClean="0"/>
+              <a:t>3</a:t>
+            </a:fld>
+            <a:endParaRPr lang="fr-FR"/>
           </a:p>
         </p:txBody>
       </p:sp>
@@ -6977,25 +8235,146 @@
       </p:pic>
       <p:sp>
         <p:nvSpPr>
-          <p:cNvPr id="8" name="Espace réservé du numéro de diapositive 7"/>
-          <p:cNvSpPr>
-            <a:spLocks noGrp="1"/>
-          </p:cNvSpPr>
-          <p:nvPr>
-            <p:ph type="sldNum" sz="quarter" idx="12"/>
-          </p:nvPr>
-        </p:nvSpPr>
-        <p:spPr/>
-        <p:txBody>
-          <a:bodyPr/>
-          <a:lstStyle/>
-          <a:p>
-            <a:pPr lvl="0"/>
-            <a:fld id="{AF452576-B972-42D4-A6CA-09E185D40179}" type="slidenum">
-              <a:rPr lang="fr-FR" smtClean="0"/>
-              <a:t>3</a:t>
-            </a:fld>
-            <a:endParaRPr lang="fr-FR"/>
+          <p:cNvPr id="6" name="Titre 1"/>
+          <p:cNvSpPr txBox="1">
+            <a:spLocks/>
+          </p:cNvSpPr>
+          <p:nvPr/>
+        </p:nvSpPr>
+        <p:spPr>
+          <a:xfrm>
+            <a:off x="0" y="301625"/>
+            <a:ext cx="10058400" cy="1262063"/>
+          </a:xfrm>
+          <a:prstGeom prst="rect">
+            <a:avLst/>
+          </a:prstGeom>
+        </p:spPr>
+        <p:txBody>
+          <a:bodyPr vert="horz" lIns="100794" tIns="50397" rIns="100794" bIns="50397" anchor="ctr">
+            <a:normAutofit fontScale="97500"/>
+            <a:scene3d>
+              <a:camera prst="orthographicFront"/>
+              <a:lightRig rig="soft" dir="t">
+                <a:rot lat="0" lon="0" rev="16800000"/>
+              </a:lightRig>
+            </a:scene3d>
+            <a:sp3d prstMaterial="softEdge">
+              <a:bevelT w="38100" h="38100"/>
+            </a:sp3d>
+          </a:bodyPr>
+          <a:lstStyle>
+            <a:defPPr lvl="0">
+              <a:buSzPct val="45000"/>
+              <a:buFont typeface="StarSymbol"/>
+              <a:buNone/>
+              <a:defRPr/>
+            </a:defPPr>
+            <a:lvl1pPr lvl="0" algn="ctr" rtl="0" eaLnBrk="1" latinLnBrk="0" hangingPunct="1">
+              <a:spcBef>
+                <a:spcPct val="0"/>
+              </a:spcBef>
+              <a:buSzPct val="45000"/>
+              <a:buFont typeface="StarSymbol"/>
+              <a:buChar char="●"/>
+              <a:defRPr kumimoji="0" sz="4500" b="1" kern="1200" cap="none" baseline="0">
+                <a:ln w="6350">
+                  <a:noFill/>
+                </a:ln>
+                <a:gradFill>
+                  <a:gsLst>
+                    <a:gs pos="0">
+                      <a:schemeClr val="accent1">
+                        <a:tint val="73000"/>
+                        <a:satMod val="145000"/>
+                      </a:schemeClr>
+                    </a:gs>
+                    <a:gs pos="73000">
+                      <a:schemeClr val="accent1">
+                        <a:tint val="73000"/>
+                        <a:satMod val="145000"/>
+                      </a:schemeClr>
+                    </a:gs>
+                    <a:gs pos="100000">
+                      <a:schemeClr val="accent1">
+                        <a:tint val="83000"/>
+                        <a:satMod val="143000"/>
+                      </a:schemeClr>
+                    </a:gs>
+                  </a:gsLst>
+                  <a:lin ang="4800000" scaled="1"/>
+                </a:gradFill>
+                <a:effectLst>
+                  <a:outerShdw blurRad="114300" dist="101600" dir="2700000" algn="tl" rotWithShape="0">
+                    <a:srgbClr val="000000">
+                      <a:alpha val="40000"/>
+                    </a:srgbClr>
+                  </a:outerShdw>
+                </a:effectLst>
+                <a:latin typeface="+mj-lt"/>
+                <a:ea typeface="+mj-ea"/>
+                <a:cs typeface="+mj-cs"/>
+              </a:defRPr>
+            </a:lvl1pPr>
+            <a:lvl2pPr lvl="1">
+              <a:buSzPct val="45000"/>
+              <a:buFont typeface="StarSymbol"/>
+              <a:buChar char="●"/>
+              <a:defRPr/>
+            </a:lvl2pPr>
+            <a:lvl3pPr lvl="2">
+              <a:buSzPct val="45000"/>
+              <a:buFont typeface="StarSymbol"/>
+              <a:buChar char="●"/>
+              <a:defRPr/>
+            </a:lvl3pPr>
+            <a:lvl4pPr lvl="3">
+              <a:buSzPct val="45000"/>
+              <a:buFont typeface="StarSymbol"/>
+              <a:buChar char="●"/>
+              <a:defRPr/>
+            </a:lvl4pPr>
+            <a:lvl5pPr lvl="4">
+              <a:buSzPct val="45000"/>
+              <a:buFont typeface="StarSymbol"/>
+              <a:buChar char="●"/>
+              <a:defRPr/>
+            </a:lvl5pPr>
+            <a:lvl6pPr lvl="5">
+              <a:buSzPct val="45000"/>
+              <a:buFont typeface="StarSymbol"/>
+              <a:buChar char="●"/>
+              <a:defRPr/>
+            </a:lvl6pPr>
+            <a:lvl7pPr lvl="6">
+              <a:buSzPct val="45000"/>
+              <a:buFont typeface="StarSymbol"/>
+              <a:buChar char="●"/>
+              <a:defRPr/>
+            </a:lvl7pPr>
+            <a:lvl8pPr lvl="7">
+              <a:buSzPct val="45000"/>
+              <a:buFont typeface="StarSymbol"/>
+              <a:buChar char="●"/>
+              <a:defRPr/>
+            </a:lvl8pPr>
+            <a:lvl9pPr lvl="8">
+              <a:buSzPct val="45000"/>
+              <a:buFont typeface="StarSymbol"/>
+              <a:buChar char="●"/>
+              <a:defRPr/>
+            </a:lvl9pPr>
+          </a:lstStyle>
+          <a:p>
+            <a:pPr defTabSz="914400">
+              <a:buFont typeface="StarSymbol"/>
+              <a:buNone/>
+            </a:pPr>
+            <a:r>
+              <a:rPr lang="fr-FR" sz="4100" dirty="0" smtClean="0"/>
+              <a:t>Quelques rappels des algorithmes</a:t>
+            </a:r>
+            <a:endParaRPr lang="fr-FR" sz="4100" dirty="0"/>
           </a:p>
         </p:txBody>
       </p:sp>
@@ -7041,6 +8420,30 @@
       </p:grpSpPr>
       <p:sp>
         <p:nvSpPr>
+          <p:cNvPr id="9" name="Espace réservé du numéro de diapositive 8"/>
+          <p:cNvSpPr>
+            <a:spLocks noGrp="1"/>
+          </p:cNvSpPr>
+          <p:nvPr>
+            <p:ph type="sldNum" sz="quarter" idx="12"/>
+          </p:nvPr>
+        </p:nvSpPr>
+        <p:spPr/>
+        <p:txBody>
+          <a:bodyPr/>
+          <a:lstStyle/>
+          <a:p>
+            <a:pPr lvl="0"/>
+            <a:fld id="{AF452576-B972-42D4-A6CA-09E185D40179}" type="slidenum">
+              <a:rPr lang="fr-FR" smtClean="0"/>
+              <a:t>4</a:t>
+            </a:fld>
+            <a:endParaRPr lang="fr-FR"/>
+          </a:p>
+        </p:txBody>
+      </p:sp>
+      <p:sp>
+        <p:nvSpPr>
           <p:cNvPr id="3" name="Espace réservé du texte 2"/>
           <p:cNvSpPr txBox="1">
             <a:spLocks noGrp="1"/>
@@ -7433,30 +8836,6 @@
           </a:prstGeom>
         </p:spPr>
       </p:pic>
-      <p:sp>
-        <p:nvSpPr>
-          <p:cNvPr id="9" name="Espace réservé du numéro de diapositive 8"/>
-          <p:cNvSpPr>
-            <a:spLocks noGrp="1"/>
-          </p:cNvSpPr>
-          <p:nvPr>
-            <p:ph type="sldNum" sz="quarter" idx="12"/>
-          </p:nvPr>
-        </p:nvSpPr>
-        <p:spPr/>
-        <p:txBody>
-          <a:bodyPr/>
-          <a:lstStyle/>
-          <a:p>
-            <a:pPr lvl="0"/>
-            <a:fld id="{AF452576-B972-42D4-A6CA-09E185D40179}" type="slidenum">
-              <a:rPr lang="fr-FR" smtClean="0"/>
-              <a:t>4</a:t>
-            </a:fld>
-            <a:endParaRPr lang="fr-FR"/>
-          </a:p>
-        </p:txBody>
-      </p:sp>
     </p:spTree>
   </p:cSld>
   <p:clrMapOvr>
@@ -7499,6 +8878,30 @@
       </p:grpSpPr>
       <p:sp>
         <p:nvSpPr>
+          <p:cNvPr id="8" name="Espace réservé du numéro de diapositive 7"/>
+          <p:cNvSpPr>
+            <a:spLocks noGrp="1"/>
+          </p:cNvSpPr>
+          <p:nvPr>
+            <p:ph type="sldNum" sz="quarter" idx="12"/>
+          </p:nvPr>
+        </p:nvSpPr>
+        <p:spPr/>
+        <p:txBody>
+          <a:bodyPr/>
+          <a:lstStyle/>
+          <a:p>
+            <a:pPr lvl="0"/>
+            <a:fld id="{AF452576-B972-42D4-A6CA-09E185D40179}" type="slidenum">
+              <a:rPr lang="fr-FR" smtClean="0"/>
+              <a:t>5</a:t>
+            </a:fld>
+            <a:endParaRPr lang="fr-FR"/>
+          </a:p>
+        </p:txBody>
+      </p:sp>
+      <p:sp>
+        <p:nvSpPr>
           <p:cNvPr id="3" name="Espace réservé du texte 2"/>
           <p:cNvSpPr txBox="1">
             <a:spLocks noGrp="1"/>
@@ -7710,15 +9113,45 @@
           <a:p>
             <a:pPr lvl="0"/>
             <a:r>
-              <a:rPr lang="fr-FR"/>
+              <a:rPr lang="fr-FR" dirty="0"/>
               <a:t>Présentation de l'Alpha-Beta</a:t>
             </a:r>
           </a:p>
         </p:txBody>
       </p:sp>
-      <p:sp>
-        <p:nvSpPr>
-          <p:cNvPr id="7" name="Titre 1"/>
+      <p:pic>
+        <p:nvPicPr>
+          <p:cNvPr id="2" name="Image 1"/>
+          <p:cNvPicPr>
+            <a:picLocks noChangeAspect="1"/>
+          </p:cNvPicPr>
+          <p:nvPr/>
+        </p:nvPicPr>
+        <p:blipFill>
+          <a:blip r:embed="rId3">
+            <a:extLst>
+              <a:ext uri="{28A0092B-C50C-407E-A947-70E740481C1C}">
+                <a14:useLocalDpi xmlns:a14="http://schemas.microsoft.com/office/drawing/2010/main" val="0"/>
+              </a:ext>
+            </a:extLst>
+          </a:blip>
+          <a:stretch>
+            <a:fillRect/>
+          </a:stretch>
+        </p:blipFill>
+        <p:spPr>
+          <a:xfrm>
+            <a:off x="0" y="2699717"/>
+            <a:ext cx="10058400" cy="4449732"/>
+          </a:xfrm>
+          <a:prstGeom prst="rect">
+            <a:avLst/>
+          </a:prstGeom>
+        </p:spPr>
+      </p:pic>
+      <p:sp>
+        <p:nvSpPr>
+          <p:cNvPr id="6" name="Titre 1"/>
           <p:cNvSpPr txBox="1">
             <a:spLocks/>
           </p:cNvSpPr>
@@ -7854,67 +9287,13 @@
               <a:buNone/>
             </a:pPr>
             <a:r>
-              <a:rPr lang="fr-FR" smtClean="0"/>
+              <a:rPr lang="fr-FR" sz="4100" dirty="0" smtClean="0"/>
               <a:t>Quelques rappels des algorithmes</a:t>
             </a:r>
-            <a:endParaRPr lang="fr-FR" dirty="0"/>
-          </a:p>
-        </p:txBody>
-      </p:sp>
-      <p:sp>
-        <p:nvSpPr>
-          <p:cNvPr id="8" name="Espace réservé du numéro de diapositive 7"/>
-          <p:cNvSpPr>
-            <a:spLocks noGrp="1"/>
-          </p:cNvSpPr>
-          <p:nvPr>
-            <p:ph type="sldNum" sz="quarter" idx="12"/>
-          </p:nvPr>
-        </p:nvSpPr>
-        <p:spPr/>
-        <p:txBody>
-          <a:bodyPr/>
-          <a:lstStyle/>
-          <a:p>
-            <a:pPr lvl="0"/>
-            <a:fld id="{AF452576-B972-42D4-A6CA-09E185D40179}" type="slidenum">
-              <a:rPr lang="fr-FR" smtClean="0"/>
-              <a:t>5</a:t>
-            </a:fld>
-            <a:endParaRPr lang="fr-FR"/>
-          </a:p>
-        </p:txBody>
-      </p:sp>
-      <p:pic>
-        <p:nvPicPr>
-          <p:cNvPr id="2" name="Image 1"/>
-          <p:cNvPicPr>
-            <a:picLocks noChangeAspect="1"/>
-          </p:cNvPicPr>
-          <p:nvPr/>
-        </p:nvPicPr>
-        <p:blipFill>
-          <a:blip r:embed="rId3">
-            <a:extLst>
-              <a:ext uri="{28A0092B-C50C-407E-A947-70E740481C1C}">
-                <a14:useLocalDpi xmlns:a14="http://schemas.microsoft.com/office/drawing/2010/main" val="0"/>
-              </a:ext>
-            </a:extLst>
-          </a:blip>
-          <a:stretch>
-            <a:fillRect/>
-          </a:stretch>
-        </p:blipFill>
-        <p:spPr>
-          <a:xfrm>
-            <a:off x="0" y="2699717"/>
-            <a:ext cx="10058400" cy="4449732"/>
-          </a:xfrm>
-          <a:prstGeom prst="rect">
-            <a:avLst/>
-          </a:prstGeom>
-        </p:spPr>
-      </p:pic>
+            <a:endParaRPr lang="fr-FR" sz="4100" dirty="0"/>
+          </a:p>
+        </p:txBody>
+      </p:sp>
     </p:spTree>
   </p:cSld>
   <p:clrMapOvr>
@@ -7957,82 +9336,25 @@
       </p:grpSpPr>
       <p:sp>
         <p:nvSpPr>
-          <p:cNvPr id="2" name="Titre 1"/>
-          <p:cNvSpPr txBox="1">
+          <p:cNvPr id="7" name="Espace réservé du numéro de diapositive 6"/>
+          <p:cNvSpPr>
             <a:spLocks noGrp="1"/>
           </p:cNvSpPr>
           <p:nvPr>
-            <p:ph type="title" idx="4294967295"/>
-          </p:nvPr>
-        </p:nvSpPr>
-        <p:spPr>
-          <a:xfrm>
-            <a:off x="0" y="301625"/>
-            <a:ext cx="9072563" cy="1262063"/>
-          </a:xfrm>
-        </p:spPr>
+            <p:ph type="sldNum" sz="quarter" idx="12"/>
+          </p:nvPr>
+        </p:nvSpPr>
+        <p:spPr/>
         <p:txBody>
           <a:bodyPr/>
-          <a:lstStyle>
-            <a:defPPr lvl="0">
-              <a:buSzPct val="45000"/>
-              <a:buFont typeface="StarSymbol"/>
-              <a:buNone/>
-            </a:defPPr>
-            <a:lvl1pPr lvl="0">
-              <a:buSzPct val="45000"/>
-              <a:buFont typeface="StarSymbol"/>
-              <a:buChar char="●"/>
-            </a:lvl1pPr>
-            <a:lvl2pPr lvl="1">
-              <a:buSzPct val="45000"/>
-              <a:buFont typeface="StarSymbol"/>
-              <a:buChar char="●"/>
-            </a:lvl2pPr>
-            <a:lvl3pPr lvl="2">
-              <a:buSzPct val="45000"/>
-              <a:buFont typeface="StarSymbol"/>
-              <a:buChar char="●"/>
-            </a:lvl3pPr>
-            <a:lvl4pPr lvl="3">
-              <a:buSzPct val="45000"/>
-              <a:buFont typeface="StarSymbol"/>
-              <a:buChar char="●"/>
-            </a:lvl4pPr>
-            <a:lvl5pPr lvl="4">
-              <a:buSzPct val="45000"/>
-              <a:buFont typeface="StarSymbol"/>
-              <a:buChar char="●"/>
-            </a:lvl5pPr>
-            <a:lvl6pPr lvl="5">
-              <a:buSzPct val="45000"/>
-              <a:buFont typeface="StarSymbol"/>
-              <a:buChar char="●"/>
-            </a:lvl6pPr>
-            <a:lvl7pPr lvl="6">
-              <a:buSzPct val="45000"/>
-              <a:buFont typeface="StarSymbol"/>
-              <a:buChar char="●"/>
-            </a:lvl7pPr>
-            <a:lvl8pPr lvl="7">
-              <a:buSzPct val="45000"/>
-              <a:buFont typeface="StarSymbol"/>
-              <a:buChar char="●"/>
-            </a:lvl8pPr>
-            <a:lvl9pPr lvl="8">
-              <a:buSzPct val="45000"/>
-              <a:buFont typeface="StarSymbol"/>
-              <a:buChar char="●"/>
-            </a:lvl9pPr>
-          </a:lstStyle>
-          <a:p>
-            <a:pPr lvl="0">
-              <a:buNone/>
-            </a:pPr>
-            <a:r>
-              <a:rPr lang="fr-FR"/>
-              <a:t>Implémentation du jeu</a:t>
-            </a:r>
+          <a:lstStyle/>
+          <a:p>
+            <a:pPr lvl="0"/>
+            <a:fld id="{AF452576-B972-42D4-A6CA-09E185D40179}" type="slidenum">
+              <a:rPr lang="fr-FR" smtClean="0"/>
+              <a:t>6</a:t>
+            </a:fld>
+            <a:endParaRPr lang="fr-FR"/>
           </a:p>
         </p:txBody>
       </p:sp>
@@ -8247,13 +9569,12 @@
             </a:lvl9pPr>
           </a:lstStyle>
           <a:p>
-            <a:pPr lvl="0">
-              <a:buNone/>
-            </a:pPr>
-            <a:r>
-              <a:rPr lang="fr-FR" dirty="0"/>
-              <a:t>Schéma UML :</a:t>
-            </a:r>
+            <a:pPr lvl="0"/>
+            <a:r>
+              <a:rPr lang="fr-FR" dirty="0" smtClean="0"/>
+              <a:t>Schéma UML : </a:t>
+            </a:r>
+            <a:endParaRPr lang="fr-FR" dirty="0"/>
           </a:p>
           <a:p>
             <a:pPr lvl="0">
@@ -8295,25 +9616,146 @@
       </p:pic>
       <p:sp>
         <p:nvSpPr>
-          <p:cNvPr id="7" name="Espace réservé du numéro de diapositive 6"/>
-          <p:cNvSpPr>
-            <a:spLocks noGrp="1"/>
-          </p:cNvSpPr>
-          <p:nvPr>
-            <p:ph type="sldNum" sz="quarter" idx="12"/>
-          </p:nvPr>
-        </p:nvSpPr>
-        <p:spPr/>
-        <p:txBody>
-          <a:bodyPr/>
-          <a:lstStyle/>
-          <a:p>
-            <a:pPr lvl="0"/>
-            <a:fld id="{AF452576-B972-42D4-A6CA-09E185D40179}" type="slidenum">
-              <a:rPr lang="fr-FR" smtClean="0"/>
-              <a:t>6</a:t>
-            </a:fld>
-            <a:endParaRPr lang="fr-FR"/>
+          <p:cNvPr id="8" name="Titre 1"/>
+          <p:cNvSpPr txBox="1">
+            <a:spLocks/>
+          </p:cNvSpPr>
+          <p:nvPr/>
+        </p:nvSpPr>
+        <p:spPr>
+          <a:xfrm>
+            <a:off x="0" y="301625"/>
+            <a:ext cx="10058400" cy="1262063"/>
+          </a:xfrm>
+          <a:prstGeom prst="rect">
+            <a:avLst/>
+          </a:prstGeom>
+        </p:spPr>
+        <p:txBody>
+          <a:bodyPr vert="horz" lIns="100794" tIns="50397" rIns="100794" bIns="50397" anchor="ctr">
+            <a:normAutofit fontScale="97500"/>
+            <a:scene3d>
+              <a:camera prst="orthographicFront"/>
+              <a:lightRig rig="soft" dir="t">
+                <a:rot lat="0" lon="0" rev="16800000"/>
+              </a:lightRig>
+            </a:scene3d>
+            <a:sp3d prstMaterial="softEdge">
+              <a:bevelT w="38100" h="38100"/>
+            </a:sp3d>
+          </a:bodyPr>
+          <a:lstStyle>
+            <a:defPPr lvl="0">
+              <a:buSzPct val="45000"/>
+              <a:buFont typeface="StarSymbol"/>
+              <a:buNone/>
+              <a:defRPr/>
+            </a:defPPr>
+            <a:lvl1pPr lvl="0" algn="ctr" rtl="0" eaLnBrk="1" latinLnBrk="0" hangingPunct="1">
+              <a:spcBef>
+                <a:spcPct val="0"/>
+              </a:spcBef>
+              <a:buSzPct val="45000"/>
+              <a:buFont typeface="StarSymbol"/>
+              <a:buChar char="●"/>
+              <a:defRPr kumimoji="0" sz="4500" b="1" kern="1200" cap="none" baseline="0">
+                <a:ln w="6350">
+                  <a:noFill/>
+                </a:ln>
+                <a:gradFill>
+                  <a:gsLst>
+                    <a:gs pos="0">
+                      <a:schemeClr val="accent1">
+                        <a:tint val="73000"/>
+                        <a:satMod val="145000"/>
+                      </a:schemeClr>
+                    </a:gs>
+                    <a:gs pos="73000">
+                      <a:schemeClr val="accent1">
+                        <a:tint val="73000"/>
+                        <a:satMod val="145000"/>
+                      </a:schemeClr>
+                    </a:gs>
+                    <a:gs pos="100000">
+                      <a:schemeClr val="accent1">
+                        <a:tint val="83000"/>
+                        <a:satMod val="143000"/>
+                      </a:schemeClr>
+                    </a:gs>
+                  </a:gsLst>
+                  <a:lin ang="4800000" scaled="1"/>
+                </a:gradFill>
+                <a:effectLst>
+                  <a:outerShdw blurRad="114300" dist="101600" dir="2700000" algn="tl" rotWithShape="0">
+                    <a:srgbClr val="000000">
+                      <a:alpha val="40000"/>
+                    </a:srgbClr>
+                  </a:outerShdw>
+                </a:effectLst>
+                <a:latin typeface="+mj-lt"/>
+                <a:ea typeface="+mj-ea"/>
+                <a:cs typeface="+mj-cs"/>
+              </a:defRPr>
+            </a:lvl1pPr>
+            <a:lvl2pPr lvl="1">
+              <a:buSzPct val="45000"/>
+              <a:buFont typeface="StarSymbol"/>
+              <a:buChar char="●"/>
+              <a:defRPr/>
+            </a:lvl2pPr>
+            <a:lvl3pPr lvl="2">
+              <a:buSzPct val="45000"/>
+              <a:buFont typeface="StarSymbol"/>
+              <a:buChar char="●"/>
+              <a:defRPr/>
+            </a:lvl3pPr>
+            <a:lvl4pPr lvl="3">
+              <a:buSzPct val="45000"/>
+              <a:buFont typeface="StarSymbol"/>
+              <a:buChar char="●"/>
+              <a:defRPr/>
+            </a:lvl4pPr>
+            <a:lvl5pPr lvl="4">
+              <a:buSzPct val="45000"/>
+              <a:buFont typeface="StarSymbol"/>
+              <a:buChar char="●"/>
+              <a:defRPr/>
+            </a:lvl5pPr>
+            <a:lvl6pPr lvl="5">
+              <a:buSzPct val="45000"/>
+              <a:buFont typeface="StarSymbol"/>
+              <a:buChar char="●"/>
+              <a:defRPr/>
+            </a:lvl6pPr>
+            <a:lvl7pPr lvl="6">
+              <a:buSzPct val="45000"/>
+              <a:buFont typeface="StarSymbol"/>
+              <a:buChar char="●"/>
+              <a:defRPr/>
+            </a:lvl7pPr>
+            <a:lvl8pPr lvl="7">
+              <a:buSzPct val="45000"/>
+              <a:buFont typeface="StarSymbol"/>
+              <a:buChar char="●"/>
+              <a:defRPr/>
+            </a:lvl8pPr>
+            <a:lvl9pPr lvl="8">
+              <a:buSzPct val="45000"/>
+              <a:buFont typeface="StarSymbol"/>
+              <a:buChar char="●"/>
+              <a:defRPr/>
+            </a:lvl9pPr>
+          </a:lstStyle>
+          <a:p>
+            <a:pPr defTabSz="914400">
+              <a:buFont typeface="StarSymbol"/>
+              <a:buNone/>
+            </a:pPr>
+            <a:r>
+              <a:rPr lang="fr-FR" sz="4100" dirty="0" smtClean="0"/>
+              <a:t>Implémentation du jeu</a:t>
+            </a:r>
+            <a:endParaRPr lang="fr-FR" sz="4100" dirty="0"/>
           </a:p>
         </p:txBody>
       </p:sp>
@@ -8359,82 +9801,25 @@
       </p:grpSpPr>
       <p:sp>
         <p:nvSpPr>
-          <p:cNvPr id="2" name="Titre 1"/>
-          <p:cNvSpPr txBox="1">
+          <p:cNvPr id="6" name="Espace réservé du numéro de diapositive 5"/>
+          <p:cNvSpPr>
             <a:spLocks noGrp="1"/>
           </p:cNvSpPr>
           <p:nvPr>
-            <p:ph type="title" idx="4294967295"/>
-          </p:nvPr>
-        </p:nvSpPr>
-        <p:spPr>
-          <a:xfrm>
-            <a:off x="0" y="301625"/>
-            <a:ext cx="9072563" cy="1262063"/>
-          </a:xfrm>
-        </p:spPr>
+            <p:ph type="sldNum" sz="quarter" idx="12"/>
+          </p:nvPr>
+        </p:nvSpPr>
+        <p:spPr/>
         <p:txBody>
           <a:bodyPr/>
-          <a:lstStyle>
-            <a:defPPr lvl="0">
-              <a:buSzPct val="45000"/>
-              <a:buFont typeface="StarSymbol"/>
-              <a:buNone/>
-            </a:defPPr>
-            <a:lvl1pPr lvl="0">
-              <a:buSzPct val="45000"/>
-              <a:buFont typeface="StarSymbol"/>
-              <a:buChar char="●"/>
-            </a:lvl1pPr>
-            <a:lvl2pPr lvl="1">
-              <a:buSzPct val="45000"/>
-              <a:buFont typeface="StarSymbol"/>
-              <a:buChar char="●"/>
-            </a:lvl2pPr>
-            <a:lvl3pPr lvl="2">
-              <a:buSzPct val="45000"/>
-              <a:buFont typeface="StarSymbol"/>
-              <a:buChar char="●"/>
-            </a:lvl3pPr>
-            <a:lvl4pPr lvl="3">
-              <a:buSzPct val="45000"/>
-              <a:buFont typeface="StarSymbol"/>
-              <a:buChar char="●"/>
-            </a:lvl4pPr>
-            <a:lvl5pPr lvl="4">
-              <a:buSzPct val="45000"/>
-              <a:buFont typeface="StarSymbol"/>
-              <a:buChar char="●"/>
-            </a:lvl5pPr>
-            <a:lvl6pPr lvl="5">
-              <a:buSzPct val="45000"/>
-              <a:buFont typeface="StarSymbol"/>
-              <a:buChar char="●"/>
-            </a:lvl6pPr>
-            <a:lvl7pPr lvl="6">
-              <a:buSzPct val="45000"/>
-              <a:buFont typeface="StarSymbol"/>
-              <a:buChar char="●"/>
-            </a:lvl7pPr>
-            <a:lvl8pPr lvl="7">
-              <a:buSzPct val="45000"/>
-              <a:buFont typeface="StarSymbol"/>
-              <a:buChar char="●"/>
-            </a:lvl8pPr>
-            <a:lvl9pPr lvl="8">
-              <a:buSzPct val="45000"/>
-              <a:buFont typeface="StarSymbol"/>
-              <a:buChar char="●"/>
-            </a:lvl9pPr>
-          </a:lstStyle>
-          <a:p>
-            <a:pPr lvl="0">
-              <a:buNone/>
-            </a:pPr>
-            <a:r>
-              <a:rPr lang="fr-FR"/>
-              <a:t>Implémentation du jeu</a:t>
-            </a:r>
+          <a:lstStyle/>
+          <a:p>
+            <a:pPr lvl="0"/>
+            <a:fld id="{AF452576-B972-42D4-A6CA-09E185D40179}" type="slidenum">
+              <a:rPr lang="fr-FR" smtClean="0"/>
+              <a:t>7</a:t>
+            </a:fld>
+            <a:endParaRPr lang="fr-FR"/>
           </a:p>
         </p:txBody>
       </p:sp>
@@ -8770,25 +10155,146 @@
       </p:sp>
       <p:sp>
         <p:nvSpPr>
-          <p:cNvPr id="6" name="Espace réservé du numéro de diapositive 5"/>
-          <p:cNvSpPr>
-            <a:spLocks noGrp="1"/>
-          </p:cNvSpPr>
-          <p:nvPr>
-            <p:ph type="sldNum" sz="quarter" idx="12"/>
-          </p:nvPr>
-        </p:nvSpPr>
-        <p:spPr/>
-        <p:txBody>
-          <a:bodyPr/>
-          <a:lstStyle/>
-          <a:p>
-            <a:pPr lvl="0"/>
-            <a:fld id="{AF452576-B972-42D4-A6CA-09E185D40179}" type="slidenum">
-              <a:rPr lang="fr-FR" smtClean="0"/>
-              <a:t>7</a:t>
-            </a:fld>
-            <a:endParaRPr lang="fr-FR"/>
+          <p:cNvPr id="5" name="Titre 1"/>
+          <p:cNvSpPr txBox="1">
+            <a:spLocks/>
+          </p:cNvSpPr>
+          <p:nvPr/>
+        </p:nvSpPr>
+        <p:spPr>
+          <a:xfrm>
+            <a:off x="0" y="301625"/>
+            <a:ext cx="10058400" cy="1262063"/>
+          </a:xfrm>
+          <a:prstGeom prst="rect">
+            <a:avLst/>
+          </a:prstGeom>
+        </p:spPr>
+        <p:txBody>
+          <a:bodyPr vert="horz" lIns="100794" tIns="50397" rIns="100794" bIns="50397" anchor="ctr">
+            <a:normAutofit fontScale="97500"/>
+            <a:scene3d>
+              <a:camera prst="orthographicFront"/>
+              <a:lightRig rig="soft" dir="t">
+                <a:rot lat="0" lon="0" rev="16800000"/>
+              </a:lightRig>
+            </a:scene3d>
+            <a:sp3d prstMaterial="softEdge">
+              <a:bevelT w="38100" h="38100"/>
+            </a:sp3d>
+          </a:bodyPr>
+          <a:lstStyle>
+            <a:defPPr lvl="0">
+              <a:buSzPct val="45000"/>
+              <a:buFont typeface="StarSymbol"/>
+              <a:buNone/>
+              <a:defRPr/>
+            </a:defPPr>
+            <a:lvl1pPr lvl="0" algn="ctr" rtl="0" eaLnBrk="1" latinLnBrk="0" hangingPunct="1">
+              <a:spcBef>
+                <a:spcPct val="0"/>
+              </a:spcBef>
+              <a:buSzPct val="45000"/>
+              <a:buFont typeface="StarSymbol"/>
+              <a:buChar char="●"/>
+              <a:defRPr kumimoji="0" sz="4500" b="1" kern="1200" cap="none" baseline="0">
+                <a:ln w="6350">
+                  <a:noFill/>
+                </a:ln>
+                <a:gradFill>
+                  <a:gsLst>
+                    <a:gs pos="0">
+                      <a:schemeClr val="accent1">
+                        <a:tint val="73000"/>
+                        <a:satMod val="145000"/>
+                      </a:schemeClr>
+                    </a:gs>
+                    <a:gs pos="73000">
+                      <a:schemeClr val="accent1">
+                        <a:tint val="73000"/>
+                        <a:satMod val="145000"/>
+                      </a:schemeClr>
+                    </a:gs>
+                    <a:gs pos="100000">
+                      <a:schemeClr val="accent1">
+                        <a:tint val="83000"/>
+                        <a:satMod val="143000"/>
+                      </a:schemeClr>
+                    </a:gs>
+                  </a:gsLst>
+                  <a:lin ang="4800000" scaled="1"/>
+                </a:gradFill>
+                <a:effectLst>
+                  <a:outerShdw blurRad="114300" dist="101600" dir="2700000" algn="tl" rotWithShape="0">
+                    <a:srgbClr val="000000">
+                      <a:alpha val="40000"/>
+                    </a:srgbClr>
+                  </a:outerShdw>
+                </a:effectLst>
+                <a:latin typeface="+mj-lt"/>
+                <a:ea typeface="+mj-ea"/>
+                <a:cs typeface="+mj-cs"/>
+              </a:defRPr>
+            </a:lvl1pPr>
+            <a:lvl2pPr lvl="1">
+              <a:buSzPct val="45000"/>
+              <a:buFont typeface="StarSymbol"/>
+              <a:buChar char="●"/>
+              <a:defRPr/>
+            </a:lvl2pPr>
+            <a:lvl3pPr lvl="2">
+              <a:buSzPct val="45000"/>
+              <a:buFont typeface="StarSymbol"/>
+              <a:buChar char="●"/>
+              <a:defRPr/>
+            </a:lvl3pPr>
+            <a:lvl4pPr lvl="3">
+              <a:buSzPct val="45000"/>
+              <a:buFont typeface="StarSymbol"/>
+              <a:buChar char="●"/>
+              <a:defRPr/>
+            </a:lvl4pPr>
+            <a:lvl5pPr lvl="4">
+              <a:buSzPct val="45000"/>
+              <a:buFont typeface="StarSymbol"/>
+              <a:buChar char="●"/>
+              <a:defRPr/>
+            </a:lvl5pPr>
+            <a:lvl6pPr lvl="5">
+              <a:buSzPct val="45000"/>
+              <a:buFont typeface="StarSymbol"/>
+              <a:buChar char="●"/>
+              <a:defRPr/>
+            </a:lvl6pPr>
+            <a:lvl7pPr lvl="6">
+              <a:buSzPct val="45000"/>
+              <a:buFont typeface="StarSymbol"/>
+              <a:buChar char="●"/>
+              <a:defRPr/>
+            </a:lvl7pPr>
+            <a:lvl8pPr lvl="7">
+              <a:buSzPct val="45000"/>
+              <a:buFont typeface="StarSymbol"/>
+              <a:buChar char="●"/>
+              <a:defRPr/>
+            </a:lvl8pPr>
+            <a:lvl9pPr lvl="8">
+              <a:buSzPct val="45000"/>
+              <a:buFont typeface="StarSymbol"/>
+              <a:buChar char="●"/>
+              <a:defRPr/>
+            </a:lvl9pPr>
+          </a:lstStyle>
+          <a:p>
+            <a:pPr defTabSz="914400">
+              <a:buFont typeface="StarSymbol"/>
+              <a:buNone/>
+            </a:pPr>
+            <a:r>
+              <a:rPr lang="fr-FR" sz="4100" dirty="0" smtClean="0"/>
+              <a:t>Implémentation du jeu</a:t>
+            </a:r>
+            <a:endParaRPr lang="fr-FR" sz="4100" dirty="0"/>
           </a:p>
         </p:txBody>
       </p:sp>
@@ -8834,82 +10340,25 @@
       </p:grpSpPr>
       <p:sp>
         <p:nvSpPr>
-          <p:cNvPr id="2" name="Titre 1"/>
-          <p:cNvSpPr txBox="1">
+          <p:cNvPr id="7" name="Espace réservé du numéro de diapositive 6"/>
+          <p:cNvSpPr>
             <a:spLocks noGrp="1"/>
           </p:cNvSpPr>
           <p:nvPr>
-            <p:ph type="title" idx="4294967295"/>
-          </p:nvPr>
-        </p:nvSpPr>
-        <p:spPr>
-          <a:xfrm>
-            <a:off x="0" y="301625"/>
-            <a:ext cx="9072563" cy="1262063"/>
-          </a:xfrm>
-        </p:spPr>
+            <p:ph type="sldNum" sz="quarter" idx="12"/>
+          </p:nvPr>
+        </p:nvSpPr>
+        <p:spPr/>
         <p:txBody>
           <a:bodyPr/>
-          <a:lstStyle>
-            <a:defPPr lvl="0">
-              <a:buSzPct val="45000"/>
-              <a:buFont typeface="StarSymbol"/>
-              <a:buNone/>
-            </a:defPPr>
-            <a:lvl1pPr lvl="0">
-              <a:buSzPct val="45000"/>
-              <a:buFont typeface="StarSymbol"/>
-              <a:buChar char="●"/>
-            </a:lvl1pPr>
-            <a:lvl2pPr lvl="1">
-              <a:buSzPct val="45000"/>
-              <a:buFont typeface="StarSymbol"/>
-              <a:buChar char="●"/>
-            </a:lvl2pPr>
-            <a:lvl3pPr lvl="2">
-              <a:buSzPct val="45000"/>
-              <a:buFont typeface="StarSymbol"/>
-              <a:buChar char="●"/>
-            </a:lvl3pPr>
-            <a:lvl4pPr lvl="3">
-              <a:buSzPct val="45000"/>
-              <a:buFont typeface="StarSymbol"/>
-              <a:buChar char="●"/>
-            </a:lvl4pPr>
-            <a:lvl5pPr lvl="4">
-              <a:buSzPct val="45000"/>
-              <a:buFont typeface="StarSymbol"/>
-              <a:buChar char="●"/>
-            </a:lvl5pPr>
-            <a:lvl6pPr lvl="5">
-              <a:buSzPct val="45000"/>
-              <a:buFont typeface="StarSymbol"/>
-              <a:buChar char="●"/>
-            </a:lvl6pPr>
-            <a:lvl7pPr lvl="6">
-              <a:buSzPct val="45000"/>
-              <a:buFont typeface="StarSymbol"/>
-              <a:buChar char="●"/>
-            </a:lvl7pPr>
-            <a:lvl8pPr lvl="7">
-              <a:buSzPct val="45000"/>
-              <a:buFont typeface="StarSymbol"/>
-              <a:buChar char="●"/>
-            </a:lvl8pPr>
-            <a:lvl9pPr lvl="8">
-              <a:buSzPct val="45000"/>
-              <a:buFont typeface="StarSymbol"/>
-              <a:buChar char="●"/>
-            </a:lvl9pPr>
-          </a:lstStyle>
-          <a:p>
-            <a:pPr lvl="0">
-              <a:buNone/>
-            </a:pPr>
-            <a:r>
-              <a:rPr lang="fr-FR"/>
-              <a:t>Implémentation du jeu</a:t>
-            </a:r>
+          <a:lstStyle/>
+          <a:p>
+            <a:pPr lvl="0"/>
+            <a:fld id="{AF452576-B972-42D4-A6CA-09E185D40179}" type="slidenum">
+              <a:rPr lang="fr-FR" smtClean="0"/>
+              <a:t>8</a:t>
+            </a:fld>
+            <a:endParaRPr lang="fr-FR"/>
           </a:p>
         </p:txBody>
       </p:sp>
@@ -9124,13 +10573,12 @@
             </a:lvl9pPr>
           </a:lstStyle>
           <a:p>
-            <a:pPr lvl="0">
-              <a:buNone/>
-            </a:pPr>
-            <a:r>
-              <a:rPr lang="fr-FR" dirty="0"/>
-              <a:t>Rendu Graphique :</a:t>
-            </a:r>
+            <a:pPr lvl="0"/>
+            <a:r>
+              <a:rPr lang="fr-FR" dirty="0" smtClean="0"/>
+              <a:t>Rendu Graphique : </a:t>
+            </a:r>
+            <a:endParaRPr lang="fr-FR" dirty="0"/>
           </a:p>
           <a:p>
             <a:pPr lvl="0">
@@ -9172,25 +10620,146 @@
       </p:pic>
       <p:sp>
         <p:nvSpPr>
-          <p:cNvPr id="7" name="Espace réservé du numéro de diapositive 6"/>
-          <p:cNvSpPr>
-            <a:spLocks noGrp="1"/>
-          </p:cNvSpPr>
-          <p:nvPr>
-            <p:ph type="sldNum" sz="quarter" idx="12"/>
-          </p:nvPr>
-        </p:nvSpPr>
-        <p:spPr/>
-        <p:txBody>
-          <a:bodyPr/>
-          <a:lstStyle/>
-          <a:p>
-            <a:pPr lvl="0"/>
-            <a:fld id="{AF452576-B972-42D4-A6CA-09E185D40179}" type="slidenum">
-              <a:rPr lang="fr-FR" smtClean="0"/>
-              <a:t>8</a:t>
-            </a:fld>
-            <a:endParaRPr lang="fr-FR"/>
+          <p:cNvPr id="8" name="Titre 1"/>
+          <p:cNvSpPr txBox="1">
+            <a:spLocks/>
+          </p:cNvSpPr>
+          <p:nvPr/>
+        </p:nvSpPr>
+        <p:spPr>
+          <a:xfrm>
+            <a:off x="0" y="301625"/>
+            <a:ext cx="10058400" cy="1262063"/>
+          </a:xfrm>
+          <a:prstGeom prst="rect">
+            <a:avLst/>
+          </a:prstGeom>
+        </p:spPr>
+        <p:txBody>
+          <a:bodyPr vert="horz" lIns="100794" tIns="50397" rIns="100794" bIns="50397" anchor="ctr">
+            <a:normAutofit fontScale="97500"/>
+            <a:scene3d>
+              <a:camera prst="orthographicFront"/>
+              <a:lightRig rig="soft" dir="t">
+                <a:rot lat="0" lon="0" rev="16800000"/>
+              </a:lightRig>
+            </a:scene3d>
+            <a:sp3d prstMaterial="softEdge">
+              <a:bevelT w="38100" h="38100"/>
+            </a:sp3d>
+          </a:bodyPr>
+          <a:lstStyle>
+            <a:defPPr lvl="0">
+              <a:buSzPct val="45000"/>
+              <a:buFont typeface="StarSymbol"/>
+              <a:buNone/>
+              <a:defRPr/>
+            </a:defPPr>
+            <a:lvl1pPr lvl="0" algn="ctr" rtl="0" eaLnBrk="1" latinLnBrk="0" hangingPunct="1">
+              <a:spcBef>
+                <a:spcPct val="0"/>
+              </a:spcBef>
+              <a:buSzPct val="45000"/>
+              <a:buFont typeface="StarSymbol"/>
+              <a:buChar char="●"/>
+              <a:defRPr kumimoji="0" sz="4500" b="1" kern="1200" cap="none" baseline="0">
+                <a:ln w="6350">
+                  <a:noFill/>
+                </a:ln>
+                <a:gradFill>
+                  <a:gsLst>
+                    <a:gs pos="0">
+                      <a:schemeClr val="accent1">
+                        <a:tint val="73000"/>
+                        <a:satMod val="145000"/>
+                      </a:schemeClr>
+                    </a:gs>
+                    <a:gs pos="73000">
+                      <a:schemeClr val="accent1">
+                        <a:tint val="73000"/>
+                        <a:satMod val="145000"/>
+                      </a:schemeClr>
+                    </a:gs>
+                    <a:gs pos="100000">
+                      <a:schemeClr val="accent1">
+                        <a:tint val="83000"/>
+                        <a:satMod val="143000"/>
+                      </a:schemeClr>
+                    </a:gs>
+                  </a:gsLst>
+                  <a:lin ang="4800000" scaled="1"/>
+                </a:gradFill>
+                <a:effectLst>
+                  <a:outerShdw blurRad="114300" dist="101600" dir="2700000" algn="tl" rotWithShape="0">
+                    <a:srgbClr val="000000">
+                      <a:alpha val="40000"/>
+                    </a:srgbClr>
+                  </a:outerShdw>
+                </a:effectLst>
+                <a:latin typeface="+mj-lt"/>
+                <a:ea typeface="+mj-ea"/>
+                <a:cs typeface="+mj-cs"/>
+              </a:defRPr>
+            </a:lvl1pPr>
+            <a:lvl2pPr lvl="1">
+              <a:buSzPct val="45000"/>
+              <a:buFont typeface="StarSymbol"/>
+              <a:buChar char="●"/>
+              <a:defRPr/>
+            </a:lvl2pPr>
+            <a:lvl3pPr lvl="2">
+              <a:buSzPct val="45000"/>
+              <a:buFont typeface="StarSymbol"/>
+              <a:buChar char="●"/>
+              <a:defRPr/>
+            </a:lvl3pPr>
+            <a:lvl4pPr lvl="3">
+              <a:buSzPct val="45000"/>
+              <a:buFont typeface="StarSymbol"/>
+              <a:buChar char="●"/>
+              <a:defRPr/>
+            </a:lvl4pPr>
+            <a:lvl5pPr lvl="4">
+              <a:buSzPct val="45000"/>
+              <a:buFont typeface="StarSymbol"/>
+              <a:buChar char="●"/>
+              <a:defRPr/>
+            </a:lvl5pPr>
+            <a:lvl6pPr lvl="5">
+              <a:buSzPct val="45000"/>
+              <a:buFont typeface="StarSymbol"/>
+              <a:buChar char="●"/>
+              <a:defRPr/>
+            </a:lvl6pPr>
+            <a:lvl7pPr lvl="6">
+              <a:buSzPct val="45000"/>
+              <a:buFont typeface="StarSymbol"/>
+              <a:buChar char="●"/>
+              <a:defRPr/>
+            </a:lvl7pPr>
+            <a:lvl8pPr lvl="7">
+              <a:buSzPct val="45000"/>
+              <a:buFont typeface="StarSymbol"/>
+              <a:buChar char="●"/>
+              <a:defRPr/>
+            </a:lvl8pPr>
+            <a:lvl9pPr lvl="8">
+              <a:buSzPct val="45000"/>
+              <a:buFont typeface="StarSymbol"/>
+              <a:buChar char="●"/>
+              <a:defRPr/>
+            </a:lvl9pPr>
+          </a:lstStyle>
+          <a:p>
+            <a:pPr defTabSz="914400">
+              <a:buFont typeface="StarSymbol"/>
+              <a:buNone/>
+            </a:pPr>
+            <a:r>
+              <a:rPr lang="fr-FR" sz="4100" dirty="0" smtClean="0"/>
+              <a:t>Implémentation du jeu</a:t>
+            </a:r>
+            <a:endParaRPr lang="fr-FR" sz="4100" dirty="0"/>
           </a:p>
         </p:txBody>
       </p:sp>
@@ -9236,6 +10805,30 @@
       </p:grpSpPr>
       <p:sp>
         <p:nvSpPr>
+          <p:cNvPr id="8" name="Espace réservé du numéro de diapositive 7"/>
+          <p:cNvSpPr>
+            <a:spLocks noGrp="1"/>
+          </p:cNvSpPr>
+          <p:nvPr>
+            <p:ph type="sldNum" sz="quarter" idx="12"/>
+          </p:nvPr>
+        </p:nvSpPr>
+        <p:spPr/>
+        <p:txBody>
+          <a:bodyPr/>
+          <a:lstStyle/>
+          <a:p>
+            <a:pPr lvl="0"/>
+            <a:fld id="{AF452576-B972-42D4-A6CA-09E185D40179}" type="slidenum">
+              <a:rPr lang="fr-FR" smtClean="0"/>
+              <a:t>9</a:t>
+            </a:fld>
+            <a:endParaRPr lang="fr-FR"/>
+          </a:p>
+        </p:txBody>
+      </p:sp>
+      <p:sp>
+        <p:nvSpPr>
           <p:cNvPr id="3" name="Espace réservé du texte 2"/>
           <p:cNvSpPr txBox="1">
             <a:spLocks noGrp="1"/>
@@ -9457,36 +11050,6 @@
           </a:p>
         </p:txBody>
       </p:sp>
-      <p:pic>
-        <p:nvPicPr>
-          <p:cNvPr id="6" name="Image 5"/>
-          <p:cNvPicPr>
-            <a:picLocks noChangeAspect="1"/>
-          </p:cNvPicPr>
-          <p:nvPr/>
-        </p:nvPicPr>
-        <p:blipFill>
-          <a:blip r:embed="rId3">
-            <a:extLst>
-              <a:ext uri="{28A0092B-C50C-407E-A947-70E740481C1C}">
-                <a14:useLocalDpi xmlns:a14="http://schemas.microsoft.com/office/drawing/2010/main" val="0"/>
-              </a:ext>
-            </a:extLst>
-          </a:blip>
-          <a:stretch>
-            <a:fillRect/>
-          </a:stretch>
-        </p:blipFill>
-        <p:spPr>
-          <a:xfrm>
-            <a:off x="2664048" y="3113484"/>
-            <a:ext cx="4942728" cy="2903854"/>
-          </a:xfrm>
-          <a:prstGeom prst="rect">
-            <a:avLst/>
-          </a:prstGeom>
-        </p:spPr>
-      </p:pic>
       <p:sp>
         <p:nvSpPr>
           <p:cNvPr id="7" name="Titre 1"/>
@@ -9625,37 +11188,285 @@
               <a:buNone/>
             </a:pPr>
             <a:r>
-              <a:rPr lang="fr-FR" smtClean="0"/>
+              <a:rPr lang="fr-FR" dirty="0" smtClean="0"/>
               <a:t>Optimisations</a:t>
             </a:r>
             <a:endParaRPr lang="fr-FR" dirty="0"/>
           </a:p>
         </p:txBody>
       </p:sp>
-      <p:sp>
-        <p:nvSpPr>
-          <p:cNvPr id="8" name="Espace réservé du numéro de diapositive 7"/>
-          <p:cNvSpPr>
-            <a:spLocks noGrp="1"/>
-          </p:cNvSpPr>
-          <p:nvPr>
-            <p:ph type="sldNum" sz="quarter" idx="12"/>
-          </p:nvPr>
-        </p:nvSpPr>
-        <p:spPr/>
-        <p:txBody>
-          <a:bodyPr/>
-          <a:lstStyle/>
-          <a:p>
-            <a:pPr lvl="0"/>
-            <a:fld id="{AF452576-B972-42D4-A6CA-09E185D40179}" type="slidenum">
-              <a:rPr lang="fr-FR" smtClean="0"/>
-              <a:t>9</a:t>
-            </a:fld>
-            <a:endParaRPr lang="fr-FR"/>
-          </a:p>
-        </p:txBody>
-      </p:sp>
+      <p:graphicFrame>
+        <p:nvGraphicFramePr>
+          <p:cNvPr id="2" name="Tableau 1"/>
+          <p:cNvGraphicFramePr>
+            <a:graphicFrameLocks noGrp="1"/>
+          </p:cNvGraphicFramePr>
+          <p:nvPr>
+            <p:extLst>
+              <p:ext uri="{D42A27DB-BD31-4B8C-83A1-F6EECF244321}">
+                <p14:modId xmlns:p14="http://schemas.microsoft.com/office/powerpoint/2010/main" val="3093233401"/>
+              </p:ext>
+            </p:extLst>
+          </p:nvPr>
+        </p:nvGraphicFramePr>
+        <p:xfrm>
+          <a:off x="1368744" y="2843733"/>
+          <a:ext cx="7560000" cy="2520001"/>
+        </p:xfrm>
+        <a:graphic>
+          <a:graphicData uri="http://schemas.openxmlformats.org/drawingml/2006/table">
+            <a:tbl>
+              <a:tblPr firstRow="1" bandRow="1">
+                <a:tableStyleId>{5C22544A-7EE6-4342-B048-85BDC9FD1C3A}</a:tableStyleId>
+              </a:tblPr>
+              <a:tblGrid>
+                <a:gridCol w="2520000"/>
+                <a:gridCol w="2520000"/>
+                <a:gridCol w="2520000"/>
+              </a:tblGrid>
+              <a:tr h="700973">
+                <a:tc>
+                  <a:txBody>
+                    <a:bodyPr/>
+                    <a:lstStyle/>
+                    <a:p>
+                      <a:pPr algn="ctr"/>
+                      <a:r>
+                        <a:rPr lang="fr-FR" dirty="0" smtClean="0"/>
+                        <a:t>Nombre de coups à calculer</a:t>
+                      </a:r>
+                      <a:endParaRPr lang="fr-FR" dirty="0"/>
+                    </a:p>
+                  </a:txBody>
+                  <a:tcPr/>
+                </a:tc>
+                <a:tc>
+                  <a:txBody>
+                    <a:bodyPr/>
+                    <a:lstStyle/>
+                    <a:p>
+                      <a:pPr algn="ctr"/>
+                      <a:r>
+                        <a:rPr lang="fr-FR" dirty="0" smtClean="0"/>
+                        <a:t>Sans</a:t>
+                      </a:r>
+                      <a:r>
+                        <a:rPr lang="fr-FR" baseline="0" dirty="0" smtClean="0"/>
+                        <a:t> Alpha Beta</a:t>
+                      </a:r>
+                      <a:endParaRPr lang="fr-FR" dirty="0"/>
+                    </a:p>
+                  </a:txBody>
+                  <a:tcPr/>
+                </a:tc>
+                <a:tc>
+                  <a:txBody>
+                    <a:bodyPr/>
+                    <a:lstStyle/>
+                    <a:p>
+                      <a:pPr algn="ctr"/>
+                      <a:r>
+                        <a:rPr lang="fr-FR" dirty="0" smtClean="0"/>
+                        <a:t>Avec Alpha Beta</a:t>
+                      </a:r>
+                      <a:endParaRPr lang="fr-FR" dirty="0"/>
+                    </a:p>
+                  </a:txBody>
+                  <a:tcPr/>
+                </a:tc>
+              </a:tr>
+              <a:tr h="454757">
+                <a:tc>
+                  <a:txBody>
+                    <a:bodyPr/>
+                    <a:lstStyle/>
+                    <a:p>
+                      <a:pPr algn="ctr"/>
+                      <a:r>
+                        <a:rPr lang="fr-FR" dirty="0" smtClean="0"/>
+                        <a:t>1</a:t>
+                      </a:r>
+                      <a:endParaRPr lang="fr-FR" dirty="0"/>
+                    </a:p>
+                  </a:txBody>
+                  <a:tcPr/>
+                </a:tc>
+                <a:tc>
+                  <a:txBody>
+                    <a:bodyPr/>
+                    <a:lstStyle/>
+                    <a:p>
+                      <a:pPr algn="ctr"/>
+                      <a:r>
+                        <a:rPr lang="fr-FR" dirty="0" smtClean="0"/>
+                        <a:t>140 mS</a:t>
+                      </a:r>
+                      <a:endParaRPr lang="fr-FR" dirty="0"/>
+                    </a:p>
+                  </a:txBody>
+                  <a:tcPr/>
+                </a:tc>
+                <a:tc>
+                  <a:txBody>
+                    <a:bodyPr/>
+                    <a:lstStyle/>
+                    <a:p>
+                      <a:pPr algn="ctr"/>
+                      <a:r>
+                        <a:rPr lang="fr-FR" dirty="0" smtClean="0"/>
+                        <a:t>140 mS</a:t>
+                      </a:r>
+                      <a:endParaRPr lang="fr-FR" dirty="0"/>
+                    </a:p>
+                  </a:txBody>
+                  <a:tcPr/>
+                </a:tc>
+              </a:tr>
+              <a:tr h="454757">
+                <a:tc>
+                  <a:txBody>
+                    <a:bodyPr/>
+                    <a:lstStyle/>
+                    <a:p>
+                      <a:pPr algn="ctr"/>
+                      <a:r>
+                        <a:rPr lang="fr-FR" dirty="0" smtClean="0"/>
+                        <a:t>2</a:t>
+                      </a:r>
+                      <a:endParaRPr lang="fr-FR" dirty="0"/>
+                    </a:p>
+                  </a:txBody>
+                  <a:tcPr/>
+                </a:tc>
+                <a:tc>
+                  <a:txBody>
+                    <a:bodyPr/>
+                    <a:lstStyle/>
+                    <a:p>
+                      <a:pPr algn="ctr"/>
+                      <a:r>
+                        <a:rPr lang="fr-FR" dirty="0" smtClean="0"/>
+                        <a:t>537 mS</a:t>
+                      </a:r>
+                      <a:endParaRPr lang="fr-FR" dirty="0"/>
+                    </a:p>
+                  </a:txBody>
+                  <a:tcPr/>
+                </a:tc>
+                <a:tc>
+                  <a:txBody>
+                    <a:bodyPr/>
+                    <a:lstStyle/>
+                    <a:p>
+                      <a:pPr algn="ctr"/>
+                      <a:r>
+                        <a:rPr lang="fr-FR" dirty="0" smtClean="0"/>
+                        <a:t>536 mS</a:t>
+                      </a:r>
+                      <a:endParaRPr lang="fr-FR" dirty="0"/>
+                    </a:p>
+                  </a:txBody>
+                  <a:tcPr/>
+                </a:tc>
+              </a:tr>
+              <a:tr h="454757">
+                <a:tc>
+                  <a:txBody>
+                    <a:bodyPr/>
+                    <a:lstStyle/>
+                    <a:p>
+                      <a:pPr algn="ctr"/>
+                      <a:r>
+                        <a:rPr lang="fr-FR" dirty="0" smtClean="0"/>
+                        <a:t>3</a:t>
+                      </a:r>
+                      <a:endParaRPr lang="fr-FR" dirty="0"/>
+                    </a:p>
+                  </a:txBody>
+                  <a:tcPr/>
+                </a:tc>
+                <a:tc>
+                  <a:txBody>
+                    <a:bodyPr/>
+                    <a:lstStyle/>
+                    <a:p>
+                      <a:pPr algn="ctr"/>
+                      <a:r>
+                        <a:rPr lang="fr-FR" dirty="0" smtClean="0"/>
+                        <a:t>3 853 mS</a:t>
+                      </a:r>
+                      <a:endParaRPr lang="fr-FR" dirty="0"/>
+                    </a:p>
+                  </a:txBody>
+                  <a:tcPr/>
+                </a:tc>
+                <a:tc>
+                  <a:txBody>
+                    <a:bodyPr/>
+                    <a:lstStyle/>
+                    <a:p>
+                      <a:pPr algn="ctr"/>
+                      <a:r>
+                        <a:rPr lang="fr-FR" dirty="0" smtClean="0"/>
+                        <a:t>3 562 mS</a:t>
+                      </a:r>
+                      <a:endParaRPr lang="fr-FR" dirty="0"/>
+                    </a:p>
+                  </a:txBody>
+                  <a:tcPr/>
+                </a:tc>
+              </a:tr>
+              <a:tr h="454757">
+                <a:tc>
+                  <a:txBody>
+                    <a:bodyPr/>
+                    <a:lstStyle/>
+                    <a:p>
+                      <a:pPr algn="ctr"/>
+                      <a:r>
+                        <a:rPr lang="fr-FR" dirty="0" smtClean="0"/>
+                        <a:t>4</a:t>
+                      </a:r>
+                      <a:endParaRPr lang="fr-FR" dirty="0"/>
+                    </a:p>
+                  </a:txBody>
+                  <a:tcPr/>
+                </a:tc>
+                <a:tc>
+                  <a:txBody>
+                    <a:bodyPr/>
+                    <a:lstStyle/>
+                    <a:p>
+                      <a:pPr algn="ctr"/>
+                      <a:r>
+                        <a:rPr lang="fr-FR" dirty="0" smtClean="0"/>
+                        <a:t>18 641 mS</a:t>
+                      </a:r>
+                      <a:endParaRPr lang="fr-FR" dirty="0"/>
+                    </a:p>
+                  </a:txBody>
+                  <a:tcPr/>
+                </a:tc>
+                <a:tc>
+                  <a:txBody>
+                    <a:bodyPr/>
+                    <a:lstStyle/>
+                    <a:p>
+                      <a:pPr algn="ctr"/>
+                      <a:r>
+                        <a:rPr lang="fr-FR" dirty="0" smtClean="0"/>
+                        <a:t>15 203 mS</a:t>
+                      </a:r>
+                      <a:endParaRPr lang="fr-FR" dirty="0"/>
+                    </a:p>
+                  </a:txBody>
+                  <a:tcPr/>
+                </a:tc>
+              </a:tr>
+            </a:tbl>
+          </a:graphicData>
+        </a:graphic>
+      </p:graphicFrame>
     </p:spTree>
   </p:cSld>
   <p:clrMapOvr>
@@ -9680,9 +11491,9 @@
 </file>
 
 <file path=ppt/theme/theme1.xml><?xml version="1.0" encoding="utf-8"?>
-<a:theme xmlns:a="http://schemas.openxmlformats.org/drawingml/2006/main" name="Apex">
+<a:theme xmlns:a="http://schemas.openxmlformats.org/drawingml/2006/main" name="Technique">
   <a:themeElements>
-    <a:clrScheme name="Apex">
+    <a:clrScheme name="Technique">
       <a:dk1>
         <a:sysClr val="windowText" lastClr="000000"/>
       </a:dk1>
@@ -9690,50 +11501,48 @@
         <a:sysClr val="window" lastClr="FFFFFF"/>
       </a:lt1>
       <a:dk2>
-        <a:srgbClr val="69676D"/>
+        <a:srgbClr val="3B3B3B"/>
       </a:dk2>
       <a:lt2>
-        <a:srgbClr val="C9C2D1"/>
+        <a:srgbClr val="D4D2D0"/>
       </a:lt2>
       <a:accent1>
-        <a:srgbClr val="CEB966"/>
+        <a:srgbClr val="6EA0B0"/>
       </a:accent1>
       <a:accent2>
-        <a:srgbClr val="9CB084"/>
+        <a:srgbClr val="CCAF0A"/>
       </a:accent2>
       <a:accent3>
-        <a:srgbClr val="6BB1C9"/>
+        <a:srgbClr val="8D89A4"/>
       </a:accent3>
       <a:accent4>
-        <a:srgbClr val="6585CF"/>
+        <a:srgbClr val="748560"/>
       </a:accent4>
       <a:accent5>
-        <a:srgbClr val="7E6BC9"/>
+        <a:srgbClr val="9E9273"/>
       </a:accent5>
       <a:accent6>
-        <a:srgbClr val="A379BB"/>
+        <a:srgbClr val="7E848D"/>
       </a:accent6>
       <a:hlink>
-        <a:srgbClr val="410082"/>
+        <a:srgbClr val="00C8C3"/>
       </a:hlink>
       <a:folHlink>
-        <a:srgbClr val="932968"/>
+        <a:srgbClr val="A116E0"/>
       </a:folHlink>
     </a:clrScheme>
-    <a:fontScheme name="Apex">
+    <a:fontScheme name="Technique">
       <a:majorFont>
-        <a:latin typeface="Lucida Sans"/>
+        <a:latin typeface="Franklin Gothic Book"/>
         <a:ea typeface=""/>
         <a:cs typeface=""/>
-        <a:font script="Grek" typeface="Arial"/>
-        <a:font script="Cyrl" typeface="Arial"/>
-        <a:font script="Jpan" typeface="HG丸ｺﾞｼｯｸM-PRO"/>
-        <a:font script="Hang" typeface="휴먼옛체"/>
-        <a:font script="Hans" typeface="黑体"/>
+        <a:font script="Jpan" typeface="ＭＳ Ｐゴシック"/>
+        <a:font script="Hang" typeface="HY견고딕"/>
+        <a:font script="Hans" typeface="宋体"/>
         <a:font script="Hant" typeface="微軟正黑體"/>
         <a:font script="Arab" typeface="Tahoma"/>
-        <a:font script="Hebr" typeface="Levenim MT"/>
-        <a:font script="Thai" typeface="FreesiaUPC"/>
+        <a:font script="Hebr" typeface="Arial"/>
+        <a:font script="Thai" typeface="Cordia New"/>
         <a:font script="Ethi" typeface="Nyala"/>
         <a:font script="Beng" typeface="Vrinda"/>
         <a:font script="Gujr" typeface="Shruti"/>
@@ -9754,27 +11563,25 @@
         <a:font script="Laoo" typeface="DokChampa"/>
         <a:font script="Sinh" typeface="Iskoola Pota"/>
         <a:font script="Mong" typeface="Mongolian Baiti"/>
-        <a:font script="Viet" typeface="Tahoma"/>
+        <a:font script="Viet" typeface="Arial"/>
         <a:font script="Uigh" typeface="Microsoft Uighur"/>
         <a:font script="Geor" typeface="Sylfaen"/>
       </a:majorFont>
       <a:minorFont>
-        <a:latin typeface="Book Antiqua"/>
+        <a:latin typeface="Arial"/>
         <a:ea typeface=""/>
         <a:cs typeface=""/>
-        <a:font script="Grek" typeface="Times New Roman"/>
-        <a:font script="Cyrl" typeface="Times New Roman"/>
-        <a:font script="Jpan" typeface="HG明朝B"/>
-        <a:font script="Hang" typeface="돋움"/>
-        <a:font script="Hans" typeface="宋体"/>
-        <a:font script="Hant" typeface="新細明體"/>
-        <a:font script="Arab" typeface="Times New Roman"/>
-        <a:font script="Hebr" typeface="David"/>
-        <a:font script="Thai" typeface="EucrosiaUPC"/>
+        <a:font script="Jpan" typeface="HGｺﾞｼｯｸM"/>
+        <a:font script="Hang" typeface="HY중고딕"/>
+        <a:font script="Hans" typeface="黑体"/>
+        <a:font script="Hant" typeface="微軟正黑體"/>
+        <a:font script="Arab" typeface="Tahoma"/>
+        <a:font script="Hebr" typeface="Levenim MT"/>
+        <a:font script="Thai" typeface="LilyUPC"/>
         <a:font script="Ethi" typeface="Nyala"/>
         <a:font script="Beng" typeface="Vrinda"/>
         <a:font script="Gujr" typeface="Shruti"/>
-        <a:font script="Khmr" typeface="MoolBoran"/>
+        <a:font script="Khmr" typeface="DaunPenh"/>
         <a:font script="Knda" typeface="Tunga"/>
         <a:font script="Guru" typeface="Raavi"/>
         <a:font script="Cans" typeface="Euphemia"/>
@@ -9791,89 +11598,113 @@
         <a:font script="Laoo" typeface="DokChampa"/>
         <a:font script="Sinh" typeface="Iskoola Pota"/>
         <a:font script="Mong" typeface="Mongolian Baiti"/>
-        <a:font script="Viet" typeface="Times New Roman"/>
+        <a:font script="Viet" typeface="Arial"/>
         <a:font script="Uigh" typeface="Microsoft Uighur"/>
         <a:font script="Geor" typeface="Sylfaen"/>
       </a:minorFont>
     </a:fontScheme>
-    <a:fmtScheme name="Apex">
+    <a:fmtScheme name="Technique">
       <a:fillStyleLst>
         <a:solidFill>
           <a:schemeClr val="phClr"/>
         </a:solidFill>
         <a:gradFill rotWithShape="1">
           <a:gsLst>
-            <a:gs pos="20000">
+            <a:gs pos="0">
               <a:schemeClr val="phClr">
-                <a:tint val="9000"/>
+                <a:tint val="1000"/>
+              </a:schemeClr>
+            </a:gs>
+            <a:gs pos="68000">
+              <a:schemeClr val="phClr">
+                <a:tint val="77000"/>
+              </a:schemeClr>
+            </a:gs>
+            <a:gs pos="81000">
+              <a:schemeClr val="phClr">
+                <a:tint val="79000"/>
+              </a:schemeClr>
+            </a:gs>
+            <a:gs pos="86000">
+              <a:schemeClr val="phClr">
+                <a:tint val="73000"/>
               </a:schemeClr>
             </a:gs>
             <a:gs pos="100000">
               <a:schemeClr val="phClr">
-                <a:tint val="70000"/>
-                <a:satMod val="100000"/>
+                <a:tint val="35000"/>
               </a:schemeClr>
             </a:gs>
           </a:gsLst>
-          <a:path path="circle">
-            <a:fillToRect l="-15000" t="-15000" r="115000" b="115000"/>
-          </a:path>
+          <a:lin ang="5400000" scaled="1"/>
         </a:gradFill>
         <a:gradFill rotWithShape="1">
           <a:gsLst>
             <a:gs pos="0">
               <a:schemeClr val="phClr">
-                <a:shade val="60000"/>
+                <a:tint val="73000"/>
+                <a:satMod val="150000"/>
               </a:schemeClr>
             </a:gs>
-            <a:gs pos="33000">
+            <a:gs pos="25000">
               <a:schemeClr val="phClr">
-                <a:tint val="86500"/>
+                <a:tint val="96000"/>
+                <a:shade val="80000"/>
+                <a:satMod val="105000"/>
               </a:schemeClr>
             </a:gs>
-            <a:gs pos="46750">
+            <a:gs pos="38000">
               <a:schemeClr val="phClr">
-                <a:tint val="71000"/>
-                <a:satMod val="112000"/>
+                <a:tint val="96000"/>
+                <a:shade val="59000"/>
+                <a:satMod val="120000"/>
               </a:schemeClr>
             </a:gs>
-            <a:gs pos="53000">
+            <a:gs pos="55000">
               <a:schemeClr val="phClr">
-                <a:tint val="71000"/>
-                <a:satMod val="112000"/>
+                <a:shade val="57000"/>
+                <a:satMod val="120000"/>
               </a:schemeClr>
             </a:gs>
-            <a:gs pos="68000">
+            <a:gs pos="80000">
               <a:schemeClr val="phClr">
-                <a:tint val="86000"/>
+                <a:shade val="56000"/>
+                <a:satMod val="145000"/>
+              </a:schemeClr>
+            </a:gs>
+            <a:gs pos="88000">
+              <a:schemeClr val="phClr">
+                <a:shade val="63000"/>
+                <a:satMod val="160000"/>
               </a:schemeClr>
             </a:gs>
             <a:gs pos="100000">
               <a:schemeClr val="phClr">
-                <a:shade val="60000"/>
+                <a:tint val="99555"/>
+                <a:satMod val="155000"/>
               </a:schemeClr>
             </a:gs>
           </a:gsLst>
-          <a:lin ang="8350000" scaled="1"/>
+          <a:lin ang="5400000" scaled="1"/>
         </a:gradFill>
       </a:fillStyleLst>
       <a:lnStyleLst>
         <a:ln w="9525" cap="flat" cmpd="sng" algn="ctr">
           <a:solidFill>
             <a:schemeClr val="phClr">
-              <a:shade val="48000"/>
-              <a:satMod val="110000"/>
+              <a:shade val="60000"/>
+              <a:satMod val="300000"/>
             </a:schemeClr>
           </a:solidFill>
           <a:prstDash val="solid"/>
         </a:ln>
-        <a:ln w="25400" cap="flat" cmpd="sng" algn="ctr">
+        <a:ln w="19050" cap="flat" cmpd="sng" algn="ctr">
           <a:solidFill>
             <a:schemeClr val="phClr"/>
           </a:solidFill>
           <a:prstDash val="solid"/>
         </a:ln>
-        <a:ln w="38100" cap="flat" cmpd="sng" algn="ctr">
+        <a:ln w="19050" cap="flat" cmpd="sng" algn="ctr">
           <a:solidFill>
             <a:schemeClr val="phClr"/>
           </a:solidFill>
@@ -9883,40 +11714,55 @@
       <a:effectStyleLst>
         <a:effectStyle>
           <a:effectLst>
-            <a:outerShdw blurRad="130000" dist="101600" dir="2700000" algn="tl" rotWithShape="0">
-              <a:srgbClr val="000000">
-                <a:alpha val="35000"/>
-              </a:srgbClr>
-            </a:outerShdw>
+            <a:glow rad="63500">
+              <a:schemeClr val="phClr">
+                <a:tint val="30000"/>
+                <a:shade val="95000"/>
+                <a:satMod val="300000"/>
+                <a:alpha val="50000"/>
+              </a:schemeClr>
+            </a:glow>
           </a:effectLst>
         </a:effectStyle>
         <a:effectStyle>
           <a:effectLst>
-            <a:outerShdw blurRad="190500" dist="228600" dir="2700000" sy="90000" rotWithShape="0">
-              <a:srgbClr val="000000">
-                <a:alpha val="25500"/>
-              </a:srgbClr>
-            </a:outerShdw>
+            <a:glow rad="70000">
+              <a:schemeClr val="phClr">
+                <a:tint val="30000"/>
+                <a:shade val="95000"/>
+                <a:satMod val="300000"/>
+                <a:alpha val="50000"/>
+              </a:schemeClr>
+            </a:glow>
           </a:effectLst>
         </a:effectStyle>
         <a:effectStyle>
           <a:effectLst>
-            <a:outerShdw blurRad="190500" dist="228600" dir="2700000" sy="90000" rotWithShape="0">
-              <a:srgbClr val="000000">
-                <a:alpha val="25500"/>
-              </a:srgbClr>
-            </a:outerShdw>
+            <a:glow rad="76200">
+              <a:schemeClr val="phClr">
+                <a:tint val="30000"/>
+                <a:shade val="95000"/>
+                <a:satMod val="300000"/>
+                <a:alpha val="50000"/>
+              </a:schemeClr>
+            </a:glow>
           </a:effectLst>
           <a:scene3d>
             <a:camera prst="orthographicFront" fov="0">
               <a:rot lat="0" lon="0" rev="0"/>
             </a:camera>
-            <a:lightRig rig="soft" dir="tl">
-              <a:rot lat="0" lon="0" rev="20100000"/>
+            <a:lightRig rig="harsh" dir="t">
+              <a:rot lat="6000000" lon="6000000" rev="0"/>
             </a:lightRig>
           </a:scene3d>
-          <a:sp3d>
-            <a:bevelT w="50800" h="50800"/>
+          <a:sp3d contourW="10000" prstMaterial="metal">
+            <a:bevelT w="20000" h="9000" prst="softRound"/>
+            <a:contourClr>
+              <a:schemeClr val="phClr">
+                <a:shade val="30000"/>
+                <a:satMod val="200000"/>
+              </a:schemeClr>
+            </a:contourClr>
           </a:sp3d>
         </a:effectStyle>
       </a:effectStyleLst>
@@ -9928,38 +11774,44 @@
           <a:gsLst>
             <a:gs pos="0">
               <a:schemeClr val="phClr">
-                <a:tint val="50000"/>
-                <a:satMod val="180000"/>
+                <a:shade val="40000"/>
+                <a:satMod val="150000"/>
+              </a:schemeClr>
+            </a:gs>
+            <a:gs pos="30000">
+              <a:schemeClr val="phClr">
+                <a:shade val="60000"/>
+                <a:satMod val="150000"/>
               </a:schemeClr>
             </a:gs>
             <a:gs pos="100000">
               <a:schemeClr val="phClr">
-                <a:shade val="45000"/>
-                <a:satMod val="120000"/>
+                <a:tint val="83000"/>
+                <a:satMod val="200000"/>
+              </a:schemeClr>
+            </a:gs>
+          </a:gsLst>
+          <a:lin ang="13000000" scaled="0"/>
+        </a:gradFill>
+        <a:gradFill rotWithShape="1">
+          <a:gsLst>
+            <a:gs pos="0">
+              <a:schemeClr val="phClr">
+                <a:tint val="78000"/>
+                <a:satMod val="220000"/>
+              </a:schemeClr>
+            </a:gs>
+            <a:gs pos="100000">
+              <a:schemeClr val="phClr">
+                <a:shade val="35000"/>
+                <a:satMod val="155000"/>
               </a:schemeClr>
             </a:gs>
           </a:gsLst>
           <a:path path="circle">
-            <a:fillToRect r="100000" b="100000"/>
+            <a:fillToRect l="60000" t="50000" r="40000" b="50000"/>
           </a:path>
         </a:gradFill>
-        <a:blipFill>
-          <a:blip xmlns:r="http://schemas.openxmlformats.org/officeDocument/2006/relationships" r:embed="rId1">
-            <a:duotone>
-              <a:schemeClr val="phClr">
-                <a:shade val="3000"/>
-                <a:satMod val="110000"/>
-              </a:schemeClr>
-              <a:schemeClr val="phClr">
-                <a:tint val="60000"/>
-                <a:satMod val="425000"/>
-              </a:schemeClr>
-            </a:duotone>
-          </a:blip>
-          <a:stretch>
-            <a:fillRect/>
-          </a:stretch>
-        </a:blipFill>
       </a:bgFillStyleLst>
     </a:fmtScheme>
   </a:themeElements>

--- a/Diapo Soutenance.pptx
+++ b/Diapo Soutenance.pptx
@@ -381,13 +381,13 @@
                 <c:formatCode>General</c:formatCode>
                 <c:ptCount val="3"/>
                 <c:pt idx="0">
-                  <c:v>1.4999999999999999E-2</c:v>
+                  <c:v>3.9E-2</c:v>
                 </c:pt>
                 <c:pt idx="1">
-                  <c:v>0.33300000000000002</c:v>
+                  <c:v>3.0190000000000001</c:v>
                 </c:pt>
                 <c:pt idx="2">
-                  <c:v>2.8410000000000002</c:v>
+                  <c:v>123.129</c:v>
                 </c:pt>
               </c:numCache>
             </c:numRef>
@@ -404,11 +404,11 @@
         </c:dLbls>
         <c:marker val="1"/>
         <c:smooth val="0"/>
-        <c:axId val="88185472"/>
-        <c:axId val="88204032"/>
+        <c:axId val="34358400"/>
+        <c:axId val="34360320"/>
       </c:lineChart>
       <c:catAx>
-        <c:axId val="88185472"/>
+        <c:axId val="34358400"/>
         <c:scaling>
           <c:orientation val="minMax"/>
         </c:scaling>
@@ -438,7 +438,7 @@
         <c:majorTickMark val="out"/>
         <c:minorTickMark val="none"/>
         <c:tickLblPos val="nextTo"/>
-        <c:crossAx val="88204032"/>
+        <c:crossAx val="34360320"/>
         <c:crosses val="autoZero"/>
         <c:auto val="1"/>
         <c:lblAlgn val="ctr"/>
@@ -446,10 +446,10 @@
         <c:noMultiLvlLbl val="0"/>
       </c:catAx>
       <c:valAx>
-        <c:axId val="88204032"/>
+        <c:axId val="34360320"/>
         <c:scaling>
           <c:orientation val="minMax"/>
-          <c:max val="100"/>
+          <c:max val="200"/>
           <c:min val="0"/>
         </c:scaling>
         <c:delete val="0"/>
@@ -483,7 +483,7 @@
         <c:majorTickMark val="out"/>
         <c:minorTickMark val="none"/>
         <c:tickLblPos val="nextTo"/>
-        <c:crossAx val="88185472"/>
+        <c:crossAx val="34358400"/>
         <c:crosses val="autoZero"/>
         <c:crossBetween val="between"/>
       </c:valAx>
@@ -602,10 +602,10 @@
                 <c:formatCode>General</c:formatCode>
                 <c:ptCount val="4"/>
                 <c:pt idx="0">
-                  <c:v>16</c:v>
+                  <c:v>10</c:v>
                 </c:pt>
                 <c:pt idx="1">
-                  <c:v>36</c:v>
+                  <c:v>22</c:v>
                 </c:pt>
                 <c:pt idx="2">
                   <c:v>64</c:v>
@@ -663,16 +663,16 @@
                 <c:formatCode>General</c:formatCode>
                 <c:ptCount val="4"/>
                 <c:pt idx="0">
-                  <c:v>20</c:v>
+                  <c:v>16</c:v>
                 </c:pt>
                 <c:pt idx="1">
-                  <c:v>14</c:v>
+                  <c:v>8</c:v>
                 </c:pt>
                 <c:pt idx="2">
-                  <c:v>10</c:v>
+                  <c:v>6</c:v>
                 </c:pt>
                 <c:pt idx="3">
-                  <c:v>8</c:v>
+                  <c:v>4</c:v>
                 </c:pt>
               </c:numCache>
             </c:numRef>
@@ -689,11 +689,11 @@
         </c:dLbls>
         <c:marker val="1"/>
         <c:smooth val="0"/>
-        <c:axId val="88256896"/>
-        <c:axId val="88258816"/>
+        <c:axId val="34900608"/>
+        <c:axId val="34902784"/>
       </c:lineChart>
       <c:catAx>
-        <c:axId val="88256896"/>
+        <c:axId val="34900608"/>
         <c:scaling>
           <c:orientation val="minMax"/>
         </c:scaling>
@@ -727,7 +727,7 @@
         <c:majorTickMark val="out"/>
         <c:minorTickMark val="none"/>
         <c:tickLblPos val="nextTo"/>
-        <c:crossAx val="88258816"/>
+        <c:crossAx val="34902784"/>
         <c:crosses val="autoZero"/>
         <c:auto val="1"/>
         <c:lblAlgn val="ctr"/>
@@ -735,7 +735,7 @@
         <c:noMultiLvlLbl val="0"/>
       </c:catAx>
       <c:valAx>
-        <c:axId val="88258816"/>
+        <c:axId val="34902784"/>
         <c:scaling>
           <c:orientation val="minMax"/>
         </c:scaling>
@@ -766,7 +766,7 @@
         <c:majorTickMark val="out"/>
         <c:minorTickMark val="none"/>
         <c:tickLblPos val="nextTo"/>
-        <c:crossAx val="88256896"/>
+        <c:crossAx val="34900608"/>
         <c:crosses val="autoZero"/>
         <c:crossBetween val="between"/>
       </c:valAx>
@@ -10137,7 +10137,7 @@
           <p:nvPr>
             <p:extLst>
               <p:ext uri="{D42A27DB-BD31-4B8C-83A1-F6EECF244321}">
-                <p14:modId xmlns:p14="http://schemas.microsoft.com/office/powerpoint/2010/main" val="3292704218"/>
+                <p14:modId xmlns:p14="http://schemas.microsoft.com/office/powerpoint/2010/main" val="1856068333"/>
               </p:ext>
             </p:extLst>
           </p:nvPr>
@@ -10550,7 +10550,7 @@
           <p:nvPr>
             <p:extLst>
               <p:ext uri="{D42A27DB-BD31-4B8C-83A1-F6EECF244321}">
-                <p14:modId xmlns:p14="http://schemas.microsoft.com/office/powerpoint/2010/main" val="2885524085"/>
+                <p14:modId xmlns:p14="http://schemas.microsoft.com/office/powerpoint/2010/main" val="3580421765"/>
               </p:ext>
             </p:extLst>
           </p:nvPr>
@@ -11733,11 +11733,11 @@
   <p:clrMapOvr>
     <a:masterClrMapping/>
   </p:clrMapOvr>
-  <mc:AlternateContent xmlns:mc="http://schemas.openxmlformats.org/markup-compatibility/2006">
-    <mc:Choice xmlns:p14="http://schemas.microsoft.com/office/powerpoint/2010/main" Requires="p14">
+  <mc:AlternateContent xmlns:mc="http://schemas.openxmlformats.org/markup-compatibility/2006" xmlns:p14="http://schemas.microsoft.com/office/powerpoint/2010/main">
+    <mc:Choice Requires="p14">
       <p:transition spd="slow" p14:dur="2000"/>
     </mc:Choice>
-    <mc:Fallback>
+    <mc:Fallback xmlns="">
       <p:transition spd="slow"/>
     </mc:Fallback>
   </mc:AlternateContent>

--- a/Diapo Soutenance.pptx
+++ b/Diapo Soutenance.pptx
@@ -381,13 +381,13 @@
                 <c:formatCode>General</c:formatCode>
                 <c:ptCount val="3"/>
                 <c:pt idx="0">
-                  <c:v>3.9E-2</c:v>
+                  <c:v>1.4999999999999999E-2</c:v>
                 </c:pt>
                 <c:pt idx="1">
-                  <c:v>3.0190000000000001</c:v>
+                  <c:v>0.33300000000000002</c:v>
                 </c:pt>
                 <c:pt idx="2">
-                  <c:v>123.129</c:v>
+                  <c:v>2.8410000000000002</c:v>
                 </c:pt>
               </c:numCache>
             </c:numRef>
@@ -404,11 +404,11 @@
         </c:dLbls>
         <c:marker val="1"/>
         <c:smooth val="0"/>
-        <c:axId val="34358400"/>
-        <c:axId val="34360320"/>
+        <c:axId val="88185472"/>
+        <c:axId val="88204032"/>
       </c:lineChart>
       <c:catAx>
-        <c:axId val="34358400"/>
+        <c:axId val="88185472"/>
         <c:scaling>
           <c:orientation val="minMax"/>
         </c:scaling>
@@ -438,7 +438,7 @@
         <c:majorTickMark val="out"/>
         <c:minorTickMark val="none"/>
         <c:tickLblPos val="nextTo"/>
-        <c:crossAx val="34360320"/>
+        <c:crossAx val="88204032"/>
         <c:crosses val="autoZero"/>
         <c:auto val="1"/>
         <c:lblAlgn val="ctr"/>
@@ -446,10 +446,10 @@
         <c:noMultiLvlLbl val="0"/>
       </c:catAx>
       <c:valAx>
-        <c:axId val="34360320"/>
+        <c:axId val="88204032"/>
         <c:scaling>
           <c:orientation val="minMax"/>
-          <c:max val="200"/>
+          <c:max val="100"/>
           <c:min val="0"/>
         </c:scaling>
         <c:delete val="0"/>
@@ -483,7 +483,7 @@
         <c:majorTickMark val="out"/>
         <c:minorTickMark val="none"/>
         <c:tickLblPos val="nextTo"/>
-        <c:crossAx val="34358400"/>
+        <c:crossAx val="88185472"/>
         <c:crosses val="autoZero"/>
         <c:crossBetween val="between"/>
       </c:valAx>
@@ -602,10 +602,10 @@
                 <c:formatCode>General</c:formatCode>
                 <c:ptCount val="4"/>
                 <c:pt idx="0">
-                  <c:v>10</c:v>
+                  <c:v>16</c:v>
                 </c:pt>
                 <c:pt idx="1">
-                  <c:v>22</c:v>
+                  <c:v>36</c:v>
                 </c:pt>
                 <c:pt idx="2">
                   <c:v>64</c:v>
@@ -663,16 +663,16 @@
                 <c:formatCode>General</c:formatCode>
                 <c:ptCount val="4"/>
                 <c:pt idx="0">
-                  <c:v>16</c:v>
+                  <c:v>20</c:v>
                 </c:pt>
                 <c:pt idx="1">
-                  <c:v>8</c:v>
+                  <c:v>14</c:v>
                 </c:pt>
                 <c:pt idx="2">
-                  <c:v>6</c:v>
+                  <c:v>10</c:v>
                 </c:pt>
                 <c:pt idx="3">
-                  <c:v>4</c:v>
+                  <c:v>8</c:v>
                 </c:pt>
               </c:numCache>
             </c:numRef>
@@ -689,11 +689,11 @@
         </c:dLbls>
         <c:marker val="1"/>
         <c:smooth val="0"/>
-        <c:axId val="34900608"/>
-        <c:axId val="34902784"/>
+        <c:axId val="88256896"/>
+        <c:axId val="88258816"/>
       </c:lineChart>
       <c:catAx>
-        <c:axId val="34900608"/>
+        <c:axId val="88256896"/>
         <c:scaling>
           <c:orientation val="minMax"/>
         </c:scaling>
@@ -727,7 +727,7 @@
         <c:majorTickMark val="out"/>
         <c:minorTickMark val="none"/>
         <c:tickLblPos val="nextTo"/>
-        <c:crossAx val="34902784"/>
+        <c:crossAx val="88258816"/>
         <c:crosses val="autoZero"/>
         <c:auto val="1"/>
         <c:lblAlgn val="ctr"/>
@@ -735,7 +735,7 @@
         <c:noMultiLvlLbl val="0"/>
       </c:catAx>
       <c:valAx>
-        <c:axId val="34902784"/>
+        <c:axId val="88258816"/>
         <c:scaling>
           <c:orientation val="minMax"/>
         </c:scaling>
@@ -766,7 +766,7 @@
         <c:majorTickMark val="out"/>
         <c:minorTickMark val="none"/>
         <c:tickLblPos val="nextTo"/>
-        <c:crossAx val="34900608"/>
+        <c:crossAx val="88256896"/>
         <c:crosses val="autoZero"/>
         <c:crossBetween val="between"/>
       </c:valAx>
@@ -10137,7 +10137,7 @@
           <p:nvPr>
             <p:extLst>
               <p:ext uri="{D42A27DB-BD31-4B8C-83A1-F6EECF244321}">
-                <p14:modId xmlns:p14="http://schemas.microsoft.com/office/powerpoint/2010/main" val="1856068333"/>
+                <p14:modId xmlns:p14="http://schemas.microsoft.com/office/powerpoint/2010/main" val="3292704218"/>
               </p:ext>
             </p:extLst>
           </p:nvPr>
@@ -10550,7 +10550,7 @@
           <p:nvPr>
             <p:extLst>
               <p:ext uri="{D42A27DB-BD31-4B8C-83A1-F6EECF244321}">
-                <p14:modId xmlns:p14="http://schemas.microsoft.com/office/powerpoint/2010/main" val="3580421765"/>
+                <p14:modId xmlns:p14="http://schemas.microsoft.com/office/powerpoint/2010/main" val="2885524085"/>
               </p:ext>
             </p:extLst>
           </p:nvPr>
@@ -11733,11 +11733,11 @@
   <p:clrMapOvr>
     <a:masterClrMapping/>
   </p:clrMapOvr>
-  <mc:AlternateContent xmlns:mc="http://schemas.openxmlformats.org/markup-compatibility/2006" xmlns:p14="http://schemas.microsoft.com/office/powerpoint/2010/main">
-    <mc:Choice Requires="p14">
+  <mc:AlternateContent xmlns:mc="http://schemas.openxmlformats.org/markup-compatibility/2006">
+    <mc:Choice xmlns:p14="http://schemas.microsoft.com/office/powerpoint/2010/main" Requires="p14">
       <p:transition spd="slow" p14:dur="2000"/>
     </mc:Choice>
-    <mc:Fallback xmlns="">
+    <mc:Fallback>
       <p:transition spd="slow"/>
     </mc:Fallback>
   </mc:AlternateContent>
